--- a/presentation.pptx
+++ b/presentation.pptx
@@ -5,21 +5,24 @@
     <p:sldMasterId id="2147483684" r:id="rId1"/>
   </p:sldMasterIdLst>
   <p:notesMasterIdLst>
-    <p:notesMasterId r:id="rId14"/>
+    <p:notesMasterId r:id="rId17"/>
   </p:notesMasterIdLst>
   <p:sldIdLst>
     <p:sldId id="278" r:id="rId2"/>
-    <p:sldId id="298" r:id="rId3"/>
-    <p:sldId id="456" r:id="rId4"/>
-    <p:sldId id="457" r:id="rId5"/>
-    <p:sldId id="277" r:id="rId6"/>
-    <p:sldId id="319" r:id="rId7"/>
-    <p:sldId id="273" r:id="rId8"/>
-    <p:sldId id="455" r:id="rId9"/>
-    <p:sldId id="267" r:id="rId10"/>
-    <p:sldId id="275" r:id="rId11"/>
-    <p:sldId id="268" r:id="rId12"/>
-    <p:sldId id="279" r:id="rId13"/>
+    <p:sldId id="285" r:id="rId3"/>
+    <p:sldId id="298" r:id="rId4"/>
+    <p:sldId id="459" r:id="rId5"/>
+    <p:sldId id="293" r:id="rId6"/>
+    <p:sldId id="457" r:id="rId7"/>
+    <p:sldId id="458" r:id="rId8"/>
+    <p:sldId id="277" r:id="rId9"/>
+    <p:sldId id="319" r:id="rId10"/>
+    <p:sldId id="273" r:id="rId11"/>
+    <p:sldId id="455" r:id="rId12"/>
+    <p:sldId id="267" r:id="rId13"/>
+    <p:sldId id="275" r:id="rId14"/>
+    <p:sldId id="268" r:id="rId15"/>
+    <p:sldId id="279" r:id="rId16"/>
   </p:sldIdLst>
   <p:sldSz cx="12192000" cy="6858000"/>
   <p:notesSz cx="6858000" cy="9144000"/>
@@ -124,9 +127,12 @@
         <p14:section name="Default Section" id="{E00AF5C8-00D9-4AE2-95E5-E66505DF4034}">
           <p14:sldIdLst>
             <p14:sldId id="278"/>
+            <p14:sldId id="285"/>
             <p14:sldId id="298"/>
-            <p14:sldId id="456"/>
+            <p14:sldId id="459"/>
+            <p14:sldId id="293"/>
             <p14:sldId id="457"/>
+            <p14:sldId id="458"/>
             <p14:sldId id="277"/>
             <p14:sldId id="319"/>
           </p14:sldIdLst>
@@ -235,7 +241,7 @@
           <a:p>
             <a:fld id="{D987070D-87AF-4443-8990-425EA27CC244}" type="datetimeFigureOut">
               <a:rPr lang="de-CH" smtClean="0"/>
-              <a:t>27.05.2018</a:t>
+              <a:t>30.05.2018</a:t>
             </a:fld>
             <a:endParaRPr lang="de-CH"/>
           </a:p>
@@ -631,95 +637,6 @@
           <a:bodyPr/>
           <a:lstStyle/>
           <a:p>
-            <a:r>
-              <a:rPr lang="en-US" dirty="0"/>
-              <a:t>I’m Daniel, </a:t>
-            </a:r>
-            <a:r>
-              <a:rPr lang="en-US"/>
-              <a:t>Solution Engineer…</a:t>
-            </a:r>
-            <a:endParaRPr lang="en-US" dirty="0"/>
-          </a:p>
-          <a:p>
-            <a:r>
-              <a:rPr lang="en-US" dirty="0"/>
-              <a:t>I live in central</a:t>
-            </a:r>
-            <a:r>
-              <a:rPr lang="en-US" baseline="0" dirty="0"/>
-              <a:t> Switzerland. If you want to know more about me listen to episode 77 of developer on fire</a:t>
-            </a:r>
-            <a:endParaRPr lang="en-US" dirty="0"/>
-          </a:p>
-          <a:p>
-            <a:r>
-              <a:rPr lang="en-US" dirty="0"/>
-              <a:t>You can reach me on twitter under @</a:t>
-            </a:r>
-            <a:r>
-              <a:rPr lang="en-US" dirty="0" err="1"/>
-              <a:t>danielmarbach</a:t>
-            </a:r>
-            <a:endParaRPr lang="en-US" dirty="0"/>
-          </a:p>
-          <a:p>
-            <a:r>
-              <a:rPr lang="en-US" dirty="0"/>
-              <a:t>I blog on the particular blog and on my personal blog</a:t>
-            </a:r>
-          </a:p>
-          <a:p>
-            <a:r>
-              <a:rPr lang="en-US" dirty="0"/>
-              <a:t>I’m the lead behind the </a:t>
-            </a:r>
-            <a:r>
-              <a:rPr lang="en-US" dirty="0" err="1"/>
-              <a:t>asyncification</a:t>
-            </a:r>
-            <a:r>
-              <a:rPr lang="en-US" baseline="0" dirty="0"/>
-              <a:t> of </a:t>
-            </a:r>
-            <a:r>
-              <a:rPr lang="en-US" baseline="0" dirty="0" err="1"/>
-              <a:t>NServiceBus</a:t>
-            </a:r>
-            <a:r>
-              <a:rPr lang="en-US" baseline="0" dirty="0"/>
-              <a:t> and the ecosystem around it</a:t>
-            </a:r>
-          </a:p>
-          <a:p>
-            <a:r>
-              <a:rPr lang="en-US" baseline="0" dirty="0"/>
-              <a:t>I regularly contribute back ideas and code changes to </a:t>
-            </a:r>
-            <a:r>
-              <a:rPr lang="en-US" baseline="0" dirty="0" err="1"/>
-              <a:t>asyncify</a:t>
-            </a:r>
-            <a:r>
-              <a:rPr lang="en-US" baseline="0" dirty="0"/>
-              <a:t> the .NET OSS libraries and frameworks out there. So far I contributed to Entity Framework, </a:t>
-            </a:r>
-            <a:r>
-              <a:rPr lang="en-US" baseline="0" dirty="0" err="1"/>
-              <a:t>RabbitMQ</a:t>
-            </a:r>
-            <a:r>
-              <a:rPr lang="en-US" baseline="0" dirty="0"/>
-              <a:t>, Marten, </a:t>
-            </a:r>
-            <a:r>
-              <a:rPr lang="en-US" baseline="0" dirty="0" err="1"/>
-              <a:t>MassTransit</a:t>
-            </a:r>
-            <a:r>
-              <a:rPr lang="en-US" baseline="0" dirty="0"/>
-              <a:t>, Quartz.NET and many more</a:t>
-            </a:r>
             <a:endParaRPr lang="de-CH" dirty="0"/>
           </a:p>
         </p:txBody>
@@ -741,7 +658,7 @@
           <a:p>
             <a:fld id="{9BCA07FD-5BD5-4529-84B0-48DD2C561176}" type="slidenum">
               <a:rPr lang="de-CH" smtClean="0"/>
-              <a:t>11</a:t>
+              <a:t>10</a:t>
             </a:fld>
             <a:endParaRPr lang="de-CH"/>
           </a:p>
@@ -750,7 +667,7 @@
     </p:spTree>
     <p:extLst>
       <p:ext uri="{BB962C8B-B14F-4D97-AF65-F5344CB8AC3E}">
-        <p14:creationId xmlns:p14="http://schemas.microsoft.com/office/powerpoint/2010/main" val="88145516"/>
+        <p14:creationId xmlns:p14="http://schemas.microsoft.com/office/powerpoint/2010/main" val="3503916100"/>
       </p:ext>
     </p:extLst>
   </p:cSld>
@@ -804,14 +721,6 @@
           <a:bodyPr/>
           <a:lstStyle/>
           <a:p>
-            <a:r>
-              <a:rPr lang="de-CH" dirty="0"/>
-              <a:t>Thank you very much</a:t>
-            </a:r>
-            <a:r>
-              <a:rPr lang="de-CH" baseline="0" dirty="0"/>
-              <a:t> for listening and see you next time</a:t>
-            </a:r>
             <a:endParaRPr lang="de-CH" dirty="0"/>
           </a:p>
         </p:txBody>
@@ -834,6 +743,355 @@
             <a:fld id="{9BCA07FD-5BD5-4529-84B0-48DD2C561176}" type="slidenum">
               <a:rPr lang="de-CH" smtClean="0"/>
               <a:t>12</a:t>
+            </a:fld>
+            <a:endParaRPr lang="de-CH"/>
+          </a:p>
+        </p:txBody>
+      </p:sp>
+    </p:spTree>
+    <p:extLst>
+      <p:ext uri="{BB962C8B-B14F-4D97-AF65-F5344CB8AC3E}">
+        <p14:creationId xmlns:p14="http://schemas.microsoft.com/office/powerpoint/2010/main" val="3670487613"/>
+      </p:ext>
+    </p:extLst>
+  </p:cSld>
+  <p:clrMapOvr>
+    <a:masterClrMapping/>
+  </p:clrMapOvr>
+</p:notes>
+</file>
+
+<file path=ppt/notesSlides/notesSlide12.xml><?xml version="1.0" encoding="utf-8"?>
+<p:notes xmlns:a="http://schemas.openxmlformats.org/drawingml/2006/main" xmlns:r="http://schemas.openxmlformats.org/officeDocument/2006/relationships" xmlns:p="http://schemas.openxmlformats.org/presentationml/2006/main">
+  <p:cSld>
+    <p:spTree>
+      <p:nvGrpSpPr>
+        <p:cNvPr id="1" name=""/>
+        <p:cNvGrpSpPr/>
+        <p:nvPr/>
+      </p:nvGrpSpPr>
+      <p:grpSpPr>
+        <a:xfrm>
+          <a:off x="0" y="0"/>
+          <a:ext cx="0" cy="0"/>
+          <a:chOff x="0" y="0"/>
+          <a:chExt cx="0" cy="0"/>
+        </a:xfrm>
+      </p:grpSpPr>
+      <p:sp>
+        <p:nvSpPr>
+          <p:cNvPr id="2" name="Slide Image Placeholder 1"/>
+          <p:cNvSpPr>
+            <a:spLocks noGrp="1" noRot="1" noChangeAspect="1"/>
+          </p:cNvSpPr>
+          <p:nvPr>
+            <p:ph type="sldImg"/>
+          </p:nvPr>
+        </p:nvSpPr>
+        <p:spPr/>
+      </p:sp>
+      <p:sp>
+        <p:nvSpPr>
+          <p:cNvPr id="3" name="Notes Placeholder 2"/>
+          <p:cNvSpPr>
+            <a:spLocks noGrp="1"/>
+          </p:cNvSpPr>
+          <p:nvPr>
+            <p:ph type="body" idx="1"/>
+          </p:nvPr>
+        </p:nvSpPr>
+        <p:spPr/>
+        <p:txBody>
+          <a:bodyPr/>
+          <a:lstStyle/>
+          <a:p>
+            <a:endParaRPr lang="de-CH" dirty="0"/>
+          </a:p>
+        </p:txBody>
+      </p:sp>
+      <p:sp>
+        <p:nvSpPr>
+          <p:cNvPr id="4" name="Slide Number Placeholder 3"/>
+          <p:cNvSpPr>
+            <a:spLocks noGrp="1"/>
+          </p:cNvSpPr>
+          <p:nvPr>
+            <p:ph type="sldNum" sz="quarter" idx="10"/>
+          </p:nvPr>
+        </p:nvSpPr>
+        <p:spPr/>
+        <p:txBody>
+          <a:bodyPr/>
+          <a:lstStyle/>
+          <a:p>
+            <a:fld id="{9BCA07FD-5BD5-4529-84B0-48DD2C561176}" type="slidenum">
+              <a:rPr lang="de-CH" smtClean="0"/>
+              <a:t>13</a:t>
+            </a:fld>
+            <a:endParaRPr lang="de-CH"/>
+          </a:p>
+        </p:txBody>
+      </p:sp>
+    </p:spTree>
+    <p:extLst>
+      <p:ext uri="{BB962C8B-B14F-4D97-AF65-F5344CB8AC3E}">
+        <p14:creationId xmlns:p14="http://schemas.microsoft.com/office/powerpoint/2010/main" val="978782014"/>
+      </p:ext>
+    </p:extLst>
+  </p:cSld>
+  <p:clrMapOvr>
+    <a:masterClrMapping/>
+  </p:clrMapOvr>
+</p:notes>
+</file>
+
+<file path=ppt/notesSlides/notesSlide13.xml><?xml version="1.0" encoding="utf-8"?>
+<p:notes xmlns:a="http://schemas.openxmlformats.org/drawingml/2006/main" xmlns:r="http://schemas.openxmlformats.org/officeDocument/2006/relationships" xmlns:p="http://schemas.openxmlformats.org/presentationml/2006/main">
+  <p:cSld>
+    <p:spTree>
+      <p:nvGrpSpPr>
+        <p:cNvPr id="1" name=""/>
+        <p:cNvGrpSpPr/>
+        <p:nvPr/>
+      </p:nvGrpSpPr>
+      <p:grpSpPr>
+        <a:xfrm>
+          <a:off x="0" y="0"/>
+          <a:ext cx="0" cy="0"/>
+          <a:chOff x="0" y="0"/>
+          <a:chExt cx="0" cy="0"/>
+        </a:xfrm>
+      </p:grpSpPr>
+      <p:sp>
+        <p:nvSpPr>
+          <p:cNvPr id="2" name="Slide Image Placeholder 1"/>
+          <p:cNvSpPr>
+            <a:spLocks noGrp="1" noRot="1" noChangeAspect="1"/>
+          </p:cNvSpPr>
+          <p:nvPr>
+            <p:ph type="sldImg"/>
+          </p:nvPr>
+        </p:nvSpPr>
+        <p:spPr/>
+      </p:sp>
+      <p:sp>
+        <p:nvSpPr>
+          <p:cNvPr id="3" name="Notes Placeholder 2"/>
+          <p:cNvSpPr>
+            <a:spLocks noGrp="1"/>
+          </p:cNvSpPr>
+          <p:nvPr>
+            <p:ph type="body" idx="1"/>
+          </p:nvPr>
+        </p:nvSpPr>
+        <p:spPr/>
+        <p:txBody>
+          <a:bodyPr/>
+          <a:lstStyle/>
+          <a:p>
+            <a:r>
+              <a:rPr lang="en-US" dirty="0"/>
+              <a:t>I’m Daniel, </a:t>
+            </a:r>
+            <a:r>
+              <a:rPr lang="en-US"/>
+              <a:t>Solution Engineer…</a:t>
+            </a:r>
+            <a:endParaRPr lang="en-US" dirty="0"/>
+          </a:p>
+          <a:p>
+            <a:r>
+              <a:rPr lang="en-US" dirty="0"/>
+              <a:t>I live in central</a:t>
+            </a:r>
+            <a:r>
+              <a:rPr lang="en-US" baseline="0" dirty="0"/>
+              <a:t> Switzerland. If you want to know more about me listen to episode 77 of developer on fire</a:t>
+            </a:r>
+            <a:endParaRPr lang="en-US" dirty="0"/>
+          </a:p>
+          <a:p>
+            <a:r>
+              <a:rPr lang="en-US" dirty="0"/>
+              <a:t>You can reach me on twitter under @</a:t>
+            </a:r>
+            <a:r>
+              <a:rPr lang="en-US" dirty="0" err="1"/>
+              <a:t>danielmarbach</a:t>
+            </a:r>
+            <a:endParaRPr lang="en-US" dirty="0"/>
+          </a:p>
+          <a:p>
+            <a:r>
+              <a:rPr lang="en-US" dirty="0"/>
+              <a:t>I blog on the particular blog and on my personal blog</a:t>
+            </a:r>
+          </a:p>
+          <a:p>
+            <a:r>
+              <a:rPr lang="en-US" dirty="0"/>
+              <a:t>I’m the lead behind the </a:t>
+            </a:r>
+            <a:r>
+              <a:rPr lang="en-US" dirty="0" err="1"/>
+              <a:t>asyncification</a:t>
+            </a:r>
+            <a:r>
+              <a:rPr lang="en-US" baseline="0" dirty="0"/>
+              <a:t> of </a:t>
+            </a:r>
+            <a:r>
+              <a:rPr lang="en-US" baseline="0" dirty="0" err="1"/>
+              <a:t>NServiceBus</a:t>
+            </a:r>
+            <a:r>
+              <a:rPr lang="en-US" baseline="0" dirty="0"/>
+              <a:t> and the ecosystem around it</a:t>
+            </a:r>
+          </a:p>
+          <a:p>
+            <a:r>
+              <a:rPr lang="en-US" baseline="0" dirty="0"/>
+              <a:t>I regularly contribute back ideas and code changes to </a:t>
+            </a:r>
+            <a:r>
+              <a:rPr lang="en-US" baseline="0" dirty="0" err="1"/>
+              <a:t>asyncify</a:t>
+            </a:r>
+            <a:r>
+              <a:rPr lang="en-US" baseline="0" dirty="0"/>
+              <a:t> the .NET OSS libraries and frameworks out there. So far I contributed to Entity Framework, </a:t>
+            </a:r>
+            <a:r>
+              <a:rPr lang="en-US" baseline="0" dirty="0" err="1"/>
+              <a:t>RabbitMQ</a:t>
+            </a:r>
+            <a:r>
+              <a:rPr lang="en-US" baseline="0" dirty="0"/>
+              <a:t>, Marten, </a:t>
+            </a:r>
+            <a:r>
+              <a:rPr lang="en-US" baseline="0" dirty="0" err="1"/>
+              <a:t>MassTransit</a:t>
+            </a:r>
+            <a:r>
+              <a:rPr lang="en-US" baseline="0" dirty="0"/>
+              <a:t>, Quartz.NET and many more</a:t>
+            </a:r>
+            <a:endParaRPr lang="de-CH" dirty="0"/>
+          </a:p>
+        </p:txBody>
+      </p:sp>
+      <p:sp>
+        <p:nvSpPr>
+          <p:cNvPr id="4" name="Slide Number Placeholder 3"/>
+          <p:cNvSpPr>
+            <a:spLocks noGrp="1"/>
+          </p:cNvSpPr>
+          <p:nvPr>
+            <p:ph type="sldNum" sz="quarter" idx="10"/>
+          </p:nvPr>
+        </p:nvSpPr>
+        <p:spPr/>
+        <p:txBody>
+          <a:bodyPr/>
+          <a:lstStyle/>
+          <a:p>
+            <a:fld id="{9BCA07FD-5BD5-4529-84B0-48DD2C561176}" type="slidenum">
+              <a:rPr lang="de-CH" smtClean="0"/>
+              <a:t>14</a:t>
+            </a:fld>
+            <a:endParaRPr lang="de-CH"/>
+          </a:p>
+        </p:txBody>
+      </p:sp>
+    </p:spTree>
+    <p:extLst>
+      <p:ext uri="{BB962C8B-B14F-4D97-AF65-F5344CB8AC3E}">
+        <p14:creationId xmlns:p14="http://schemas.microsoft.com/office/powerpoint/2010/main" val="88145516"/>
+      </p:ext>
+    </p:extLst>
+  </p:cSld>
+  <p:clrMapOvr>
+    <a:masterClrMapping/>
+  </p:clrMapOvr>
+</p:notes>
+</file>
+
+<file path=ppt/notesSlides/notesSlide14.xml><?xml version="1.0" encoding="utf-8"?>
+<p:notes xmlns:a="http://schemas.openxmlformats.org/drawingml/2006/main" xmlns:r="http://schemas.openxmlformats.org/officeDocument/2006/relationships" xmlns:p="http://schemas.openxmlformats.org/presentationml/2006/main">
+  <p:cSld>
+    <p:spTree>
+      <p:nvGrpSpPr>
+        <p:cNvPr id="1" name=""/>
+        <p:cNvGrpSpPr/>
+        <p:nvPr/>
+      </p:nvGrpSpPr>
+      <p:grpSpPr>
+        <a:xfrm>
+          <a:off x="0" y="0"/>
+          <a:ext cx="0" cy="0"/>
+          <a:chOff x="0" y="0"/>
+          <a:chExt cx="0" cy="0"/>
+        </a:xfrm>
+      </p:grpSpPr>
+      <p:sp>
+        <p:nvSpPr>
+          <p:cNvPr id="2" name="Slide Image Placeholder 1"/>
+          <p:cNvSpPr>
+            <a:spLocks noGrp="1" noRot="1" noChangeAspect="1"/>
+          </p:cNvSpPr>
+          <p:nvPr>
+            <p:ph type="sldImg"/>
+          </p:nvPr>
+        </p:nvSpPr>
+        <p:spPr/>
+      </p:sp>
+      <p:sp>
+        <p:nvSpPr>
+          <p:cNvPr id="3" name="Notes Placeholder 2"/>
+          <p:cNvSpPr>
+            <a:spLocks noGrp="1"/>
+          </p:cNvSpPr>
+          <p:nvPr>
+            <p:ph type="body" idx="1"/>
+          </p:nvPr>
+        </p:nvSpPr>
+        <p:spPr/>
+        <p:txBody>
+          <a:bodyPr/>
+          <a:lstStyle/>
+          <a:p>
+            <a:r>
+              <a:rPr lang="de-CH" dirty="0"/>
+              <a:t>Thank you very much</a:t>
+            </a:r>
+            <a:r>
+              <a:rPr lang="de-CH" baseline="0" dirty="0"/>
+              <a:t> for listening and see you next time</a:t>
+            </a:r>
+            <a:endParaRPr lang="de-CH" dirty="0"/>
+          </a:p>
+        </p:txBody>
+      </p:sp>
+      <p:sp>
+        <p:nvSpPr>
+          <p:cNvPr id="4" name="Slide Number Placeholder 3"/>
+          <p:cNvSpPr>
+            <a:spLocks noGrp="1"/>
+          </p:cNvSpPr>
+          <p:nvPr>
+            <p:ph type="sldNum" sz="quarter" idx="10"/>
+          </p:nvPr>
+        </p:nvSpPr>
+        <p:spPr/>
+        <p:txBody>
+          <a:bodyPr/>
+          <a:lstStyle/>
+          <a:p>
+            <a:fld id="{9BCA07FD-5BD5-4529-84B0-48DD2C561176}" type="slidenum">
+              <a:rPr lang="de-CH" smtClean="0"/>
+              <a:t>15</a:t>
             </a:fld>
             <a:endParaRPr lang="de-CH"/>
           </a:p>
@@ -896,6 +1154,23 @@
           <a:bodyPr/>
           <a:lstStyle/>
           <a:p>
+            <a:pPr marL="0" marR="0" lvl="0" indent="0" algn="l" defTabSz="914400" rtl="0" eaLnBrk="1" fontAlgn="auto" latinLnBrk="0" hangingPunct="1">
+              <a:lnSpc>
+                <a:spcPct val="100000"/>
+              </a:lnSpc>
+              <a:spcBef>
+                <a:spcPts val="0"/>
+              </a:spcBef>
+              <a:spcAft>
+                <a:spcPts val="0"/>
+              </a:spcAft>
+              <a:buClrTx/>
+              <a:buSzTx/>
+              <a:buFontTx/>
+              <a:buNone/>
+              <a:tabLst/>
+              <a:defRPr/>
+            </a:pPr>
             <a:r>
               <a:rPr lang="en-US" dirty="0"/>
               <a:t>Story: We lost maintenance windows because our legacy application had to fulfill invoice refund requests from </a:t>
@@ -912,58 +1187,6 @@
           <a:p>
             <a:endParaRPr lang="en-US" dirty="0"/>
           </a:p>
-          <a:p>
-            <a:r>
-              <a:rPr lang="en-US" dirty="0"/>
-              <a:t>Because of the RPC call chain when ever the latency between the DB cluster and the backend was slow or there was a concurrent update on a row those effects rippled through the </a:t>
-            </a:r>
-            <a:r>
-              <a:rPr lang="en-US" dirty="0" err="1"/>
-              <a:t>callstack</a:t>
-            </a:r>
-            <a:r>
-              <a:rPr lang="en-US" dirty="0"/>
-              <a:t> to the issuer of the call, which is the front-end. </a:t>
-            </a:r>
-          </a:p>
-          <a:p>
-            <a:r>
-              <a:rPr lang="en-US" dirty="0"/>
-              <a:t>Furthermore on every request from the front-end a new database transaction was created and when many operations were pending those transactions sometimes rolled back or slowed down the order processing</a:t>
-            </a:r>
-          </a:p>
-          <a:p>
-            <a:r>
-              <a:rPr lang="en-US" dirty="0"/>
-              <a:t>The temporal and special coupling introduced was horrible. The latency of the storage layer directly influenced the customer facing latency. </a:t>
-            </a:r>
-          </a:p>
-          <a:p>
-            <a:r>
-              <a:rPr lang="en-US" dirty="0"/>
-              <a:t>SLA couldn’t be fulfilled</a:t>
-            </a:r>
-          </a:p>
-          <a:p>
-            <a:r>
-              <a:rPr lang="en-US" dirty="0"/>
-              <a:t>Orders got lest when the client of the request stopped retrying</a:t>
-            </a:r>
-          </a:p>
-          <a:p>
-            <a:r>
-              <a:rPr lang="en-US" dirty="0"/>
-              <a:t>Orders could not be throttled and worst the actual order intent was difficult to find in HTTP </a:t>
-            </a:r>
-            <a:r>
-              <a:rPr lang="en-US" dirty="0" err="1"/>
-              <a:t>callstack</a:t>
-            </a:r>
-            <a:r>
-              <a:rPr lang="en-US" dirty="0"/>
-              <a:t> exception logs</a:t>
-            </a:r>
-          </a:p>
         </p:txBody>
       </p:sp>
       <p:sp>
@@ -981,18 +1204,18 @@
           <a:bodyPr/>
           <a:lstStyle/>
           <a:p>
-            <a:fld id="{9BCA07FD-5BD5-4529-84B0-48DD2C561176}" type="slidenum">
-              <a:rPr lang="de-CH" smtClean="0"/>
+            <a:fld id="{59E9685D-E391-4BCC-987B-6FB0218A8DB9}" type="slidenum">
+              <a:rPr lang="en-US" smtClean="0"/>
               <a:t>2</a:t>
             </a:fld>
-            <a:endParaRPr lang="de-CH"/>
+            <a:endParaRPr lang="en-US"/>
           </a:p>
         </p:txBody>
       </p:sp>
     </p:spTree>
     <p:extLst>
       <p:ext uri="{BB962C8B-B14F-4D97-AF65-F5344CB8AC3E}">
-        <p14:creationId xmlns:p14="http://schemas.microsoft.com/office/powerpoint/2010/main" val="998741506"/>
+        <p14:creationId xmlns:p14="http://schemas.microsoft.com/office/powerpoint/2010/main" val="1614220825"/>
       </p:ext>
     </p:extLst>
   </p:cSld>
@@ -1048,40 +1271,53 @@
           <a:p>
             <a:r>
               <a:rPr lang="en-US" dirty="0"/>
-              <a:t>Praise the lords of messaging</a:t>
-            </a:r>
-          </a:p>
-          <a:p>
+              <a:t>Because of the RPC call chain when ever the latency between the DB cluster and the backend was slow or there was a concurrent update on a row those effects rippled through the </a:t>
+            </a:r>
+            <a:r>
+              <a:rPr lang="en-US" dirty="0" err="1"/>
+              <a:t>callstack</a:t>
+            </a:r>
             <a:r>
               <a:rPr lang="en-US" dirty="0"/>
-              <a:t>We realized invoice refunds is a perfect domain to apply messaging to</a:t>
-            </a:r>
-            <a:br>
+              <a:t> to the issuer of the call, which is the front-end. </a:t>
+            </a:r>
+          </a:p>
+          <a:p>
+            <a:r>
               <a:rPr lang="en-US" dirty="0"/>
-            </a:br>
+              <a:t>Furthermore on every request from the front-end a new database transaction was created and when many operations were pending those transactions sometimes rolled back or slowed down the order processing</a:t>
+            </a:r>
+          </a:p>
+          <a:p>
             <a:r>
               <a:rPr lang="en-US" dirty="0"/>
-              <a:t>We can give the refunding client an immediate fake state and send a message to the legacy system</a:t>
+              <a:t>The temporal and special coupling introduced was horrible. The latency of the storage layer directly influenced the customer facing latency. </a:t>
             </a:r>
           </a:p>
           <a:p>
             <a:r>
               <a:rPr lang="en-US" dirty="0"/>
-              <a:t>While the legacy system was processing refunds it could fire events and the demilitarized zone could subscribe to those messages and update the front-end cache</a:t>
+              <a:t>SLA couldn’t be fulfilled</a:t>
             </a:r>
           </a:p>
           <a:p>
             <a:r>
               <a:rPr lang="en-US" dirty="0"/>
-              <a:t>The </a:t>
+              <a:t>Orders got lest when the client of the request stopped retrying</a:t>
+            </a:r>
+          </a:p>
+          <a:p>
+            <a:r>
+              <a:rPr lang="en-US" dirty="0"/>
+              <a:t>Orders could not be throttled and worst the actual order intent was difficult to find in WCF </a:t>
             </a:r>
             <a:r>
               <a:rPr lang="en-US" dirty="0" err="1"/>
-              <a:t>webshop</a:t>
+              <a:t>callstack</a:t>
             </a:r>
             <a:r>
               <a:rPr lang="en-US" dirty="0"/>
-              <a:t> clients could ask for state as much as they wanted we didn’t bother anymore</a:t>
+              <a:t> exception logs</a:t>
             </a:r>
           </a:p>
         </p:txBody>
@@ -1112,7 +1348,7 @@
     </p:spTree>
     <p:extLst>
       <p:ext uri="{BB962C8B-B14F-4D97-AF65-F5344CB8AC3E}">
-        <p14:creationId xmlns:p14="http://schemas.microsoft.com/office/powerpoint/2010/main" val="2737078878"/>
+        <p14:creationId xmlns:p14="http://schemas.microsoft.com/office/powerpoint/2010/main" val="998741506"/>
       </p:ext>
     </p:extLst>
   </p:cSld>
@@ -1168,26 +1404,13 @@
           <a:p>
             <a:r>
               <a:rPr lang="en-US" dirty="0"/>
-              <a:t>Fully bought into messaging the next hard decision had to be taken:</a:t>
+              <a:t>Praise the lords of messaging</a:t>
             </a:r>
           </a:p>
           <a:p>
             <a:r>
               <a:rPr lang="en-US" dirty="0"/>
-              <a:t>Make or buy</a:t>
-            </a:r>
-          </a:p>
-          <a:p>
-            <a:r>
-              <a:rPr lang="en-US" dirty="0"/>
-              <a:t>TLDR: We went for buy in this project but in another project I was part of we didn’t. After all building a messaging library can’t be that hard right?</a:t>
-            </a:r>
-            <a:br>
-              <a:rPr lang="en-US" dirty="0"/>
-            </a:br>
-            <a:r>
-              <a:rPr lang="en-US" dirty="0"/>
-              <a:t>Let me walk you through the challenges we’ll faced in building a robust messaging library</a:t>
+              <a:t>We realized invoice refunds is a perfect domain to apply messaging to</a:t>
             </a:r>
           </a:p>
         </p:txBody>
@@ -1218,7 +1441,7 @@
     </p:spTree>
     <p:extLst>
       <p:ext uri="{BB962C8B-B14F-4D97-AF65-F5344CB8AC3E}">
-        <p14:creationId xmlns:p14="http://schemas.microsoft.com/office/powerpoint/2010/main" val="2860868361"/>
+        <p14:creationId xmlns:p14="http://schemas.microsoft.com/office/powerpoint/2010/main" val="3626792795"/>
       </p:ext>
     </p:extLst>
   </p:cSld>
@@ -1272,7 +1495,160 @@
           <a:bodyPr/>
           <a:lstStyle/>
           <a:p>
-            <a:endParaRPr lang="en-US" baseline="0" dirty="0"/>
+            <a:r>
+              <a:rPr lang="en-US" dirty="0"/>
+              <a:t>We can give the refunding client an immediate fake state and send a message to the legacy system</a:t>
+            </a:r>
+          </a:p>
+          <a:p>
+            <a:r>
+              <a:rPr lang="en-US" dirty="0"/>
+              <a:t>While the legacy system was processing refunds it could fire events and the demilitarized zone could subscribe to those messages and update the front-end cache</a:t>
+            </a:r>
+          </a:p>
+          <a:p>
+            <a:r>
+              <a:rPr lang="en-US" dirty="0"/>
+              <a:t>The </a:t>
+            </a:r>
+            <a:r>
+              <a:rPr lang="en-US" dirty="0" err="1"/>
+              <a:t>webshop</a:t>
+            </a:r>
+            <a:r>
+              <a:rPr lang="en-US" dirty="0"/>
+              <a:t> clients could ask for state as much as they wanted we didn’t bother anymore</a:t>
+            </a:r>
+          </a:p>
+          <a:p>
+            <a:endParaRPr lang="en-US" dirty="0"/>
+          </a:p>
+          <a:p>
+            <a:pPr marL="171450" indent="-171450">
+              <a:buFont typeface="Arial" panose="020B0604020202020204" pitchFamily="34" charset="0"/>
+              <a:buChar char="•"/>
+            </a:pPr>
+            <a:r>
+              <a:rPr lang="en-US" dirty="0"/>
+              <a:t>Decoupling especially temporal</a:t>
+            </a:r>
+          </a:p>
+          <a:p>
+            <a:pPr marL="171450" indent="-171450">
+              <a:buFont typeface="Arial" panose="020B0604020202020204" pitchFamily="34" charset="0"/>
+              <a:buChar char="•"/>
+            </a:pPr>
+            <a:r>
+              <a:rPr lang="en-US" dirty="0"/>
+              <a:t>Awesome scaling</a:t>
+            </a:r>
+          </a:p>
+          <a:p>
+            <a:pPr marL="171450" indent="-171450">
+              <a:buFont typeface="Arial" panose="020B0604020202020204" pitchFamily="34" charset="0"/>
+              <a:buChar char="•"/>
+            </a:pPr>
+            <a:r>
+              <a:rPr lang="en-US" dirty="0"/>
+              <a:t>Throttling</a:t>
+            </a:r>
+          </a:p>
+          <a:p>
+            <a:pPr marL="171450" indent="-171450">
+              <a:buFont typeface="Arial" panose="020B0604020202020204" pitchFamily="34" charset="0"/>
+              <a:buChar char="•"/>
+            </a:pPr>
+            <a:r>
+              <a:rPr lang="en-US" dirty="0"/>
+              <a:t>Retries and business transactions to </a:t>
+            </a:r>
+            <a:r>
+              <a:rPr lang="en-US" dirty="0" err="1"/>
+              <a:t>stateful</a:t>
+            </a:r>
+            <a:r>
+              <a:rPr lang="en-US" dirty="0"/>
+              <a:t> </a:t>
+            </a:r>
+            <a:r>
+              <a:rPr lang="en-US" dirty="0" err="1"/>
+              <a:t>middletier</a:t>
+            </a:r>
+            <a:endParaRPr lang="en-US" dirty="0"/>
+          </a:p>
+          <a:p>
+            <a:pPr marL="171450" indent="-171450">
+              <a:buFont typeface="Arial" panose="020B0604020202020204" pitchFamily="34" charset="0"/>
+              <a:buChar char="•"/>
+            </a:pPr>
+            <a:r>
+              <a:rPr lang="en-US" dirty="0"/>
+              <a:t>Intent capturing request as messages</a:t>
+            </a:r>
+          </a:p>
+          <a:p>
+            <a:pPr marL="171450" indent="-171450">
+              <a:buFont typeface="Arial" panose="020B0604020202020204" pitchFamily="34" charset="0"/>
+              <a:buChar char="•"/>
+            </a:pPr>
+            <a:r>
+              <a:rPr lang="en-US" dirty="0"/>
+              <a:t>Reactive</a:t>
+            </a:r>
+          </a:p>
+          <a:p>
+            <a:pPr marL="171450" indent="-171450">
+              <a:buFont typeface="Arial" panose="020B0604020202020204" pitchFamily="34" charset="0"/>
+              <a:buChar char="•"/>
+            </a:pPr>
+            <a:endParaRPr lang="en-US" dirty="0"/>
+          </a:p>
+          <a:p>
+            <a:pPr marL="0" indent="0">
+              <a:buFont typeface="Arial" panose="020B0604020202020204" pitchFamily="34" charset="0"/>
+              <a:buNone/>
+            </a:pPr>
+            <a:r>
+              <a:rPr lang="en-US" dirty="0"/>
+              <a:t>Attention: Be careful to not implement a distributed cache invalidation on top of messaging. Use a distributed cache instead</a:t>
+            </a:r>
+          </a:p>
+          <a:p>
+            <a:pPr marL="0" indent="0">
+              <a:buFont typeface="Arial" panose="020B0604020202020204" pitchFamily="34" charset="0"/>
+              <a:buNone/>
+            </a:pPr>
+            <a:endParaRPr lang="en-US" dirty="0"/>
+          </a:p>
+          <a:p>
+            <a:pPr marL="0" marR="0" lvl="0" indent="0" algn="l" defTabSz="914400" rtl="0" eaLnBrk="1" fontAlgn="auto" latinLnBrk="0" hangingPunct="1">
+              <a:lnSpc>
+                <a:spcPct val="100000"/>
+              </a:lnSpc>
+              <a:spcBef>
+                <a:spcPts val="0"/>
+              </a:spcBef>
+              <a:spcAft>
+                <a:spcPts val="0"/>
+              </a:spcAft>
+              <a:buClrTx/>
+              <a:buSzTx/>
+              <a:buFont typeface="Arial" panose="020B0604020202020204" pitchFamily="34" charset="0"/>
+              <a:buNone/>
+              <a:tabLst/>
+              <a:defRPr/>
+            </a:pPr>
+            <a:r>
+              <a:rPr lang="en-US" dirty="0"/>
+              <a:t>Fully bought into messaging the next hard decision had to be taken:</a:t>
+            </a:r>
+          </a:p>
+          <a:p>
+            <a:pPr marL="0" indent="0">
+              <a:buFont typeface="Arial" panose="020B0604020202020204" pitchFamily="34" charset="0"/>
+              <a:buNone/>
+            </a:pPr>
+            <a:endParaRPr lang="en-US" dirty="0"/>
           </a:p>
         </p:txBody>
       </p:sp>
@@ -1291,18 +1667,18 @@
           <a:bodyPr/>
           <a:lstStyle/>
           <a:p>
-            <a:fld id="{9BCA07FD-5BD5-4529-84B0-48DD2C561176}" type="slidenum">
-              <a:rPr lang="de-CH" smtClean="0"/>
+            <a:fld id="{59E9685D-E391-4BCC-987B-6FB0218A8DB9}" type="slidenum">
+              <a:rPr lang="en-US" smtClean="0"/>
               <a:t>5</a:t>
             </a:fld>
-            <a:endParaRPr lang="de-CH"/>
+            <a:endParaRPr lang="en-US"/>
           </a:p>
         </p:txBody>
       </p:sp>
     </p:spTree>
     <p:extLst>
       <p:ext uri="{BB962C8B-B14F-4D97-AF65-F5344CB8AC3E}">
-        <p14:creationId xmlns:p14="http://schemas.microsoft.com/office/powerpoint/2010/main" val="4119975973"/>
+        <p14:creationId xmlns:p14="http://schemas.microsoft.com/office/powerpoint/2010/main" val="3496596428"/>
       </p:ext>
     </p:extLst>
   </p:cSld>
@@ -1356,7 +1732,23 @@
           <a:bodyPr/>
           <a:lstStyle/>
           <a:p>
-            <a:endParaRPr lang="de-CH" dirty="0"/>
+            <a:r>
+              <a:rPr lang="en-US" dirty="0"/>
+              <a:t>Make or buy</a:t>
+            </a:r>
+          </a:p>
+          <a:p>
+            <a:r>
+              <a:rPr lang="en-US" dirty="0"/>
+              <a:t>TLDR: We went for buy in this project but in another project I was part of we didn’t. After all building a messaging library can’t be that hard right?</a:t>
+            </a:r>
+            <a:br>
+              <a:rPr lang="en-US" dirty="0"/>
+            </a:br>
+            <a:r>
+              <a:rPr lang="en-US" dirty="0"/>
+              <a:t>Let me walk you through the challenges we’ll faced in building a robust messaging library</a:t>
+            </a:r>
           </a:p>
         </p:txBody>
       </p:sp>
@@ -1386,7 +1778,7 @@
     </p:spTree>
     <p:extLst>
       <p:ext uri="{BB962C8B-B14F-4D97-AF65-F5344CB8AC3E}">
-        <p14:creationId xmlns:p14="http://schemas.microsoft.com/office/powerpoint/2010/main" val="1291193727"/>
+        <p14:creationId xmlns:p14="http://schemas.microsoft.com/office/powerpoint/2010/main" val="2860868361"/>
       </p:ext>
     </p:extLst>
   </p:cSld>
@@ -1440,7 +1832,38 @@
           <a:bodyPr/>
           <a:lstStyle/>
           <a:p>
-            <a:endParaRPr lang="de-CH" dirty="0"/>
+            <a:r>
+              <a:rPr lang="en-US" dirty="0"/>
+              <a:t>What basic features do we expect from the messaging middleware</a:t>
+            </a:r>
+          </a:p>
+          <a:p>
+            <a:endParaRPr lang="en-US" dirty="0"/>
+          </a:p>
+          <a:p>
+            <a:r>
+              <a:rPr lang="en-ZA" dirty="0"/>
+              <a:t>Sending messages</a:t>
+            </a:r>
+          </a:p>
+          <a:p>
+            <a:r>
+              <a:rPr lang="en-ZA" dirty="0"/>
+              <a:t>Routing</a:t>
+            </a:r>
+          </a:p>
+          <a:p>
+            <a:r>
+              <a:rPr lang="en-ZA" dirty="0"/>
+              <a:t>Pub/sub</a:t>
+            </a:r>
+          </a:p>
+          <a:p>
+            <a:r>
+              <a:rPr lang="en-ZA" dirty="0"/>
+              <a:t>Recovery mechanisms</a:t>
+            </a:r>
+            <a:endParaRPr lang="en-US" dirty="0"/>
           </a:p>
         </p:txBody>
       </p:sp>
@@ -1470,7 +1893,7 @@
     </p:spTree>
     <p:extLst>
       <p:ext uri="{BB962C8B-B14F-4D97-AF65-F5344CB8AC3E}">
-        <p14:creationId xmlns:p14="http://schemas.microsoft.com/office/powerpoint/2010/main" val="3503916100"/>
+        <p14:creationId xmlns:p14="http://schemas.microsoft.com/office/powerpoint/2010/main" val="2926910538"/>
       </p:ext>
     </p:extLst>
   </p:cSld>
@@ -1524,7 +1947,7 @@
           <a:bodyPr/>
           <a:lstStyle/>
           <a:p>
-            <a:endParaRPr lang="de-CH" dirty="0"/>
+            <a:endParaRPr lang="en-US" baseline="0" dirty="0"/>
           </a:p>
         </p:txBody>
       </p:sp>
@@ -1545,7 +1968,7 @@
           <a:p>
             <a:fld id="{9BCA07FD-5BD5-4529-84B0-48DD2C561176}" type="slidenum">
               <a:rPr lang="de-CH" smtClean="0"/>
-              <a:t>9</a:t>
+              <a:t>8</a:t>
             </a:fld>
             <a:endParaRPr lang="de-CH"/>
           </a:p>
@@ -1554,7 +1977,7 @@
     </p:spTree>
     <p:extLst>
       <p:ext uri="{BB962C8B-B14F-4D97-AF65-F5344CB8AC3E}">
-        <p14:creationId xmlns:p14="http://schemas.microsoft.com/office/powerpoint/2010/main" val="3670487613"/>
+        <p14:creationId xmlns:p14="http://schemas.microsoft.com/office/powerpoint/2010/main" val="4119975973"/>
       </p:ext>
     </p:extLst>
   </p:cSld>
@@ -1629,7 +2052,7 @@
           <a:p>
             <a:fld id="{9BCA07FD-5BD5-4529-84B0-48DD2C561176}" type="slidenum">
               <a:rPr lang="de-CH" smtClean="0"/>
-              <a:t>10</a:t>
+              <a:t>9</a:t>
             </a:fld>
             <a:endParaRPr lang="de-CH"/>
           </a:p>
@@ -1638,7 +2061,7 @@
     </p:spTree>
     <p:extLst>
       <p:ext uri="{BB962C8B-B14F-4D97-AF65-F5344CB8AC3E}">
-        <p14:creationId xmlns:p14="http://schemas.microsoft.com/office/powerpoint/2010/main" val="978782014"/>
+        <p14:creationId xmlns:p14="http://schemas.microsoft.com/office/powerpoint/2010/main" val="1291193727"/>
       </p:ext>
     </p:extLst>
   </p:cSld>
@@ -1779,7 +2202,7 @@
           <a:p>
             <a:fld id="{A2EAEABE-1D59-4413-813E-803E21872067}" type="datetimeFigureOut">
               <a:rPr lang="de-CH" smtClean="0"/>
-              <a:t>27.05.2018</a:t>
+              <a:t>30.05.2018</a:t>
             </a:fld>
             <a:endParaRPr lang="de-CH"/>
           </a:p>
@@ -1949,7 +2372,7 @@
           <a:p>
             <a:fld id="{A2EAEABE-1D59-4413-813E-803E21872067}" type="datetimeFigureOut">
               <a:rPr lang="de-CH" smtClean="0"/>
-              <a:t>27.05.2018</a:t>
+              <a:t>30.05.2018</a:t>
             </a:fld>
             <a:endParaRPr lang="de-CH"/>
           </a:p>
@@ -2129,7 +2552,7 @@
           <a:p>
             <a:fld id="{A2EAEABE-1D59-4413-813E-803E21872067}" type="datetimeFigureOut">
               <a:rPr lang="de-CH" smtClean="0"/>
-              <a:t>27.05.2018</a:t>
+              <a:t>30.05.2018</a:t>
             </a:fld>
             <a:endParaRPr lang="de-CH"/>
           </a:p>
@@ -2298,7 +2721,7 @@
           <a:p>
             <a:fld id="{A2EAEABE-1D59-4413-813E-803E21872067}" type="datetimeFigureOut">
               <a:rPr lang="de-CH" smtClean="0"/>
-              <a:t>27.05.2018</a:t>
+              <a:t>30.05.2018</a:t>
             </a:fld>
             <a:endParaRPr lang="de-CH"/>
           </a:p>
@@ -2544,7 +2967,7 @@
           <a:p>
             <a:fld id="{A2EAEABE-1D59-4413-813E-803E21872067}" type="datetimeFigureOut">
               <a:rPr lang="de-CH" smtClean="0"/>
-              <a:t>27.05.2018</a:t>
+              <a:t>30.05.2018</a:t>
             </a:fld>
             <a:endParaRPr lang="de-CH"/>
           </a:p>
@@ -2776,7 +3199,7 @@
           <a:p>
             <a:fld id="{A2EAEABE-1D59-4413-813E-803E21872067}" type="datetimeFigureOut">
               <a:rPr lang="de-CH" smtClean="0"/>
-              <a:t>27.05.2018</a:t>
+              <a:t>30.05.2018</a:t>
             </a:fld>
             <a:endParaRPr lang="de-CH"/>
           </a:p>
@@ -3143,7 +3566,7 @@
           <a:p>
             <a:fld id="{A2EAEABE-1D59-4413-813E-803E21872067}" type="datetimeFigureOut">
               <a:rPr lang="de-CH" smtClean="0"/>
-              <a:t>27.05.2018</a:t>
+              <a:t>30.05.2018</a:t>
             </a:fld>
             <a:endParaRPr lang="de-CH"/>
           </a:p>
@@ -3261,7 +3684,7 @@
           <a:p>
             <a:fld id="{A2EAEABE-1D59-4413-813E-803E21872067}" type="datetimeFigureOut">
               <a:rPr lang="de-CH" smtClean="0"/>
-              <a:t>27.05.2018</a:t>
+              <a:t>30.05.2018</a:t>
             </a:fld>
             <a:endParaRPr lang="de-CH"/>
           </a:p>
@@ -3356,7 +3779,7 @@
           <a:p>
             <a:fld id="{A2EAEABE-1D59-4413-813E-803E21872067}" type="datetimeFigureOut">
               <a:rPr lang="de-CH" smtClean="0"/>
-              <a:t>27.05.2018</a:t>
+              <a:t>30.05.2018</a:t>
             </a:fld>
             <a:endParaRPr lang="de-CH"/>
           </a:p>
@@ -3633,7 +4056,7 @@
           <a:p>
             <a:fld id="{A2EAEABE-1D59-4413-813E-803E21872067}" type="datetimeFigureOut">
               <a:rPr lang="de-CH" smtClean="0"/>
-              <a:t>27.05.2018</a:t>
+              <a:t>30.05.2018</a:t>
             </a:fld>
             <a:endParaRPr lang="de-CH"/>
           </a:p>
@@ -3890,7 +4313,7 @@
           <a:p>
             <a:fld id="{A2EAEABE-1D59-4413-813E-803E21872067}" type="datetimeFigureOut">
               <a:rPr lang="de-CH" smtClean="0"/>
-              <a:t>27.05.2018</a:t>
+              <a:t>30.05.2018</a:t>
             </a:fld>
             <a:endParaRPr lang="de-CH"/>
           </a:p>
@@ -4101,7 +4524,7 @@
           <a:p>
             <a:fld id="{A2EAEABE-1D59-4413-813E-803E21872067}" type="datetimeFigureOut">
               <a:rPr lang="de-CH" smtClean="0"/>
-              <a:t>27.05.2018</a:t>
+              <a:t>30.05.2018</a:t>
             </a:fld>
             <a:endParaRPr lang="de-CH"/>
           </a:p>
@@ -4640,6 +5063,375 @@
       </p:grpSpPr>
       <p:sp>
         <p:nvSpPr>
+          <p:cNvPr id="5" name="Rectangle 4"/>
+          <p:cNvSpPr/>
+          <p:nvPr/>
+        </p:nvSpPr>
+        <p:spPr>
+          <a:xfrm>
+            <a:off x="0" y="1952437"/>
+            <a:ext cx="4999912" cy="2646878"/>
+          </a:xfrm>
+          <a:prstGeom prst="rect">
+            <a:avLst/>
+          </a:prstGeom>
+        </p:spPr>
+        <p:txBody>
+          <a:bodyPr wrap="square">
+            <a:spAutoFit/>
+          </a:bodyPr>
+          <a:lstStyle/>
+          <a:p>
+            <a:pPr algn="ctr"/>
+            <a:r>
+              <a:rPr lang="en-US" sz="16600" dirty="0">
+                <a:solidFill>
+                  <a:schemeClr val="accent2"/>
+                </a:solidFill>
+                <a:latin typeface="Yanone Kaffeesatz Regular" panose="02000000000000000000" pitchFamily="2" charset="0"/>
+              </a:rPr>
+              <a:t>Recap</a:t>
+            </a:r>
+            <a:endParaRPr lang="de-CH" dirty="0"/>
+          </a:p>
+        </p:txBody>
+      </p:sp>
+    </p:spTree>
+    <p:extLst>
+      <p:ext uri="{BB962C8B-B14F-4D97-AF65-F5344CB8AC3E}">
+        <p14:creationId xmlns:p14="http://schemas.microsoft.com/office/powerpoint/2010/main" val="2436182924"/>
+      </p:ext>
+    </p:extLst>
+  </p:cSld>
+  <p:clrMapOvr>
+    <a:masterClrMapping/>
+  </p:clrMapOvr>
+</p:sld>
+</file>
+
+<file path=ppt/slides/slide11.xml><?xml version="1.0" encoding="utf-8"?>
+<p:sld xmlns:a="http://schemas.openxmlformats.org/drawingml/2006/main" xmlns:r="http://schemas.openxmlformats.org/officeDocument/2006/relationships" xmlns:p="http://schemas.openxmlformats.org/presentationml/2006/main">
+  <p:cSld>
+    <p:spTree>
+      <p:nvGrpSpPr>
+        <p:cNvPr id="1" name=""/>
+        <p:cNvGrpSpPr/>
+        <p:nvPr/>
+      </p:nvGrpSpPr>
+      <p:grpSpPr>
+        <a:xfrm>
+          <a:off x="0" y="0"/>
+          <a:ext cx="0" cy="0"/>
+          <a:chOff x="0" y="0"/>
+          <a:chExt cx="0" cy="0"/>
+        </a:xfrm>
+      </p:grpSpPr>
+      <p:sp>
+        <p:nvSpPr>
+          <p:cNvPr id="4" name="Rectangle 3"/>
+          <p:cNvSpPr/>
+          <p:nvPr/>
+        </p:nvSpPr>
+        <p:spPr>
+          <a:xfrm>
+            <a:off x="206734" y="2560320"/>
+            <a:ext cx="5359179" cy="1876508"/>
+          </a:xfrm>
+          <a:prstGeom prst="rect">
+            <a:avLst/>
+          </a:prstGeom>
+          <a:solidFill>
+            <a:schemeClr val="bg1">
+              <a:alpha val="78000"/>
+            </a:schemeClr>
+          </a:solidFill>
+          <a:ln>
+            <a:noFill/>
+          </a:ln>
+        </p:spPr>
+        <p:style>
+          <a:lnRef idx="2">
+            <a:schemeClr val="accent1">
+              <a:shade val="50000"/>
+            </a:schemeClr>
+          </a:lnRef>
+          <a:fillRef idx="1">
+            <a:schemeClr val="accent1"/>
+          </a:fillRef>
+          <a:effectRef idx="0">
+            <a:schemeClr val="accent1"/>
+          </a:effectRef>
+          <a:fontRef idx="minor">
+            <a:schemeClr val="lt1"/>
+          </a:fontRef>
+        </p:style>
+        <p:txBody>
+          <a:bodyPr rtlCol="0" anchor="ctr"/>
+          <a:lstStyle/>
+          <a:p>
+            <a:pPr algn="ctr"/>
+            <a:endParaRPr lang="de-CH">
+              <a:solidFill>
+                <a:schemeClr val="bg1"/>
+              </a:solidFill>
+            </a:endParaRPr>
+          </a:p>
+        </p:txBody>
+      </p:sp>
+      <p:sp>
+        <p:nvSpPr>
+          <p:cNvPr id="3" name="Rectangle 2"/>
+          <p:cNvSpPr/>
+          <p:nvPr/>
+        </p:nvSpPr>
+        <p:spPr>
+          <a:xfrm>
+            <a:off x="428224" y="2828835"/>
+            <a:ext cx="3034805" cy="1200329"/>
+          </a:xfrm>
+          <a:prstGeom prst="rect">
+            <a:avLst/>
+          </a:prstGeom>
+        </p:spPr>
+        <p:txBody>
+          <a:bodyPr wrap="none">
+            <a:spAutoFit/>
+          </a:bodyPr>
+          <a:lstStyle/>
+          <a:p>
+            <a:r>
+              <a:rPr lang="de-CH" sz="3600" dirty="0">
+                <a:solidFill>
+                  <a:schemeClr val="tx2"/>
+                </a:solidFill>
+                <a:latin typeface="Yanone Kaffeesatz Regular" panose="02000000000000000000" pitchFamily="2" charset="0"/>
+              </a:rPr>
+              <a:t>docs.particular.net/</a:t>
+            </a:r>
+            <a:br>
+              <a:rPr lang="de-CH" sz="3600" dirty="0">
+                <a:solidFill>
+                  <a:schemeClr val="tx2"/>
+                </a:solidFill>
+                <a:latin typeface="Yanone Kaffeesatz Regular" panose="02000000000000000000" pitchFamily="2" charset="0"/>
+              </a:rPr>
+            </a:br>
+            <a:r>
+              <a:rPr lang="de-CH" sz="3600" dirty="0">
+                <a:solidFill>
+                  <a:schemeClr val="accent4"/>
+                </a:solidFill>
+                <a:latin typeface="Yanone Kaffeesatz Regular" panose="02000000000000000000" pitchFamily="2" charset="0"/>
+              </a:rPr>
+              <a:t>tutorials/quickstart</a:t>
+            </a:r>
+          </a:p>
+        </p:txBody>
+      </p:sp>
+      <p:pic>
+        <p:nvPicPr>
+          <p:cNvPr id="5" name="Picture 4">
+            <a:extLst>
+              <a:ext uri="{FF2B5EF4-FFF2-40B4-BE49-F238E27FC236}">
+                <a16:creationId xmlns:a16="http://schemas.microsoft.com/office/drawing/2014/main" id="{C82DB241-DD1A-4C0E-8A6B-BB8AE7AEE020}"/>
+              </a:ext>
+            </a:extLst>
+          </p:cNvPr>
+          <p:cNvPicPr>
+            <a:picLocks noChangeAspect="1"/>
+          </p:cNvPicPr>
+          <p:nvPr/>
+        </p:nvPicPr>
+        <p:blipFill>
+          <a:blip r:embed="rId2">
+            <a:extLst>
+              <a:ext uri="{BEBA8EAE-BF5A-486C-A8C5-ECC9F3942E4B}">
+                <a14:imgProps xmlns:a14="http://schemas.microsoft.com/office/drawing/2010/main">
+                  <a14:imgLayer r:embed="rId3">
+                    <a14:imgEffect>
+                      <a14:saturation sat="0"/>
+                    </a14:imgEffect>
+                  </a14:imgLayer>
+                </a14:imgProps>
+              </a:ext>
+            </a:extLst>
+          </a:blip>
+          <a:stretch>
+            <a:fillRect/>
+          </a:stretch>
+        </p:blipFill>
+        <p:spPr>
+          <a:xfrm>
+            <a:off x="3684519" y="-1"/>
+            <a:ext cx="8525332" cy="6858000"/>
+          </a:xfrm>
+          <a:prstGeom prst="rect">
+            <a:avLst/>
+          </a:prstGeom>
+        </p:spPr>
+      </p:pic>
+    </p:spTree>
+    <p:extLst>
+      <p:ext uri="{BB962C8B-B14F-4D97-AF65-F5344CB8AC3E}">
+        <p14:creationId xmlns:p14="http://schemas.microsoft.com/office/powerpoint/2010/main" val="2228612555"/>
+      </p:ext>
+    </p:extLst>
+  </p:cSld>
+  <p:clrMapOvr>
+    <a:masterClrMapping/>
+  </p:clrMapOvr>
+</p:sld>
+</file>
+
+<file path=ppt/slides/slide12.xml><?xml version="1.0" encoding="utf-8"?>
+<p:sld xmlns:a="http://schemas.openxmlformats.org/drawingml/2006/main" xmlns:r="http://schemas.openxmlformats.org/officeDocument/2006/relationships" xmlns:p="http://schemas.openxmlformats.org/presentationml/2006/main">
+  <p:cSld>
+    <p:spTree>
+      <p:nvGrpSpPr>
+        <p:cNvPr id="1" name=""/>
+        <p:cNvGrpSpPr/>
+        <p:nvPr/>
+      </p:nvGrpSpPr>
+      <p:grpSpPr>
+        <a:xfrm>
+          <a:off x="0" y="0"/>
+          <a:ext cx="0" cy="0"/>
+          <a:chOff x="0" y="0"/>
+          <a:chExt cx="0" cy="0"/>
+        </a:xfrm>
+      </p:grpSpPr>
+      <p:sp>
+        <p:nvSpPr>
+          <p:cNvPr id="2" name="Rectangle 1"/>
+          <p:cNvSpPr/>
+          <p:nvPr/>
+        </p:nvSpPr>
+        <p:spPr>
+          <a:xfrm>
+            <a:off x="1064014" y="3127733"/>
+            <a:ext cx="7133684" cy="923330"/>
+          </a:xfrm>
+          <a:prstGeom prst="rect">
+            <a:avLst/>
+          </a:prstGeom>
+        </p:spPr>
+        <p:txBody>
+          <a:bodyPr wrap="none">
+            <a:spAutoFit/>
+          </a:bodyPr>
+          <a:lstStyle/>
+          <a:p>
+            <a:r>
+              <a:rPr lang="en-US" sz="3600" dirty="0">
+                <a:solidFill>
+                  <a:schemeClr val="tx2"/>
+                </a:solidFill>
+                <a:latin typeface="Yanone Kaffeesatz Regular" panose="02000000000000000000" pitchFamily="2" charset="0"/>
+              </a:rPr>
+              <a:t>github.com/</a:t>
+            </a:r>
+            <a:r>
+              <a:rPr lang="en-US" sz="3600" dirty="0" err="1">
+                <a:solidFill>
+                  <a:schemeClr val="tx2"/>
+                </a:solidFill>
+                <a:latin typeface="Yanone Kaffeesatz Regular" panose="02000000000000000000" pitchFamily="2" charset="0"/>
+              </a:rPr>
+              <a:t>danielmarbach</a:t>
+            </a:r>
+            <a:r>
+              <a:rPr lang="en-US" sz="3600" dirty="0">
+                <a:solidFill>
+                  <a:schemeClr val="tx2"/>
+                </a:solidFill>
+                <a:latin typeface="Yanone Kaffeesatz Regular" panose="02000000000000000000" pitchFamily="2" charset="0"/>
+              </a:rPr>
+              <a:t>/</a:t>
+            </a:r>
+            <a:r>
+              <a:rPr lang="en-US" sz="5400" dirty="0" err="1">
+                <a:solidFill>
+                  <a:schemeClr val="accent4"/>
+                </a:solidFill>
+                <a:latin typeface="Yanone Kaffeesatz Regular" panose="02000000000000000000" pitchFamily="2" charset="0"/>
+              </a:rPr>
+              <a:t>MessagePump</a:t>
+            </a:r>
+            <a:endParaRPr lang="de-CH" sz="5400" dirty="0">
+              <a:solidFill>
+                <a:schemeClr val="accent4"/>
+              </a:solidFill>
+              <a:latin typeface="Yanone Kaffeesatz Regular" panose="02000000000000000000" pitchFamily="2" charset="0"/>
+            </a:endParaRPr>
+          </a:p>
+        </p:txBody>
+      </p:sp>
+      <p:sp>
+        <p:nvSpPr>
+          <p:cNvPr id="4" name="Rectangle 3"/>
+          <p:cNvSpPr/>
+          <p:nvPr/>
+        </p:nvSpPr>
+        <p:spPr>
+          <a:xfrm>
+            <a:off x="1064014" y="1124536"/>
+            <a:ext cx="6463629" cy="1862048"/>
+          </a:xfrm>
+          <a:prstGeom prst="rect">
+            <a:avLst/>
+          </a:prstGeom>
+        </p:spPr>
+        <p:txBody>
+          <a:bodyPr wrap="none">
+            <a:spAutoFit/>
+          </a:bodyPr>
+          <a:lstStyle/>
+          <a:p>
+            <a:r>
+              <a:rPr lang="en-US" sz="11500" dirty="0">
+                <a:solidFill>
+                  <a:schemeClr val="accent2"/>
+                </a:solidFill>
+                <a:latin typeface="Yanone Kaffeesatz Regular" panose="02000000000000000000" pitchFamily="2" charset="0"/>
+              </a:rPr>
+              <a:t>Slides, Links…</a:t>
+            </a:r>
+            <a:endParaRPr lang="de-CH" sz="1400" dirty="0"/>
+          </a:p>
+        </p:txBody>
+      </p:sp>
+    </p:spTree>
+    <p:extLst>
+      <p:ext uri="{BB962C8B-B14F-4D97-AF65-F5344CB8AC3E}">
+        <p14:creationId xmlns:p14="http://schemas.microsoft.com/office/powerpoint/2010/main" val="1581449120"/>
+      </p:ext>
+    </p:extLst>
+  </p:cSld>
+  <p:clrMapOvr>
+    <a:masterClrMapping/>
+  </p:clrMapOvr>
+</p:sld>
+</file>
+
+<file path=ppt/slides/slide13.xml><?xml version="1.0" encoding="utf-8"?>
+<p:sld xmlns:a="http://schemas.openxmlformats.org/drawingml/2006/main" xmlns:r="http://schemas.openxmlformats.org/officeDocument/2006/relationships" xmlns:p="http://schemas.openxmlformats.org/presentationml/2006/main">
+  <p:cSld>
+    <p:spTree>
+      <p:nvGrpSpPr>
+        <p:cNvPr id="1" name=""/>
+        <p:cNvGrpSpPr/>
+        <p:nvPr/>
+      </p:nvGrpSpPr>
+      <p:grpSpPr>
+        <a:xfrm>
+          <a:off x="0" y="0"/>
+          <a:ext cx="0" cy="0"/>
+          <a:chOff x="0" y="0"/>
+          <a:chExt cx="0" cy="0"/>
+        </a:xfrm>
+      </p:grpSpPr>
+      <p:sp>
+        <p:nvSpPr>
           <p:cNvPr id="2" name="Rectangle 1"/>
           <p:cNvSpPr/>
           <p:nvPr/>
@@ -4715,7 +5507,7 @@
 </p:sld>
 </file>
 
-<file path=ppt/slides/slide11.xml><?xml version="1.0" encoding="utf-8"?>
+<file path=ppt/slides/slide14.xml><?xml version="1.0" encoding="utf-8"?>
 <p:sld xmlns:a="http://schemas.openxmlformats.org/drawingml/2006/main" xmlns:r="http://schemas.openxmlformats.org/officeDocument/2006/relationships" xmlns:p="http://schemas.openxmlformats.org/presentationml/2006/main">
   <p:cSld>
     <p:spTree>
@@ -4901,7 +5693,7 @@
 </p:sld>
 </file>
 
-<file path=ppt/slides/slide12.xml><?xml version="1.0" encoding="utf-8"?>
+<file path=ppt/slides/slide15.xml><?xml version="1.0" encoding="utf-8"?>
 <p:sld xmlns:a="http://schemas.openxmlformats.org/drawingml/2006/main" xmlns:r="http://schemas.openxmlformats.org/officeDocument/2006/relationships" xmlns:p="http://schemas.openxmlformats.org/presentationml/2006/main">
   <p:cSld>
     <p:spTree>
@@ -5014,19 +5806,204 @@
       </p:grpSpPr>
       <p:sp>
         <p:nvSpPr>
-          <p:cNvPr id="2" name="TextBox 1"/>
-          <p:cNvSpPr txBox="1"/>
+          <p:cNvPr id="52" name="Rectangle 51">
+            <a:extLst>
+              <a:ext uri="{FF2B5EF4-FFF2-40B4-BE49-F238E27FC236}">
+                <a16:creationId xmlns:a16="http://schemas.microsoft.com/office/drawing/2014/main" id="{BD743C45-BAE4-43DC-B682-62C07BC80BB4}"/>
+              </a:ext>
+            </a:extLst>
+          </p:cNvPr>
+          <p:cNvSpPr/>
           <p:nvPr/>
         </p:nvSpPr>
         <p:spPr>
           <a:xfrm>
-            <a:off x="2348821" y="1174537"/>
-            <a:ext cx="2959465" cy="4508927"/>
+            <a:off x="10033211" y="521434"/>
+            <a:ext cx="1838783" cy="5978426"/>
           </a:xfrm>
           <a:prstGeom prst="rect">
             <a:avLst/>
           </a:prstGeom>
           <a:noFill/>
+          <a:ln w="19050">
+            <a:solidFill>
+              <a:schemeClr val="bg2">
+                <a:lumMod val="90000"/>
+              </a:schemeClr>
+            </a:solidFill>
+            <a:prstDash val="solid"/>
+          </a:ln>
+        </p:spPr>
+        <p:style>
+          <a:lnRef idx="2">
+            <a:schemeClr val="accent1">
+              <a:shade val="50000"/>
+            </a:schemeClr>
+          </a:lnRef>
+          <a:fillRef idx="1">
+            <a:schemeClr val="accent1"/>
+          </a:fillRef>
+          <a:effectRef idx="0">
+            <a:schemeClr val="accent1"/>
+          </a:effectRef>
+          <a:fontRef idx="minor">
+            <a:schemeClr val="lt1"/>
+          </a:fontRef>
+        </p:style>
+        <p:txBody>
+          <a:bodyPr rtlCol="0" anchor="ctr"/>
+          <a:lstStyle/>
+          <a:p>
+            <a:pPr algn="ctr"/>
+            <a:endParaRPr lang="de-CH"/>
+          </a:p>
+        </p:txBody>
+      </p:sp>
+      <p:sp>
+        <p:nvSpPr>
+          <p:cNvPr id="8" name="Rectangle 7">
+            <a:extLst>
+              <a:ext uri="{FF2B5EF4-FFF2-40B4-BE49-F238E27FC236}">
+                <a16:creationId xmlns:a16="http://schemas.microsoft.com/office/drawing/2014/main" id="{04C9CF38-6802-4549-99F0-877B10BC09E9}"/>
+              </a:ext>
+            </a:extLst>
+          </p:cNvPr>
+          <p:cNvSpPr/>
+          <p:nvPr/>
+        </p:nvSpPr>
+        <p:spPr>
+          <a:xfrm>
+            <a:off x="6074470" y="2962838"/>
+            <a:ext cx="2444400" cy="1659600"/>
+          </a:xfrm>
+          <a:prstGeom prst="rect">
+            <a:avLst/>
+          </a:prstGeom>
+          <a:solidFill>
+            <a:schemeClr val="tx2"/>
+          </a:solidFill>
+          <a:ln>
+            <a:solidFill>
+              <a:schemeClr val="bg1"/>
+            </a:solidFill>
+          </a:ln>
+        </p:spPr>
+        <p:style>
+          <a:lnRef idx="2">
+            <a:schemeClr val="accent1">
+              <a:shade val="50000"/>
+            </a:schemeClr>
+          </a:lnRef>
+          <a:fillRef idx="1">
+            <a:schemeClr val="accent1"/>
+          </a:fillRef>
+          <a:effectRef idx="0">
+            <a:schemeClr val="accent1"/>
+          </a:effectRef>
+          <a:fontRef idx="minor">
+            <a:schemeClr val="lt1"/>
+          </a:fontRef>
+        </p:style>
+        <p:txBody>
+          <a:bodyPr rtlCol="0" anchor="ctr"/>
+          <a:lstStyle/>
+          <a:p>
+            <a:pPr algn="ctr"/>
+            <a:r>
+              <a:rPr lang="en-US" sz="2400" dirty="0">
+                <a:latin typeface="Yanone Kaffeesatz Light" panose="02000000000000000000" pitchFamily="2" charset="0"/>
+              </a:rPr>
+              <a:t>Back</a:t>
+            </a:r>
+            <a:endParaRPr lang="de-CH" sz="1200" dirty="0">
+              <a:latin typeface="Yanone Kaffeesatz Light" panose="02000000000000000000" pitchFamily="2" charset="0"/>
+            </a:endParaRPr>
+          </a:p>
+        </p:txBody>
+      </p:sp>
+      <p:sp>
+        <p:nvSpPr>
+          <p:cNvPr id="10" name="Rectangle 9">
+            <a:extLst>
+              <a:ext uri="{FF2B5EF4-FFF2-40B4-BE49-F238E27FC236}">
+                <a16:creationId xmlns:a16="http://schemas.microsoft.com/office/drawing/2014/main" id="{8427F5C9-1ECE-479D-BD11-85AB38C9A1BE}"/>
+              </a:ext>
+            </a:extLst>
+          </p:cNvPr>
+          <p:cNvSpPr/>
+          <p:nvPr/>
+        </p:nvSpPr>
+        <p:spPr>
+          <a:xfrm>
+            <a:off x="1270340" y="2962838"/>
+            <a:ext cx="2443515" cy="1659069"/>
+          </a:xfrm>
+          <a:prstGeom prst="rect">
+            <a:avLst/>
+          </a:prstGeom>
+          <a:solidFill>
+            <a:schemeClr val="tx2"/>
+          </a:solidFill>
+          <a:ln>
+            <a:solidFill>
+              <a:schemeClr val="bg1"/>
+            </a:solidFill>
+          </a:ln>
+        </p:spPr>
+        <p:style>
+          <a:lnRef idx="2">
+            <a:schemeClr val="accent1">
+              <a:shade val="50000"/>
+            </a:schemeClr>
+          </a:lnRef>
+          <a:fillRef idx="1">
+            <a:schemeClr val="accent1"/>
+          </a:fillRef>
+          <a:effectRef idx="0">
+            <a:schemeClr val="accent1"/>
+          </a:effectRef>
+          <a:fontRef idx="minor">
+            <a:schemeClr val="lt1"/>
+          </a:fontRef>
+        </p:style>
+        <p:txBody>
+          <a:bodyPr rtlCol="0" anchor="ctr"/>
+          <a:lstStyle/>
+          <a:p>
+            <a:pPr algn="ctr"/>
+            <a:r>
+              <a:rPr lang="en-US" sz="2400" dirty="0">
+                <a:latin typeface="Yanone Kaffeesatz Light" panose="02000000000000000000" pitchFamily="2" charset="0"/>
+              </a:rPr>
+              <a:t>Front</a:t>
+            </a:r>
+            <a:endParaRPr lang="de-CH" sz="1200" dirty="0">
+              <a:latin typeface="Yanone Kaffeesatz Light" panose="02000000000000000000" pitchFamily="2" charset="0"/>
+            </a:endParaRPr>
+          </a:p>
+        </p:txBody>
+      </p:sp>
+      <p:sp>
+        <p:nvSpPr>
+          <p:cNvPr id="16" name="TextBox 15">
+            <a:extLst>
+              <a:ext uri="{FF2B5EF4-FFF2-40B4-BE49-F238E27FC236}">
+                <a16:creationId xmlns:a16="http://schemas.microsoft.com/office/drawing/2014/main" id="{025C734D-795B-42BB-A73D-1936E9B5CFC5}"/>
+              </a:ext>
+            </a:extLst>
+          </p:cNvPr>
+          <p:cNvSpPr txBox="1"/>
+          <p:nvPr/>
+        </p:nvSpPr>
+        <p:spPr>
+          <a:xfrm>
+            <a:off x="1574217" y="2295992"/>
+            <a:ext cx="1409360" cy="461665"/>
+          </a:xfrm>
+          <a:prstGeom prst="rect">
+            <a:avLst/>
+          </a:prstGeom>
+          <a:noFill/>
         </p:spPr>
         <p:txBody>
           <a:bodyPr wrap="none" rtlCol="0">
@@ -5035,15 +6012,656 @@
           <a:lstStyle/>
           <a:p>
             <a:r>
-              <a:rPr lang="en-US" sz="28700" dirty="0">
+              <a:rPr lang="en-US" sz="2400" dirty="0">
                 <a:solidFill>
-                  <a:schemeClr val="accent2"/>
+                  <a:schemeClr val="accent3"/>
                 </a:solidFill>
                 <a:latin typeface="Yanone Kaffeesatz Regular" panose="02000000000000000000" pitchFamily="2" charset="0"/>
               </a:rPr>
-              <a:t>do</a:t>
-            </a:r>
-            <a:endParaRPr lang="de-CH" sz="9600" dirty="0">
+              <a:t>WCF Services</a:t>
+            </a:r>
+            <a:endParaRPr lang="de-CH" sz="2400" dirty="0">
+              <a:solidFill>
+                <a:schemeClr val="accent3"/>
+              </a:solidFill>
+              <a:latin typeface="Yanone Kaffeesatz Regular" panose="02000000000000000000" pitchFamily="2" charset="0"/>
+            </a:endParaRPr>
+          </a:p>
+        </p:txBody>
+      </p:sp>
+      <p:sp>
+        <p:nvSpPr>
+          <p:cNvPr id="17" name="TextBox 16">
+            <a:extLst>
+              <a:ext uri="{FF2B5EF4-FFF2-40B4-BE49-F238E27FC236}">
+                <a16:creationId xmlns:a16="http://schemas.microsoft.com/office/drawing/2014/main" id="{75780B26-333C-43F5-98A2-14B3A2F0C5C3}"/>
+              </a:ext>
+            </a:extLst>
+          </p:cNvPr>
+          <p:cNvSpPr txBox="1"/>
+          <p:nvPr/>
+        </p:nvSpPr>
+        <p:spPr>
+          <a:xfrm>
+            <a:off x="6201658" y="2296523"/>
+            <a:ext cx="1779654" cy="461665"/>
+          </a:xfrm>
+          <a:prstGeom prst="rect">
+            <a:avLst/>
+          </a:prstGeom>
+          <a:noFill/>
+        </p:spPr>
+        <p:txBody>
+          <a:bodyPr wrap="none" rtlCol="0">
+            <a:spAutoFit/>
+          </a:bodyPr>
+          <a:lstStyle/>
+          <a:p>
+            <a:r>
+              <a:rPr lang="en-US" sz="2400" dirty="0">
+                <a:solidFill>
+                  <a:schemeClr val="accent3"/>
+                </a:solidFill>
+                <a:latin typeface="Yanone Kaffeesatz Regular" panose="02000000000000000000" pitchFamily="2" charset="0"/>
+              </a:rPr>
+              <a:t>Windows Service</a:t>
+            </a:r>
+            <a:endParaRPr lang="de-CH" sz="2400" dirty="0">
+              <a:solidFill>
+                <a:schemeClr val="accent3"/>
+              </a:solidFill>
+              <a:latin typeface="Yanone Kaffeesatz Regular" panose="02000000000000000000" pitchFamily="2" charset="0"/>
+            </a:endParaRPr>
+          </a:p>
+        </p:txBody>
+      </p:sp>
+      <p:sp>
+        <p:nvSpPr>
+          <p:cNvPr id="36" name="Rectangle 35">
+            <a:extLst>
+              <a:ext uri="{FF2B5EF4-FFF2-40B4-BE49-F238E27FC236}">
+                <a16:creationId xmlns:a16="http://schemas.microsoft.com/office/drawing/2014/main" id="{02BAD128-17B0-4BF7-B035-BAE39F6A4DA7}"/>
+              </a:ext>
+            </a:extLst>
+          </p:cNvPr>
+          <p:cNvSpPr/>
+          <p:nvPr/>
+        </p:nvSpPr>
+        <p:spPr>
+          <a:xfrm>
+            <a:off x="717702" y="528320"/>
+            <a:ext cx="3548787" cy="5971540"/>
+          </a:xfrm>
+          <a:prstGeom prst="rect">
+            <a:avLst/>
+          </a:prstGeom>
+          <a:noFill/>
+          <a:ln w="19050">
+            <a:solidFill>
+              <a:schemeClr val="accent3"/>
+            </a:solidFill>
+            <a:prstDash val="dash"/>
+          </a:ln>
+        </p:spPr>
+        <p:style>
+          <a:lnRef idx="2">
+            <a:schemeClr val="accent1">
+              <a:shade val="50000"/>
+            </a:schemeClr>
+          </a:lnRef>
+          <a:fillRef idx="1">
+            <a:schemeClr val="accent1"/>
+          </a:fillRef>
+          <a:effectRef idx="0">
+            <a:schemeClr val="accent1"/>
+          </a:effectRef>
+          <a:fontRef idx="minor">
+            <a:schemeClr val="lt1"/>
+          </a:fontRef>
+        </p:style>
+        <p:txBody>
+          <a:bodyPr rtlCol="0" anchor="ctr"/>
+          <a:lstStyle/>
+          <a:p>
+            <a:pPr algn="ctr"/>
+            <a:endParaRPr lang="de-CH"/>
+          </a:p>
+        </p:txBody>
+      </p:sp>
+      <p:sp>
+        <p:nvSpPr>
+          <p:cNvPr id="37" name="Rectangle 36">
+            <a:extLst>
+              <a:ext uri="{FF2B5EF4-FFF2-40B4-BE49-F238E27FC236}">
+                <a16:creationId xmlns:a16="http://schemas.microsoft.com/office/drawing/2014/main" id="{A3DE13F1-1EC3-4E99-B025-B3A8097225BA}"/>
+              </a:ext>
+            </a:extLst>
+          </p:cNvPr>
+          <p:cNvSpPr/>
+          <p:nvPr/>
+        </p:nvSpPr>
+        <p:spPr>
+          <a:xfrm>
+            <a:off x="5522277" y="528320"/>
+            <a:ext cx="3548787" cy="5971540"/>
+          </a:xfrm>
+          <a:prstGeom prst="rect">
+            <a:avLst/>
+          </a:prstGeom>
+          <a:noFill/>
+          <a:ln w="19050">
+            <a:solidFill>
+              <a:schemeClr val="accent3"/>
+            </a:solidFill>
+            <a:prstDash val="dash"/>
+          </a:ln>
+        </p:spPr>
+        <p:style>
+          <a:lnRef idx="2">
+            <a:schemeClr val="accent1">
+              <a:shade val="50000"/>
+            </a:schemeClr>
+          </a:lnRef>
+          <a:fillRef idx="1">
+            <a:schemeClr val="accent1"/>
+          </a:fillRef>
+          <a:effectRef idx="0">
+            <a:schemeClr val="accent1"/>
+          </a:effectRef>
+          <a:fontRef idx="minor">
+            <a:schemeClr val="lt1"/>
+          </a:fontRef>
+        </p:style>
+        <p:txBody>
+          <a:bodyPr rtlCol="0" anchor="ctr"/>
+          <a:lstStyle/>
+          <a:p>
+            <a:pPr algn="ctr"/>
+            <a:endParaRPr lang="de-CH"/>
+          </a:p>
+        </p:txBody>
+      </p:sp>
+      <p:sp>
+        <p:nvSpPr>
+          <p:cNvPr id="38" name="TextBox 37">
+            <a:extLst>
+              <a:ext uri="{FF2B5EF4-FFF2-40B4-BE49-F238E27FC236}">
+                <a16:creationId xmlns:a16="http://schemas.microsoft.com/office/drawing/2014/main" id="{9367E5AE-127C-4292-A0F6-C9DF06BA82A6}"/>
+              </a:ext>
+            </a:extLst>
+          </p:cNvPr>
+          <p:cNvSpPr txBox="1"/>
+          <p:nvPr/>
+        </p:nvSpPr>
+        <p:spPr>
+          <a:xfrm>
+            <a:off x="791897" y="595558"/>
+            <a:ext cx="574196" cy="461665"/>
+          </a:xfrm>
+          <a:prstGeom prst="rect">
+            <a:avLst/>
+          </a:prstGeom>
+          <a:noFill/>
+        </p:spPr>
+        <p:txBody>
+          <a:bodyPr wrap="none" rtlCol="0">
+            <a:spAutoFit/>
+          </a:bodyPr>
+          <a:lstStyle/>
+          <a:p>
+            <a:r>
+              <a:rPr lang="en-US" sz="2400" dirty="0">
+                <a:solidFill>
+                  <a:schemeClr val="accent3"/>
+                </a:solidFill>
+                <a:latin typeface="Yanone Kaffeesatz Regular" panose="02000000000000000000" pitchFamily="2" charset="0"/>
+              </a:rPr>
+              <a:t>DMZ</a:t>
+            </a:r>
+            <a:endParaRPr lang="de-CH" sz="2400" dirty="0">
+              <a:solidFill>
+                <a:schemeClr val="accent3"/>
+              </a:solidFill>
+              <a:latin typeface="Yanone Kaffeesatz Regular" panose="02000000000000000000" pitchFamily="2" charset="0"/>
+            </a:endParaRPr>
+          </a:p>
+        </p:txBody>
+      </p:sp>
+      <p:sp>
+        <p:nvSpPr>
+          <p:cNvPr id="39" name="TextBox 38">
+            <a:extLst>
+              <a:ext uri="{FF2B5EF4-FFF2-40B4-BE49-F238E27FC236}">
+                <a16:creationId xmlns:a16="http://schemas.microsoft.com/office/drawing/2014/main" id="{80B66455-6597-4559-8176-98C7838390DC}"/>
+              </a:ext>
+            </a:extLst>
+          </p:cNvPr>
+          <p:cNvSpPr txBox="1"/>
+          <p:nvPr/>
+        </p:nvSpPr>
+        <p:spPr>
+          <a:xfrm>
+            <a:off x="5666896" y="578002"/>
+            <a:ext cx="968535" cy="461665"/>
+          </a:xfrm>
+          <a:prstGeom prst="rect">
+            <a:avLst/>
+          </a:prstGeom>
+          <a:noFill/>
+        </p:spPr>
+        <p:txBody>
+          <a:bodyPr wrap="none" rtlCol="0">
+            <a:spAutoFit/>
+          </a:bodyPr>
+          <a:lstStyle/>
+          <a:p>
+            <a:r>
+              <a:rPr lang="en-US" sz="2400" dirty="0">
+                <a:solidFill>
+                  <a:schemeClr val="accent3"/>
+                </a:solidFill>
+                <a:latin typeface="Yanone Kaffeesatz Regular" panose="02000000000000000000" pitchFamily="2" charset="0"/>
+              </a:rPr>
+              <a:t>Backend</a:t>
+            </a:r>
+            <a:endParaRPr lang="de-CH" sz="2400" dirty="0">
+              <a:solidFill>
+                <a:schemeClr val="accent3"/>
+              </a:solidFill>
+              <a:latin typeface="Yanone Kaffeesatz Regular" panose="02000000000000000000" pitchFamily="2" charset="0"/>
+            </a:endParaRPr>
+          </a:p>
+        </p:txBody>
+      </p:sp>
+      <p:sp>
+        <p:nvSpPr>
+          <p:cNvPr id="51" name="Rectangle 50">
+            <a:extLst>
+              <a:ext uri="{FF2B5EF4-FFF2-40B4-BE49-F238E27FC236}">
+                <a16:creationId xmlns:a16="http://schemas.microsoft.com/office/drawing/2014/main" id="{F702D519-0F0C-42E7-B459-614B62381CC2}"/>
+              </a:ext>
+            </a:extLst>
+          </p:cNvPr>
+          <p:cNvSpPr/>
+          <p:nvPr/>
+        </p:nvSpPr>
+        <p:spPr>
+          <a:xfrm>
+            <a:off x="3961616" y="3331240"/>
+            <a:ext cx="1828800" cy="1128999"/>
+          </a:xfrm>
+          <a:prstGeom prst="rect">
+            <a:avLst/>
+          </a:prstGeom>
+          <a:solidFill>
+            <a:schemeClr val="bg1">
+              <a:alpha val="75000"/>
+            </a:schemeClr>
+          </a:solidFill>
+          <a:ln>
+            <a:noFill/>
+          </a:ln>
+        </p:spPr>
+        <p:style>
+          <a:lnRef idx="2">
+            <a:schemeClr val="accent1">
+              <a:shade val="50000"/>
+            </a:schemeClr>
+          </a:lnRef>
+          <a:fillRef idx="1">
+            <a:schemeClr val="accent1"/>
+          </a:fillRef>
+          <a:effectRef idx="0">
+            <a:schemeClr val="accent1"/>
+          </a:effectRef>
+          <a:fontRef idx="minor">
+            <a:schemeClr val="lt1"/>
+          </a:fontRef>
+        </p:style>
+        <p:txBody>
+          <a:bodyPr rtlCol="0" anchor="ctr"/>
+          <a:lstStyle/>
+          <a:p>
+            <a:pPr algn="ctr"/>
+            <a:endParaRPr lang="en-CH"/>
+          </a:p>
+        </p:txBody>
+      </p:sp>
+      <p:sp>
+        <p:nvSpPr>
+          <p:cNvPr id="41" name="Cylinder 40">
+            <a:extLst>
+              <a:ext uri="{FF2B5EF4-FFF2-40B4-BE49-F238E27FC236}">
+                <a16:creationId xmlns:a16="http://schemas.microsoft.com/office/drawing/2014/main" id="{3B793FC3-87DB-4623-9261-1D0F3AA10B0E}"/>
+              </a:ext>
+            </a:extLst>
+          </p:cNvPr>
+          <p:cNvSpPr/>
+          <p:nvPr/>
+        </p:nvSpPr>
+        <p:spPr>
+          <a:xfrm>
+            <a:off x="10215578" y="2897708"/>
+            <a:ext cx="1474048" cy="1789328"/>
+          </a:xfrm>
+          <a:prstGeom prst="can">
+            <a:avLst/>
+          </a:prstGeom>
+          <a:solidFill>
+            <a:schemeClr val="accent4"/>
+          </a:solidFill>
+          <a:ln>
+            <a:noFill/>
+          </a:ln>
+        </p:spPr>
+        <p:style>
+          <a:lnRef idx="2">
+            <a:schemeClr val="accent1">
+              <a:shade val="50000"/>
+            </a:schemeClr>
+          </a:lnRef>
+          <a:fillRef idx="1">
+            <a:schemeClr val="accent1"/>
+          </a:fillRef>
+          <a:effectRef idx="0">
+            <a:schemeClr val="accent1"/>
+          </a:effectRef>
+          <a:fontRef idx="minor">
+            <a:schemeClr val="lt1"/>
+          </a:fontRef>
+        </p:style>
+        <p:txBody>
+          <a:bodyPr rtlCol="0" anchor="ctr"/>
+          <a:lstStyle/>
+          <a:p>
+            <a:pPr algn="ctr"/>
+            <a:r>
+              <a:rPr lang="de-CH" sz="2400" dirty="0">
+                <a:latin typeface="Yanone Kaffeesatz Light" panose="02000000000000000000" pitchFamily="2" charset="0"/>
+              </a:rPr>
+              <a:t>Storage</a:t>
+            </a:r>
+          </a:p>
+        </p:txBody>
+      </p:sp>
+      <p:sp>
+        <p:nvSpPr>
+          <p:cNvPr id="50" name="Rectangle 49">
+            <a:extLst>
+              <a:ext uri="{FF2B5EF4-FFF2-40B4-BE49-F238E27FC236}">
+                <a16:creationId xmlns:a16="http://schemas.microsoft.com/office/drawing/2014/main" id="{BDEB63F7-44BB-4D2E-9EC7-07855092BA81}"/>
+              </a:ext>
+            </a:extLst>
+          </p:cNvPr>
+          <p:cNvSpPr/>
+          <p:nvPr/>
+        </p:nvSpPr>
+        <p:spPr>
+          <a:xfrm>
+            <a:off x="8660114" y="3331240"/>
+            <a:ext cx="1518176" cy="1129000"/>
+          </a:xfrm>
+          <a:prstGeom prst="rect">
+            <a:avLst/>
+          </a:prstGeom>
+          <a:solidFill>
+            <a:schemeClr val="bg1">
+              <a:alpha val="75000"/>
+            </a:schemeClr>
+          </a:solidFill>
+          <a:ln>
+            <a:noFill/>
+          </a:ln>
+        </p:spPr>
+        <p:style>
+          <a:lnRef idx="2">
+            <a:schemeClr val="accent1">
+              <a:shade val="50000"/>
+            </a:schemeClr>
+          </a:lnRef>
+          <a:fillRef idx="1">
+            <a:schemeClr val="accent1"/>
+          </a:fillRef>
+          <a:effectRef idx="0">
+            <a:schemeClr val="accent1"/>
+          </a:effectRef>
+          <a:fontRef idx="minor">
+            <a:schemeClr val="lt1"/>
+          </a:fontRef>
+        </p:style>
+        <p:txBody>
+          <a:bodyPr rtlCol="0" anchor="ctr"/>
+          <a:lstStyle/>
+          <a:p>
+            <a:pPr algn="ctr"/>
+            <a:endParaRPr lang="en-CH"/>
+          </a:p>
+        </p:txBody>
+      </p:sp>
+      <p:cxnSp>
+        <p:nvCxnSpPr>
+          <p:cNvPr id="42" name="Straight Arrow Connector 41">
+            <a:extLst>
+              <a:ext uri="{FF2B5EF4-FFF2-40B4-BE49-F238E27FC236}">
+                <a16:creationId xmlns:a16="http://schemas.microsoft.com/office/drawing/2014/main" id="{0B83E1EE-4D00-4138-8C59-2B1F083A3346}"/>
+              </a:ext>
+            </a:extLst>
+          </p:cNvPr>
+          <p:cNvCxnSpPr>
+            <a:cxnSpLocks/>
+            <a:stCxn id="8" idx="3"/>
+            <a:endCxn id="41" idx="2"/>
+          </p:cNvCxnSpPr>
+          <p:nvPr/>
+        </p:nvCxnSpPr>
+        <p:spPr>
+          <a:xfrm flipV="1">
+            <a:off x="8518870" y="3792372"/>
+            <a:ext cx="1696708" cy="266"/>
+          </a:xfrm>
+          <a:prstGeom prst="straightConnector1">
+            <a:avLst/>
+          </a:prstGeom>
+          <a:ln w="19050">
+            <a:solidFill>
+              <a:schemeClr val="accent4"/>
+            </a:solidFill>
+            <a:headEnd type="triangle" w="med" len="med"/>
+            <a:tailEnd type="triangle" w="med" len="med"/>
+          </a:ln>
+        </p:spPr>
+        <p:style>
+          <a:lnRef idx="1">
+            <a:schemeClr val="accent1"/>
+          </a:lnRef>
+          <a:fillRef idx="0">
+            <a:schemeClr val="accent1"/>
+          </a:fillRef>
+          <a:effectRef idx="0">
+            <a:schemeClr val="accent1"/>
+          </a:effectRef>
+          <a:fontRef idx="minor">
+            <a:schemeClr val="tx1"/>
+          </a:fontRef>
+        </p:style>
+      </p:cxnSp>
+      <p:sp>
+        <p:nvSpPr>
+          <p:cNvPr id="49" name="TextBox 48">
+            <a:extLst>
+              <a:ext uri="{FF2B5EF4-FFF2-40B4-BE49-F238E27FC236}">
+                <a16:creationId xmlns:a16="http://schemas.microsoft.com/office/drawing/2014/main" id="{FB1FDAFA-1315-4BEE-B6DE-86222917A8C1}"/>
+              </a:ext>
+            </a:extLst>
+          </p:cNvPr>
+          <p:cNvSpPr txBox="1"/>
+          <p:nvPr/>
+        </p:nvSpPr>
+        <p:spPr>
+          <a:xfrm>
+            <a:off x="8846457" y="3823305"/>
+            <a:ext cx="976549" cy="461665"/>
+          </a:xfrm>
+          <a:prstGeom prst="rect">
+            <a:avLst/>
+          </a:prstGeom>
+          <a:noFill/>
+        </p:spPr>
+        <p:txBody>
+          <a:bodyPr wrap="none" rtlCol="0">
+            <a:spAutoFit/>
+          </a:bodyPr>
+          <a:lstStyle/>
+          <a:p>
+            <a:r>
+              <a:rPr lang="en-US" sz="2400" dirty="0">
+                <a:solidFill>
+                  <a:schemeClr val="accent3"/>
+                </a:solidFill>
+                <a:latin typeface="Yanone Kaffeesatz Regular" panose="02000000000000000000" pitchFamily="2" charset="0"/>
+              </a:rPr>
+              <a:t>ADO.NET</a:t>
+            </a:r>
+            <a:endParaRPr lang="de-CH" sz="2400" dirty="0">
+              <a:solidFill>
+                <a:schemeClr val="accent3"/>
+              </a:solidFill>
+              <a:latin typeface="Yanone Kaffeesatz Regular" panose="02000000000000000000" pitchFamily="2" charset="0"/>
+            </a:endParaRPr>
+          </a:p>
+        </p:txBody>
+      </p:sp>
+      <p:cxnSp>
+        <p:nvCxnSpPr>
+          <p:cNvPr id="11" name="Straight Arrow Connector 10">
+            <a:extLst>
+              <a:ext uri="{FF2B5EF4-FFF2-40B4-BE49-F238E27FC236}">
+                <a16:creationId xmlns:a16="http://schemas.microsoft.com/office/drawing/2014/main" id="{79593834-FE4A-441A-BD8E-418200DA49F0}"/>
+              </a:ext>
+            </a:extLst>
+          </p:cNvPr>
+          <p:cNvCxnSpPr>
+            <a:cxnSpLocks/>
+            <a:stCxn id="10" idx="3"/>
+            <a:endCxn id="8" idx="1"/>
+          </p:cNvCxnSpPr>
+          <p:nvPr/>
+        </p:nvCxnSpPr>
+        <p:spPr>
+          <a:xfrm>
+            <a:off x="3713855" y="3792373"/>
+            <a:ext cx="2360615" cy="265"/>
+          </a:xfrm>
+          <a:prstGeom prst="straightConnector1">
+            <a:avLst/>
+          </a:prstGeom>
+          <a:ln w="19050">
+            <a:solidFill>
+              <a:schemeClr val="accent4"/>
+            </a:solidFill>
+            <a:headEnd type="triangle" w="med" len="med"/>
+            <a:tailEnd type="triangle" w="med" len="med"/>
+          </a:ln>
+        </p:spPr>
+        <p:style>
+          <a:lnRef idx="1">
+            <a:schemeClr val="accent1"/>
+          </a:lnRef>
+          <a:fillRef idx="0">
+            <a:schemeClr val="accent1"/>
+          </a:fillRef>
+          <a:effectRef idx="0">
+            <a:schemeClr val="accent1"/>
+          </a:effectRef>
+          <a:fontRef idx="minor">
+            <a:schemeClr val="tx1"/>
+          </a:fontRef>
+        </p:style>
+      </p:cxnSp>
+      <p:sp>
+        <p:nvSpPr>
+          <p:cNvPr id="12" name="TextBox 11">
+            <a:extLst>
+              <a:ext uri="{FF2B5EF4-FFF2-40B4-BE49-F238E27FC236}">
+                <a16:creationId xmlns:a16="http://schemas.microsoft.com/office/drawing/2014/main" id="{3899021E-1FFA-4653-87EC-EFB4F39C3565}"/>
+              </a:ext>
+            </a:extLst>
+          </p:cNvPr>
+          <p:cNvSpPr txBox="1"/>
+          <p:nvPr/>
+        </p:nvSpPr>
+        <p:spPr>
+          <a:xfrm>
+            <a:off x="4671203" y="3823305"/>
+            <a:ext cx="514885" cy="461665"/>
+          </a:xfrm>
+          <a:prstGeom prst="rect">
+            <a:avLst/>
+          </a:prstGeom>
+          <a:noFill/>
+        </p:spPr>
+        <p:txBody>
+          <a:bodyPr wrap="none" rtlCol="0">
+            <a:spAutoFit/>
+          </a:bodyPr>
+          <a:lstStyle/>
+          <a:p>
+            <a:r>
+              <a:rPr lang="en-US" sz="2400" dirty="0">
+                <a:solidFill>
+                  <a:schemeClr val="accent3"/>
+                </a:solidFill>
+                <a:latin typeface="Yanone Kaffeesatz Regular" panose="02000000000000000000" pitchFamily="2" charset="0"/>
+              </a:rPr>
+              <a:t>RPC</a:t>
+            </a:r>
+            <a:endParaRPr lang="de-CH" sz="2400" dirty="0">
+              <a:solidFill>
+                <a:schemeClr val="accent3"/>
+              </a:solidFill>
+              <a:latin typeface="Yanone Kaffeesatz Regular" panose="02000000000000000000" pitchFamily="2" charset="0"/>
+            </a:endParaRPr>
+          </a:p>
+        </p:txBody>
+      </p:sp>
+      <p:sp>
+        <p:nvSpPr>
+          <p:cNvPr id="54" name="TextBox 53">
+            <a:extLst>
+              <a:ext uri="{FF2B5EF4-FFF2-40B4-BE49-F238E27FC236}">
+                <a16:creationId xmlns:a16="http://schemas.microsoft.com/office/drawing/2014/main" id="{EAEDC908-7340-44E3-808E-668D8EBC1DB1}"/>
+              </a:ext>
+            </a:extLst>
+          </p:cNvPr>
+          <p:cNvSpPr txBox="1"/>
+          <p:nvPr/>
+        </p:nvSpPr>
+        <p:spPr>
+          <a:xfrm>
+            <a:off x="4143296" y="3283257"/>
+            <a:ext cx="1595309" cy="461665"/>
+          </a:xfrm>
+          <a:prstGeom prst="rect">
+            <a:avLst/>
+          </a:prstGeom>
+          <a:noFill/>
+        </p:spPr>
+        <p:txBody>
+          <a:bodyPr wrap="none" rtlCol="0">
+            <a:spAutoFit/>
+          </a:bodyPr>
+          <a:lstStyle/>
+          <a:p>
+            <a:r>
+              <a:rPr lang="en-US" sz="2400" dirty="0">
+                <a:solidFill>
+                  <a:schemeClr val="accent4"/>
+                </a:solidFill>
+                <a:latin typeface="Yanone Kaffeesatz Regular" panose="02000000000000000000" pitchFamily="2" charset="0"/>
+              </a:rPr>
+              <a:t>Refund / Query</a:t>
+            </a:r>
+            <a:endParaRPr lang="de-CH" sz="2400" dirty="0">
               <a:solidFill>
                 <a:schemeClr val="accent4"/>
               </a:solidFill>
@@ -5054,144 +6672,100 @@
       </p:sp>
       <p:sp>
         <p:nvSpPr>
-          <p:cNvPr id="4" name="Rectangle 3"/>
-          <p:cNvSpPr/>
+          <p:cNvPr id="55" name="TextBox 54">
+            <a:extLst>
+              <a:ext uri="{FF2B5EF4-FFF2-40B4-BE49-F238E27FC236}">
+                <a16:creationId xmlns:a16="http://schemas.microsoft.com/office/drawing/2014/main" id="{9C2242C7-8023-4D55-8D52-864E8E5DE368}"/>
+              </a:ext>
+            </a:extLst>
+          </p:cNvPr>
+          <p:cNvSpPr txBox="1"/>
           <p:nvPr/>
         </p:nvSpPr>
         <p:spPr>
           <a:xfrm>
-            <a:off x="627997" y="961799"/>
-            <a:ext cx="5243743" cy="1107996"/>
+            <a:off x="8680177" y="3283257"/>
+            <a:ext cx="1374094" cy="461665"/>
           </a:xfrm>
           <a:prstGeom prst="rect">
             <a:avLst/>
           </a:prstGeom>
-        </p:spPr>
-        <p:txBody>
-          <a:bodyPr wrap="none">
+          <a:noFill/>
+        </p:spPr>
+        <p:txBody>
+          <a:bodyPr wrap="none" rtlCol="0">
             <a:spAutoFit/>
           </a:bodyPr>
           <a:lstStyle/>
           <a:p>
             <a:r>
-              <a:rPr lang="en-US" sz="6600" dirty="0">
+              <a:rPr lang="en-US" sz="2400" dirty="0">
                 <a:solidFill>
-                  <a:schemeClr val="tx2"/>
+                  <a:schemeClr val="accent4"/>
                 </a:solidFill>
                 <a:latin typeface="Yanone Kaffeesatz Regular" panose="02000000000000000000" pitchFamily="2" charset="0"/>
               </a:rPr>
-              <a:t>The RPC </a:t>
-            </a:r>
-            <a:r>
-              <a:rPr lang="en-US" sz="6600" dirty="0" err="1">
+              <a:t>Read / Write</a:t>
+            </a:r>
+            <a:endParaRPr lang="de-CH" sz="2400" dirty="0">
+              <a:solidFill>
+                <a:schemeClr val="accent4"/>
+              </a:solidFill>
+              <a:latin typeface="Yanone Kaffeesatz Regular" panose="02000000000000000000" pitchFamily="2" charset="0"/>
+            </a:endParaRPr>
+          </a:p>
+        </p:txBody>
+      </p:sp>
+      <p:sp>
+        <p:nvSpPr>
+          <p:cNvPr id="57" name="TextBox 56">
+            <a:extLst>
+              <a:ext uri="{FF2B5EF4-FFF2-40B4-BE49-F238E27FC236}">
+                <a16:creationId xmlns:a16="http://schemas.microsoft.com/office/drawing/2014/main" id="{9AEA909C-B102-493D-B3CA-CE677E1FCBBD}"/>
+              </a:ext>
+            </a:extLst>
+          </p:cNvPr>
+          <p:cNvSpPr txBox="1"/>
+          <p:nvPr/>
+        </p:nvSpPr>
+        <p:spPr>
+          <a:xfrm>
+            <a:off x="10054271" y="570989"/>
+            <a:ext cx="816249" cy="338554"/>
+          </a:xfrm>
+          <a:prstGeom prst="rect">
+            <a:avLst/>
+          </a:prstGeom>
+          <a:noFill/>
+        </p:spPr>
+        <p:txBody>
+          <a:bodyPr wrap="none" rtlCol="0">
+            <a:spAutoFit/>
+          </a:bodyPr>
+          <a:lstStyle/>
+          <a:p>
+            <a:r>
+              <a:rPr lang="en-US" sz="1600" dirty="0">
                 <a:solidFill>
-                  <a:schemeClr val="tx2"/>
+                  <a:schemeClr val="accent3"/>
                 </a:solidFill>
                 <a:latin typeface="Yanone Kaffeesatz Regular" panose="02000000000000000000" pitchFamily="2" charset="0"/>
               </a:rPr>
-              <a:t>callstack</a:t>
-            </a:r>
-            <a:r>
-              <a:rPr lang="en-US" sz="6600" dirty="0">
-                <a:solidFill>
-                  <a:schemeClr val="tx2"/>
-                </a:solidFill>
-                <a:latin typeface="Yanone Kaffeesatz Regular" panose="02000000000000000000" pitchFamily="2" charset="0"/>
-              </a:rPr>
-              <a:t> of</a:t>
-            </a:r>
-            <a:endParaRPr lang="de-CH" sz="6600" dirty="0">
+              <a:t>DB Cluster</a:t>
+            </a:r>
+            <a:endParaRPr lang="de-CH" sz="1600" dirty="0">
               <a:solidFill>
-                <a:schemeClr val="tx2"/>
+                <a:schemeClr val="accent3"/>
               </a:solidFill>
+              <a:latin typeface="Yanone Kaffeesatz Regular" panose="02000000000000000000" pitchFamily="2" charset="0"/>
             </a:endParaRPr>
-          </a:p>
-        </p:txBody>
-      </p:sp>
-      <p:sp>
-        <p:nvSpPr>
-          <p:cNvPr id="3" name="Rectangle 2">
-            <a:extLst>
-              <a:ext uri="{FF2B5EF4-FFF2-40B4-BE49-F238E27FC236}">
-                <a16:creationId xmlns:a16="http://schemas.microsoft.com/office/drawing/2014/main" id="{7E3E853C-D5F5-4FA4-8B72-24F71B359C6E}"/>
-              </a:ext>
-            </a:extLst>
-          </p:cNvPr>
-          <p:cNvSpPr/>
-          <p:nvPr/>
-        </p:nvSpPr>
-        <p:spPr>
-          <a:xfrm rot="1037314">
-            <a:off x="5102138" y="1338706"/>
-            <a:ext cx="1539204" cy="4508927"/>
-          </a:xfrm>
-          <a:prstGeom prst="rect">
-            <a:avLst/>
-          </a:prstGeom>
-        </p:spPr>
-        <p:txBody>
-          <a:bodyPr wrap="none">
-            <a:spAutoFit/>
-          </a:bodyPr>
-          <a:lstStyle/>
-          <a:p>
-            <a:r>
-              <a:rPr lang="en-US" sz="28700" dirty="0">
-                <a:solidFill>
-                  <a:schemeClr val="accent2"/>
-                </a:solidFill>
-                <a:latin typeface="Yanone Kaffeesatz Regular" panose="02000000000000000000" pitchFamily="2" charset="0"/>
-              </a:rPr>
-              <a:t>o</a:t>
-            </a:r>
-            <a:endParaRPr lang="en-US" sz="28700" dirty="0"/>
-          </a:p>
-        </p:txBody>
-      </p:sp>
-      <p:sp>
-        <p:nvSpPr>
-          <p:cNvPr id="5" name="Rectangle 4">
-            <a:extLst>
-              <a:ext uri="{FF2B5EF4-FFF2-40B4-BE49-F238E27FC236}">
-                <a16:creationId xmlns:a16="http://schemas.microsoft.com/office/drawing/2014/main" id="{77EC48CA-5FE6-4355-B05C-6C746118F602}"/>
-              </a:ext>
-            </a:extLst>
-          </p:cNvPr>
-          <p:cNvSpPr/>
-          <p:nvPr/>
-        </p:nvSpPr>
-        <p:spPr>
-          <a:xfrm rot="19877195">
-            <a:off x="6387788" y="1249258"/>
-            <a:ext cx="2234907" cy="4462760"/>
-          </a:xfrm>
-          <a:prstGeom prst="rect">
-            <a:avLst/>
-          </a:prstGeom>
-        </p:spPr>
-        <p:txBody>
-          <a:bodyPr wrap="none">
-            <a:spAutoFit/>
-          </a:bodyPr>
-          <a:lstStyle/>
-          <a:p>
-            <a:r>
-              <a:rPr lang="en-US" sz="28400" dirty="0">
-                <a:solidFill>
-                  <a:schemeClr val="accent2"/>
-                </a:solidFill>
-                <a:latin typeface="Yanone Kaffeesatz Regular" panose="02000000000000000000" pitchFamily="2" charset="0"/>
-              </a:rPr>
-              <a:t>m</a:t>
-            </a:r>
-            <a:endParaRPr lang="en-US" sz="28400" dirty="0"/>
           </a:p>
         </p:txBody>
       </p:sp>
     </p:spTree>
     <p:extLst>
       <p:ext uri="{BB962C8B-B14F-4D97-AF65-F5344CB8AC3E}">
-        <p14:creationId xmlns:p14="http://schemas.microsoft.com/office/powerpoint/2010/main" val="2858831559"/>
+        <p14:creationId xmlns:p14="http://schemas.microsoft.com/office/powerpoint/2010/main" val="3948706272"/>
       </p:ext>
     </p:extLst>
   </p:cSld>
@@ -5220,10 +6794,106 @@
       </p:grpSpPr>
       <p:sp>
         <p:nvSpPr>
-          <p:cNvPr id="2" name="Rectangle 1">
+          <p:cNvPr id="2" name="TextBox 1"/>
+          <p:cNvSpPr txBox="1"/>
+          <p:nvPr/>
+        </p:nvSpPr>
+        <p:spPr>
+          <a:xfrm>
+            <a:off x="2348821" y="1174537"/>
+            <a:ext cx="2959465" cy="4508927"/>
+          </a:xfrm>
+          <a:prstGeom prst="rect">
+            <a:avLst/>
+          </a:prstGeom>
+          <a:noFill/>
+        </p:spPr>
+        <p:txBody>
+          <a:bodyPr wrap="none" rtlCol="0">
+            <a:spAutoFit/>
+          </a:bodyPr>
+          <a:lstStyle/>
+          <a:p>
+            <a:r>
+              <a:rPr lang="en-US" sz="28700" dirty="0">
+                <a:solidFill>
+                  <a:schemeClr val="accent2"/>
+                </a:solidFill>
+                <a:latin typeface="Yanone Kaffeesatz Regular" panose="02000000000000000000" pitchFamily="2" charset="0"/>
+              </a:rPr>
+              <a:t>do</a:t>
+            </a:r>
+            <a:endParaRPr lang="de-CH" sz="9600" dirty="0">
+              <a:solidFill>
+                <a:schemeClr val="accent4"/>
+              </a:solidFill>
+              <a:latin typeface="Yanone Kaffeesatz Regular" panose="02000000000000000000" pitchFamily="2" charset="0"/>
+            </a:endParaRPr>
+          </a:p>
+        </p:txBody>
+      </p:sp>
+      <p:sp>
+        <p:nvSpPr>
+          <p:cNvPr id="4" name="Rectangle 3"/>
+          <p:cNvSpPr/>
+          <p:nvPr/>
+        </p:nvSpPr>
+        <p:spPr>
+          <a:xfrm>
+            <a:off x="627997" y="961799"/>
+            <a:ext cx="5243743" cy="1107996"/>
+          </a:xfrm>
+          <a:prstGeom prst="rect">
+            <a:avLst/>
+          </a:prstGeom>
+        </p:spPr>
+        <p:txBody>
+          <a:bodyPr wrap="none">
+            <a:spAutoFit/>
+          </a:bodyPr>
+          <a:lstStyle/>
+          <a:p>
+            <a:r>
+              <a:rPr lang="en-US" sz="6600" dirty="0">
+                <a:solidFill>
+                  <a:schemeClr val="tx2"/>
+                </a:solidFill>
+                <a:latin typeface="Yanone Kaffeesatz Regular" panose="02000000000000000000" pitchFamily="2" charset="0"/>
+              </a:rPr>
+              <a:t>The RPC </a:t>
+            </a:r>
+            <a:r>
+              <a:rPr lang="en-US" sz="6600" dirty="0" err="1">
+                <a:solidFill>
+                  <a:schemeClr val="tx2"/>
+                </a:solidFill>
+                <a:latin typeface="Yanone Kaffeesatz Regular" panose="02000000000000000000" pitchFamily="2" charset="0"/>
+              </a:rPr>
+              <a:t>callstack</a:t>
+            </a:r>
+            <a:r>
+              <a:rPr lang="en-US" sz="6600" dirty="0">
+                <a:solidFill>
+                  <a:schemeClr val="tx2"/>
+                </a:solidFill>
+                <a:latin typeface="Yanone Kaffeesatz Regular" panose="02000000000000000000" pitchFamily="2" charset="0"/>
+              </a:rPr>
+              <a:t> of</a:t>
+            </a:r>
+            <a:endParaRPr lang="de-CH" sz="6600" dirty="0">
+              <a:solidFill>
+                <a:schemeClr val="tx2"/>
+              </a:solidFill>
+            </a:endParaRPr>
+          </a:p>
+        </p:txBody>
+      </p:sp>
+      <p:sp>
+        <p:nvSpPr>
+          <p:cNvPr id="3" name="Rectangle 2">
             <a:extLst>
               <a:ext uri="{FF2B5EF4-FFF2-40B4-BE49-F238E27FC236}">
-                <a16:creationId xmlns:a16="http://schemas.microsoft.com/office/drawing/2014/main" id="{42055754-4CBA-4874-A8AD-D653B92CED08}"/>
+                <a16:creationId xmlns:a16="http://schemas.microsoft.com/office/drawing/2014/main" id="{7E3E853C-D5F5-4FA4-8B72-24F71B359C6E}"/>
               </a:ext>
             </a:extLst>
           </p:cNvPr>
@@ -5231,9 +6901,9 @@
           <p:nvPr/>
         </p:nvSpPr>
         <p:spPr>
-          <a:xfrm>
-            <a:off x="4929655" y="3013502"/>
-            <a:ext cx="2332690" cy="830997"/>
+          <a:xfrm rot="1037314">
+            <a:off x="5102138" y="1338706"/>
+            <a:ext cx="1539204" cy="4508927"/>
           </a:xfrm>
           <a:prstGeom prst="rect">
             <a:avLst/>
@@ -5246,22 +6916,62 @@
           <a:lstStyle/>
           <a:p>
             <a:r>
-              <a:rPr lang="en-US" sz="4800" dirty="0">
+              <a:rPr lang="en-US" sz="28700" dirty="0">
                 <a:solidFill>
-                  <a:schemeClr val="tx2"/>
+                  <a:schemeClr val="accent2"/>
                 </a:solidFill>
                 <a:latin typeface="Yanone Kaffeesatz Regular" panose="02000000000000000000" pitchFamily="2" charset="0"/>
               </a:rPr>
-              <a:t>Placeholder</a:t>
-            </a:r>
-            <a:endParaRPr lang="en-US" dirty="0"/>
+              <a:t>o</a:t>
+            </a:r>
+            <a:endParaRPr lang="en-US" sz="28700" dirty="0"/>
+          </a:p>
+        </p:txBody>
+      </p:sp>
+      <p:sp>
+        <p:nvSpPr>
+          <p:cNvPr id="5" name="Rectangle 4">
+            <a:extLst>
+              <a:ext uri="{FF2B5EF4-FFF2-40B4-BE49-F238E27FC236}">
+                <a16:creationId xmlns:a16="http://schemas.microsoft.com/office/drawing/2014/main" id="{77EC48CA-5FE6-4355-B05C-6C746118F602}"/>
+              </a:ext>
+            </a:extLst>
+          </p:cNvPr>
+          <p:cNvSpPr/>
+          <p:nvPr/>
+        </p:nvSpPr>
+        <p:spPr>
+          <a:xfrm rot="19877195">
+            <a:off x="6387788" y="1249258"/>
+            <a:ext cx="2234907" cy="4462760"/>
+          </a:xfrm>
+          <a:prstGeom prst="rect">
+            <a:avLst/>
+          </a:prstGeom>
+        </p:spPr>
+        <p:txBody>
+          <a:bodyPr wrap="none">
+            <a:spAutoFit/>
+          </a:bodyPr>
+          <a:lstStyle/>
+          <a:p>
+            <a:r>
+              <a:rPr lang="en-US" sz="28400" dirty="0">
+                <a:solidFill>
+                  <a:schemeClr val="accent2"/>
+                </a:solidFill>
+                <a:latin typeface="Yanone Kaffeesatz Regular" panose="02000000000000000000" pitchFamily="2" charset="0"/>
+              </a:rPr>
+              <a:t>m</a:t>
+            </a:r>
+            <a:endParaRPr lang="en-US" sz="28400" dirty="0"/>
           </a:p>
         </p:txBody>
       </p:sp>
     </p:spTree>
     <p:extLst>
       <p:ext uri="{BB962C8B-B14F-4D97-AF65-F5344CB8AC3E}">
-        <p14:creationId xmlns:p14="http://schemas.microsoft.com/office/powerpoint/2010/main" val="1742042437"/>
+        <p14:creationId xmlns:p14="http://schemas.microsoft.com/office/powerpoint/2010/main" val="2858831559"/>
       </p:ext>
     </p:extLst>
   </p:cSld>
@@ -5293,7 +7003,7 @@
           <p:cNvPr id="2" name="Rectangle 1">
             <a:extLst>
               <a:ext uri="{FF2B5EF4-FFF2-40B4-BE49-F238E27FC236}">
-                <a16:creationId xmlns:a16="http://schemas.microsoft.com/office/drawing/2014/main" id="{42055754-4CBA-4874-A8AD-D653B92CED08}"/>
+                <a16:creationId xmlns:a16="http://schemas.microsoft.com/office/drawing/2014/main" id="{04D9AF43-6771-451D-A5CC-7BBCF828BA56}"/>
               </a:ext>
             </a:extLst>
           </p:cNvPr>
@@ -5302,8 +7012,8 @@
         </p:nvSpPr>
         <p:spPr>
           <a:xfrm>
-            <a:off x="4929655" y="3013502"/>
-            <a:ext cx="2332690" cy="830997"/>
+            <a:off x="1853774" y="966961"/>
+            <a:ext cx="4876656" cy="1107996"/>
           </a:xfrm>
           <a:prstGeom prst="rect">
             <a:avLst/>
@@ -5316,13 +7026,53 @@
           <a:lstStyle/>
           <a:p>
             <a:r>
-              <a:rPr lang="en-US" sz="4800" dirty="0">
+              <a:rPr lang="en-US" sz="6600" dirty="0">
                 <a:solidFill>
                   <a:schemeClr val="tx2"/>
                 </a:solidFill>
                 <a:latin typeface="Yanone Kaffeesatz Regular" panose="02000000000000000000" pitchFamily="2" charset="0"/>
               </a:rPr>
-              <a:t>Placeholder</a:t>
+              <a:t>praise the lords of</a:t>
+            </a:r>
+            <a:endParaRPr lang="en-US" sz="6600" dirty="0"/>
+          </a:p>
+        </p:txBody>
+      </p:sp>
+      <p:sp>
+        <p:nvSpPr>
+          <p:cNvPr id="3" name="Rectangle 2">
+            <a:extLst>
+              <a:ext uri="{FF2B5EF4-FFF2-40B4-BE49-F238E27FC236}">
+                <a16:creationId xmlns:a16="http://schemas.microsoft.com/office/drawing/2014/main" id="{90A036B2-9F11-4495-82B8-FD1BDF7C132E}"/>
+              </a:ext>
+            </a:extLst>
+          </p:cNvPr>
+          <p:cNvSpPr/>
+          <p:nvPr/>
+        </p:nvSpPr>
+        <p:spPr>
+          <a:xfrm>
+            <a:off x="2480267" y="2105561"/>
+            <a:ext cx="7231467" cy="2646878"/>
+          </a:xfrm>
+          <a:prstGeom prst="rect">
+            <a:avLst/>
+          </a:prstGeom>
+        </p:spPr>
+        <p:txBody>
+          <a:bodyPr wrap="none">
+            <a:spAutoFit/>
+          </a:bodyPr>
+          <a:lstStyle/>
+          <a:p>
+            <a:r>
+              <a:rPr lang="en-US" sz="16600" dirty="0">
+                <a:solidFill>
+                  <a:schemeClr val="accent2"/>
+                </a:solidFill>
+                <a:latin typeface="Yanone Kaffeesatz Regular" panose="02000000000000000000" pitchFamily="2" charset="0"/>
+              </a:rPr>
+              <a:t>messaging</a:t>
             </a:r>
             <a:endParaRPr lang="en-US" dirty="0"/>
           </a:p>
@@ -5331,7 +7081,7 @@
     </p:spTree>
     <p:extLst>
       <p:ext uri="{BB962C8B-B14F-4D97-AF65-F5344CB8AC3E}">
-        <p14:creationId xmlns:p14="http://schemas.microsoft.com/office/powerpoint/2010/main" val="895354171"/>
+        <p14:creationId xmlns:p14="http://schemas.microsoft.com/office/powerpoint/2010/main" val="2687636850"/>
       </p:ext>
     </p:extLst>
   </p:cSld>
@@ -5360,43 +7110,1583 @@
       </p:grpSpPr>
       <p:sp>
         <p:nvSpPr>
-          <p:cNvPr id="5" name="Rectangle 4"/>
+          <p:cNvPr id="52" name="Rectangle 51">
+            <a:extLst>
+              <a:ext uri="{FF2B5EF4-FFF2-40B4-BE49-F238E27FC236}">
+                <a16:creationId xmlns:a16="http://schemas.microsoft.com/office/drawing/2014/main" id="{BD743C45-BAE4-43DC-B682-62C07BC80BB4}"/>
+              </a:ext>
+            </a:extLst>
+          </p:cNvPr>
           <p:cNvSpPr/>
           <p:nvPr/>
         </p:nvSpPr>
         <p:spPr>
           <a:xfrm>
-            <a:off x="0" y="1952437"/>
-            <a:ext cx="4999912" cy="2646878"/>
+            <a:off x="10023051" y="314960"/>
+            <a:ext cx="1838783" cy="4521200"/>
           </a:xfrm>
           <a:prstGeom prst="rect">
             <a:avLst/>
           </a:prstGeom>
-        </p:spPr>
-        <p:txBody>
-          <a:bodyPr wrap="square">
+          <a:noFill/>
+          <a:ln w="19050">
+            <a:solidFill>
+              <a:schemeClr val="bg2">
+                <a:lumMod val="90000"/>
+              </a:schemeClr>
+            </a:solidFill>
+            <a:prstDash val="solid"/>
+          </a:ln>
+        </p:spPr>
+        <p:style>
+          <a:lnRef idx="2">
+            <a:schemeClr val="accent1">
+              <a:shade val="50000"/>
+            </a:schemeClr>
+          </a:lnRef>
+          <a:fillRef idx="1">
+            <a:schemeClr val="accent1"/>
+          </a:fillRef>
+          <a:effectRef idx="0">
+            <a:schemeClr val="accent1"/>
+          </a:effectRef>
+          <a:fontRef idx="minor">
+            <a:schemeClr val="lt1"/>
+          </a:fontRef>
+        </p:style>
+        <p:txBody>
+          <a:bodyPr rtlCol="0" anchor="ctr"/>
+          <a:lstStyle/>
+          <a:p>
+            <a:pPr algn="ctr"/>
+            <a:endParaRPr lang="de-CH"/>
+          </a:p>
+        </p:txBody>
+      </p:sp>
+      <p:sp>
+        <p:nvSpPr>
+          <p:cNvPr id="8" name="Rectangle 7">
+            <a:extLst>
+              <a:ext uri="{FF2B5EF4-FFF2-40B4-BE49-F238E27FC236}">
+                <a16:creationId xmlns:a16="http://schemas.microsoft.com/office/drawing/2014/main" id="{04C9CF38-6802-4549-99F0-877B10BC09E9}"/>
+              </a:ext>
+            </a:extLst>
+          </p:cNvPr>
+          <p:cNvSpPr/>
+          <p:nvPr/>
+        </p:nvSpPr>
+        <p:spPr>
+          <a:xfrm>
+            <a:off x="6064310" y="2068758"/>
+            <a:ext cx="2444400" cy="1659600"/>
+          </a:xfrm>
+          <a:prstGeom prst="rect">
+            <a:avLst/>
+          </a:prstGeom>
+          <a:solidFill>
+            <a:schemeClr val="tx2"/>
+          </a:solidFill>
+          <a:ln>
+            <a:solidFill>
+              <a:schemeClr val="bg1"/>
+            </a:solidFill>
+          </a:ln>
+        </p:spPr>
+        <p:style>
+          <a:lnRef idx="2">
+            <a:schemeClr val="accent1">
+              <a:shade val="50000"/>
+            </a:schemeClr>
+          </a:lnRef>
+          <a:fillRef idx="1">
+            <a:schemeClr val="accent1"/>
+          </a:fillRef>
+          <a:effectRef idx="0">
+            <a:schemeClr val="accent1"/>
+          </a:effectRef>
+          <a:fontRef idx="minor">
+            <a:schemeClr val="lt1"/>
+          </a:fontRef>
+        </p:style>
+        <p:txBody>
+          <a:bodyPr rtlCol="0" anchor="ctr"/>
+          <a:lstStyle/>
+          <a:p>
+            <a:pPr algn="ctr"/>
+            <a:r>
+              <a:rPr lang="en-US" sz="2400" dirty="0">
+                <a:latin typeface="Yanone Kaffeesatz Light" panose="02000000000000000000" pitchFamily="2" charset="0"/>
+              </a:rPr>
+              <a:t>Back</a:t>
+            </a:r>
+            <a:endParaRPr lang="de-CH" sz="1200" dirty="0">
+              <a:latin typeface="Yanone Kaffeesatz Light" panose="02000000000000000000" pitchFamily="2" charset="0"/>
+            </a:endParaRPr>
+          </a:p>
+        </p:txBody>
+      </p:sp>
+      <p:sp>
+        <p:nvSpPr>
+          <p:cNvPr id="10" name="Rectangle 9">
+            <a:extLst>
+              <a:ext uri="{FF2B5EF4-FFF2-40B4-BE49-F238E27FC236}">
+                <a16:creationId xmlns:a16="http://schemas.microsoft.com/office/drawing/2014/main" id="{8427F5C9-1ECE-479D-BD11-85AB38C9A1BE}"/>
+              </a:ext>
+            </a:extLst>
+          </p:cNvPr>
+          <p:cNvSpPr/>
+          <p:nvPr/>
+        </p:nvSpPr>
+        <p:spPr>
+          <a:xfrm>
+            <a:off x="1325573" y="1503204"/>
+            <a:ext cx="2443515" cy="1659069"/>
+          </a:xfrm>
+          <a:prstGeom prst="rect">
+            <a:avLst/>
+          </a:prstGeom>
+          <a:solidFill>
+            <a:schemeClr val="tx2"/>
+          </a:solidFill>
+          <a:ln>
+            <a:solidFill>
+              <a:schemeClr val="bg1"/>
+            </a:solidFill>
+          </a:ln>
+        </p:spPr>
+        <p:style>
+          <a:lnRef idx="2">
+            <a:schemeClr val="accent1">
+              <a:shade val="50000"/>
+            </a:schemeClr>
+          </a:lnRef>
+          <a:fillRef idx="1">
+            <a:schemeClr val="accent1"/>
+          </a:fillRef>
+          <a:effectRef idx="0">
+            <a:schemeClr val="accent1"/>
+          </a:effectRef>
+          <a:fontRef idx="minor">
+            <a:schemeClr val="lt1"/>
+          </a:fontRef>
+        </p:style>
+        <p:txBody>
+          <a:bodyPr rtlCol="0" anchor="ctr"/>
+          <a:lstStyle/>
+          <a:p>
+            <a:pPr algn="ctr"/>
+            <a:r>
+              <a:rPr lang="en-US" sz="2400" dirty="0">
+                <a:latin typeface="Yanone Kaffeesatz Light" panose="02000000000000000000" pitchFamily="2" charset="0"/>
+              </a:rPr>
+              <a:t>Front</a:t>
+            </a:r>
+            <a:endParaRPr lang="de-CH" sz="1200" dirty="0">
+              <a:latin typeface="Yanone Kaffeesatz Light" panose="02000000000000000000" pitchFamily="2" charset="0"/>
+            </a:endParaRPr>
+          </a:p>
+        </p:txBody>
+      </p:sp>
+      <p:sp>
+        <p:nvSpPr>
+          <p:cNvPr id="16" name="TextBox 15">
+            <a:extLst>
+              <a:ext uri="{FF2B5EF4-FFF2-40B4-BE49-F238E27FC236}">
+                <a16:creationId xmlns:a16="http://schemas.microsoft.com/office/drawing/2014/main" id="{025C734D-795B-42BB-A73D-1936E9B5CFC5}"/>
+              </a:ext>
+            </a:extLst>
+          </p:cNvPr>
+          <p:cNvSpPr txBox="1"/>
+          <p:nvPr/>
+        </p:nvSpPr>
+        <p:spPr>
+          <a:xfrm>
+            <a:off x="1775546" y="1017697"/>
+            <a:ext cx="1409360" cy="461665"/>
+          </a:xfrm>
+          <a:prstGeom prst="rect">
+            <a:avLst/>
+          </a:prstGeom>
+          <a:noFill/>
+        </p:spPr>
+        <p:txBody>
+          <a:bodyPr wrap="none" rtlCol="0">
             <a:spAutoFit/>
           </a:bodyPr>
           <a:lstStyle/>
           <a:p>
-            <a:pPr algn="ctr"/>
-            <a:r>
-              <a:rPr lang="en-US" sz="16600" dirty="0">
+            <a:r>
+              <a:rPr lang="en-US" sz="2400" dirty="0">
                 <a:solidFill>
-                  <a:schemeClr val="accent2"/>
+                  <a:schemeClr val="accent3"/>
                 </a:solidFill>
                 <a:latin typeface="Yanone Kaffeesatz Regular" panose="02000000000000000000" pitchFamily="2" charset="0"/>
               </a:rPr>
-              <a:t>Goals</a:t>
-            </a:r>
-            <a:endParaRPr lang="de-CH" dirty="0"/>
-          </a:p>
-        </p:txBody>
-      </p:sp>
+              <a:t>WCF Services</a:t>
+            </a:r>
+            <a:endParaRPr lang="de-CH" sz="2400" dirty="0">
+              <a:solidFill>
+                <a:schemeClr val="accent3"/>
+              </a:solidFill>
+              <a:latin typeface="Yanone Kaffeesatz Regular" panose="02000000000000000000" pitchFamily="2" charset="0"/>
+            </a:endParaRPr>
+          </a:p>
+        </p:txBody>
+      </p:sp>
+      <p:sp>
+        <p:nvSpPr>
+          <p:cNvPr id="17" name="TextBox 16">
+            <a:extLst>
+              <a:ext uri="{FF2B5EF4-FFF2-40B4-BE49-F238E27FC236}">
+                <a16:creationId xmlns:a16="http://schemas.microsoft.com/office/drawing/2014/main" id="{75780B26-333C-43F5-98A2-14B3A2F0C5C3}"/>
+              </a:ext>
+            </a:extLst>
+          </p:cNvPr>
+          <p:cNvSpPr txBox="1"/>
+          <p:nvPr/>
+        </p:nvSpPr>
+        <p:spPr>
+          <a:xfrm>
+            <a:off x="6396683" y="1400594"/>
+            <a:ext cx="1779654" cy="461665"/>
+          </a:xfrm>
+          <a:prstGeom prst="rect">
+            <a:avLst/>
+          </a:prstGeom>
+          <a:noFill/>
+        </p:spPr>
+        <p:txBody>
+          <a:bodyPr wrap="none" rtlCol="0">
+            <a:spAutoFit/>
+          </a:bodyPr>
+          <a:lstStyle/>
+          <a:p>
+            <a:r>
+              <a:rPr lang="en-US" sz="2400" dirty="0">
+                <a:solidFill>
+                  <a:schemeClr val="accent3"/>
+                </a:solidFill>
+                <a:latin typeface="Yanone Kaffeesatz Regular" panose="02000000000000000000" pitchFamily="2" charset="0"/>
+              </a:rPr>
+              <a:t>Windows Service</a:t>
+            </a:r>
+            <a:endParaRPr lang="de-CH" sz="2400" dirty="0">
+              <a:solidFill>
+                <a:schemeClr val="accent3"/>
+              </a:solidFill>
+              <a:latin typeface="Yanone Kaffeesatz Regular" panose="02000000000000000000" pitchFamily="2" charset="0"/>
+            </a:endParaRPr>
+          </a:p>
+        </p:txBody>
+      </p:sp>
+      <p:sp>
+        <p:nvSpPr>
+          <p:cNvPr id="36" name="Rectangle 35">
+            <a:extLst>
+              <a:ext uri="{FF2B5EF4-FFF2-40B4-BE49-F238E27FC236}">
+                <a16:creationId xmlns:a16="http://schemas.microsoft.com/office/drawing/2014/main" id="{02BAD128-17B0-4BF7-B035-BAE39F6A4DA7}"/>
+              </a:ext>
+            </a:extLst>
+          </p:cNvPr>
+          <p:cNvSpPr/>
+          <p:nvPr/>
+        </p:nvSpPr>
+        <p:spPr>
+          <a:xfrm>
+            <a:off x="707542" y="540708"/>
+            <a:ext cx="3548787" cy="4153213"/>
+          </a:xfrm>
+          <a:prstGeom prst="rect">
+            <a:avLst/>
+          </a:prstGeom>
+          <a:noFill/>
+          <a:ln w="19050">
+            <a:solidFill>
+              <a:schemeClr val="accent3"/>
+            </a:solidFill>
+            <a:prstDash val="dash"/>
+          </a:ln>
+        </p:spPr>
+        <p:style>
+          <a:lnRef idx="2">
+            <a:schemeClr val="accent1">
+              <a:shade val="50000"/>
+            </a:schemeClr>
+          </a:lnRef>
+          <a:fillRef idx="1">
+            <a:schemeClr val="accent1"/>
+          </a:fillRef>
+          <a:effectRef idx="0">
+            <a:schemeClr val="accent1"/>
+          </a:effectRef>
+          <a:fontRef idx="minor">
+            <a:schemeClr val="lt1"/>
+          </a:fontRef>
+        </p:style>
+        <p:txBody>
+          <a:bodyPr rtlCol="0" anchor="ctr"/>
+          <a:lstStyle/>
+          <a:p>
+            <a:pPr algn="ctr"/>
+            <a:endParaRPr lang="de-CH"/>
+          </a:p>
+        </p:txBody>
+      </p:sp>
+      <p:sp>
+        <p:nvSpPr>
+          <p:cNvPr id="37" name="Rectangle 36">
+            <a:extLst>
+              <a:ext uri="{FF2B5EF4-FFF2-40B4-BE49-F238E27FC236}">
+                <a16:creationId xmlns:a16="http://schemas.microsoft.com/office/drawing/2014/main" id="{A3DE13F1-1EC3-4E99-B025-B3A8097225BA}"/>
+              </a:ext>
+            </a:extLst>
+          </p:cNvPr>
+          <p:cNvSpPr/>
+          <p:nvPr/>
+        </p:nvSpPr>
+        <p:spPr>
+          <a:xfrm>
+            <a:off x="5512117" y="540709"/>
+            <a:ext cx="3548787" cy="4153212"/>
+          </a:xfrm>
+          <a:prstGeom prst="rect">
+            <a:avLst/>
+          </a:prstGeom>
+          <a:noFill/>
+          <a:ln w="19050">
+            <a:solidFill>
+              <a:schemeClr val="accent3"/>
+            </a:solidFill>
+            <a:prstDash val="dash"/>
+          </a:ln>
+        </p:spPr>
+        <p:style>
+          <a:lnRef idx="2">
+            <a:schemeClr val="accent1">
+              <a:shade val="50000"/>
+            </a:schemeClr>
+          </a:lnRef>
+          <a:fillRef idx="1">
+            <a:schemeClr val="accent1"/>
+          </a:fillRef>
+          <a:effectRef idx="0">
+            <a:schemeClr val="accent1"/>
+          </a:effectRef>
+          <a:fontRef idx="minor">
+            <a:schemeClr val="lt1"/>
+          </a:fontRef>
+        </p:style>
+        <p:txBody>
+          <a:bodyPr rtlCol="0" anchor="ctr"/>
+          <a:lstStyle/>
+          <a:p>
+            <a:pPr algn="ctr"/>
+            <a:endParaRPr lang="de-CH"/>
+          </a:p>
+        </p:txBody>
+      </p:sp>
+      <p:sp>
+        <p:nvSpPr>
+          <p:cNvPr id="38" name="TextBox 37">
+            <a:extLst>
+              <a:ext uri="{FF2B5EF4-FFF2-40B4-BE49-F238E27FC236}">
+                <a16:creationId xmlns:a16="http://schemas.microsoft.com/office/drawing/2014/main" id="{9367E5AE-127C-4292-A0F6-C9DF06BA82A6}"/>
+              </a:ext>
+            </a:extLst>
+          </p:cNvPr>
+          <p:cNvSpPr txBox="1"/>
+          <p:nvPr/>
+        </p:nvSpPr>
+        <p:spPr>
+          <a:xfrm>
+            <a:off x="852857" y="603738"/>
+            <a:ext cx="574196" cy="461665"/>
+          </a:xfrm>
+          <a:prstGeom prst="rect">
+            <a:avLst/>
+          </a:prstGeom>
+          <a:noFill/>
+        </p:spPr>
+        <p:txBody>
+          <a:bodyPr wrap="none" rtlCol="0">
+            <a:spAutoFit/>
+          </a:bodyPr>
+          <a:lstStyle/>
+          <a:p>
+            <a:r>
+              <a:rPr lang="en-US" sz="2400" dirty="0">
+                <a:solidFill>
+                  <a:schemeClr val="accent3"/>
+                </a:solidFill>
+                <a:latin typeface="Yanone Kaffeesatz Regular" panose="02000000000000000000" pitchFamily="2" charset="0"/>
+              </a:rPr>
+              <a:t>DMZ</a:t>
+            </a:r>
+            <a:endParaRPr lang="de-CH" sz="2400" dirty="0">
+              <a:solidFill>
+                <a:schemeClr val="accent3"/>
+              </a:solidFill>
+              <a:latin typeface="Yanone Kaffeesatz Regular" panose="02000000000000000000" pitchFamily="2" charset="0"/>
+            </a:endParaRPr>
+          </a:p>
+        </p:txBody>
+      </p:sp>
+      <p:sp>
+        <p:nvSpPr>
+          <p:cNvPr id="39" name="TextBox 38">
+            <a:extLst>
+              <a:ext uri="{FF2B5EF4-FFF2-40B4-BE49-F238E27FC236}">
+                <a16:creationId xmlns:a16="http://schemas.microsoft.com/office/drawing/2014/main" id="{80B66455-6597-4559-8176-98C7838390DC}"/>
+              </a:ext>
+            </a:extLst>
+          </p:cNvPr>
+          <p:cNvSpPr txBox="1"/>
+          <p:nvPr/>
+        </p:nvSpPr>
+        <p:spPr>
+          <a:xfrm>
+            <a:off x="5656736" y="603739"/>
+            <a:ext cx="968535" cy="461665"/>
+          </a:xfrm>
+          <a:prstGeom prst="rect">
+            <a:avLst/>
+          </a:prstGeom>
+          <a:noFill/>
+        </p:spPr>
+        <p:txBody>
+          <a:bodyPr wrap="none" rtlCol="0">
+            <a:spAutoFit/>
+          </a:bodyPr>
+          <a:lstStyle/>
+          <a:p>
+            <a:r>
+              <a:rPr lang="en-US" sz="2400" dirty="0">
+                <a:solidFill>
+                  <a:schemeClr val="accent3"/>
+                </a:solidFill>
+                <a:latin typeface="Yanone Kaffeesatz Regular" panose="02000000000000000000" pitchFamily="2" charset="0"/>
+              </a:rPr>
+              <a:t>Backend</a:t>
+            </a:r>
+            <a:endParaRPr lang="de-CH" sz="2400" dirty="0">
+              <a:solidFill>
+                <a:schemeClr val="accent3"/>
+              </a:solidFill>
+              <a:latin typeface="Yanone Kaffeesatz Regular" panose="02000000000000000000" pitchFamily="2" charset="0"/>
+            </a:endParaRPr>
+          </a:p>
+        </p:txBody>
+      </p:sp>
+      <p:sp>
+        <p:nvSpPr>
+          <p:cNvPr id="51" name="Rectangle 50">
+            <a:extLst>
+              <a:ext uri="{FF2B5EF4-FFF2-40B4-BE49-F238E27FC236}">
+                <a16:creationId xmlns:a16="http://schemas.microsoft.com/office/drawing/2014/main" id="{F702D519-0F0C-42E7-B459-614B62381CC2}"/>
+              </a:ext>
+            </a:extLst>
+          </p:cNvPr>
+          <p:cNvSpPr/>
+          <p:nvPr/>
+        </p:nvSpPr>
+        <p:spPr>
+          <a:xfrm>
+            <a:off x="3891688" y="2437159"/>
+            <a:ext cx="1888568" cy="2427109"/>
+          </a:xfrm>
+          <a:prstGeom prst="rect">
+            <a:avLst/>
+          </a:prstGeom>
+          <a:solidFill>
+            <a:schemeClr val="bg1">
+              <a:alpha val="75000"/>
+            </a:schemeClr>
+          </a:solidFill>
+          <a:ln>
+            <a:noFill/>
+          </a:ln>
+        </p:spPr>
+        <p:style>
+          <a:lnRef idx="2">
+            <a:schemeClr val="accent1">
+              <a:shade val="50000"/>
+            </a:schemeClr>
+          </a:lnRef>
+          <a:fillRef idx="1">
+            <a:schemeClr val="accent1"/>
+          </a:fillRef>
+          <a:effectRef idx="0">
+            <a:schemeClr val="accent1"/>
+          </a:effectRef>
+          <a:fontRef idx="minor">
+            <a:schemeClr val="lt1"/>
+          </a:fontRef>
+        </p:style>
+        <p:txBody>
+          <a:bodyPr rtlCol="0" anchor="ctr"/>
+          <a:lstStyle/>
+          <a:p>
+            <a:pPr algn="ctr"/>
+            <a:endParaRPr lang="en-CH"/>
+          </a:p>
+        </p:txBody>
+      </p:sp>
+      <p:sp>
+        <p:nvSpPr>
+          <p:cNvPr id="41" name="Cylinder 40">
+            <a:extLst>
+              <a:ext uri="{FF2B5EF4-FFF2-40B4-BE49-F238E27FC236}">
+                <a16:creationId xmlns:a16="http://schemas.microsoft.com/office/drawing/2014/main" id="{3B793FC3-87DB-4623-9261-1D0F3AA10B0E}"/>
+              </a:ext>
+            </a:extLst>
+          </p:cNvPr>
+          <p:cNvSpPr/>
+          <p:nvPr/>
+        </p:nvSpPr>
+        <p:spPr>
+          <a:xfrm>
+            <a:off x="10205418" y="2003628"/>
+            <a:ext cx="1474048" cy="1789328"/>
+          </a:xfrm>
+          <a:prstGeom prst="can">
+            <a:avLst/>
+          </a:prstGeom>
+          <a:solidFill>
+            <a:schemeClr val="tx2"/>
+          </a:solidFill>
+          <a:ln>
+            <a:noFill/>
+          </a:ln>
+        </p:spPr>
+        <p:style>
+          <a:lnRef idx="2">
+            <a:schemeClr val="accent1">
+              <a:shade val="50000"/>
+            </a:schemeClr>
+          </a:lnRef>
+          <a:fillRef idx="1">
+            <a:schemeClr val="accent1"/>
+          </a:fillRef>
+          <a:effectRef idx="0">
+            <a:schemeClr val="accent1"/>
+          </a:effectRef>
+          <a:fontRef idx="minor">
+            <a:schemeClr val="lt1"/>
+          </a:fontRef>
+        </p:style>
+        <p:txBody>
+          <a:bodyPr rtlCol="0" anchor="ctr"/>
+          <a:lstStyle/>
+          <a:p>
+            <a:pPr algn="ctr"/>
+            <a:r>
+              <a:rPr lang="de-CH" sz="2400" dirty="0">
+                <a:latin typeface="Yanone Kaffeesatz Light" panose="02000000000000000000" pitchFamily="2" charset="0"/>
+              </a:rPr>
+              <a:t>Storage</a:t>
+            </a:r>
+          </a:p>
+        </p:txBody>
+      </p:sp>
+      <p:sp>
+        <p:nvSpPr>
+          <p:cNvPr id="50" name="Rectangle 49">
+            <a:extLst>
+              <a:ext uri="{FF2B5EF4-FFF2-40B4-BE49-F238E27FC236}">
+                <a16:creationId xmlns:a16="http://schemas.microsoft.com/office/drawing/2014/main" id="{BDEB63F7-44BB-4D2E-9EC7-07855092BA81}"/>
+              </a:ext>
+            </a:extLst>
+          </p:cNvPr>
+          <p:cNvSpPr/>
+          <p:nvPr/>
+        </p:nvSpPr>
+        <p:spPr>
+          <a:xfrm>
+            <a:off x="8649954" y="2437160"/>
+            <a:ext cx="1518176" cy="1129000"/>
+          </a:xfrm>
+          <a:prstGeom prst="rect">
+            <a:avLst/>
+          </a:prstGeom>
+          <a:solidFill>
+            <a:schemeClr val="bg1">
+              <a:alpha val="75000"/>
+            </a:schemeClr>
+          </a:solidFill>
+          <a:ln>
+            <a:noFill/>
+          </a:ln>
+        </p:spPr>
+        <p:style>
+          <a:lnRef idx="2">
+            <a:schemeClr val="accent1">
+              <a:shade val="50000"/>
+            </a:schemeClr>
+          </a:lnRef>
+          <a:fillRef idx="1">
+            <a:schemeClr val="accent1"/>
+          </a:fillRef>
+          <a:effectRef idx="0">
+            <a:schemeClr val="accent1"/>
+          </a:effectRef>
+          <a:fontRef idx="minor">
+            <a:schemeClr val="lt1"/>
+          </a:fontRef>
+        </p:style>
+        <p:txBody>
+          <a:bodyPr rtlCol="0" anchor="ctr"/>
+          <a:lstStyle/>
+          <a:p>
+            <a:pPr algn="ctr"/>
+            <a:endParaRPr lang="en-CH"/>
+          </a:p>
+        </p:txBody>
+      </p:sp>
+      <p:cxnSp>
+        <p:nvCxnSpPr>
+          <p:cNvPr id="42" name="Straight Arrow Connector 41">
+            <a:extLst>
+              <a:ext uri="{FF2B5EF4-FFF2-40B4-BE49-F238E27FC236}">
+                <a16:creationId xmlns:a16="http://schemas.microsoft.com/office/drawing/2014/main" id="{0B83E1EE-4D00-4138-8C59-2B1F083A3346}"/>
+              </a:ext>
+            </a:extLst>
+          </p:cNvPr>
+          <p:cNvCxnSpPr>
+            <a:cxnSpLocks/>
+            <a:stCxn id="8" idx="3"/>
+            <a:endCxn id="41" idx="2"/>
+          </p:cNvCxnSpPr>
+          <p:nvPr/>
+        </p:nvCxnSpPr>
+        <p:spPr>
+          <a:xfrm flipV="1">
+            <a:off x="8508710" y="2898292"/>
+            <a:ext cx="1696708" cy="266"/>
+          </a:xfrm>
+          <a:prstGeom prst="straightConnector1">
+            <a:avLst/>
+          </a:prstGeom>
+          <a:ln w="19050">
+            <a:solidFill>
+              <a:schemeClr val="tx2"/>
+            </a:solidFill>
+            <a:tailEnd type="triangle"/>
+          </a:ln>
+        </p:spPr>
+        <p:style>
+          <a:lnRef idx="1">
+            <a:schemeClr val="accent1"/>
+          </a:lnRef>
+          <a:fillRef idx="0">
+            <a:schemeClr val="accent1"/>
+          </a:fillRef>
+          <a:effectRef idx="0">
+            <a:schemeClr val="accent1"/>
+          </a:effectRef>
+          <a:fontRef idx="minor">
+            <a:schemeClr val="tx1"/>
+          </a:fontRef>
+        </p:style>
+      </p:cxnSp>
+      <p:sp>
+        <p:nvSpPr>
+          <p:cNvPr id="49" name="TextBox 48">
+            <a:extLst>
+              <a:ext uri="{FF2B5EF4-FFF2-40B4-BE49-F238E27FC236}">
+                <a16:creationId xmlns:a16="http://schemas.microsoft.com/office/drawing/2014/main" id="{FB1FDAFA-1315-4BEE-B6DE-86222917A8C1}"/>
+              </a:ext>
+            </a:extLst>
+          </p:cNvPr>
+          <p:cNvSpPr txBox="1"/>
+          <p:nvPr/>
+        </p:nvSpPr>
+        <p:spPr>
+          <a:xfrm>
+            <a:off x="8836297" y="2929225"/>
+            <a:ext cx="976549" cy="461665"/>
+          </a:xfrm>
+          <a:prstGeom prst="rect">
+            <a:avLst/>
+          </a:prstGeom>
+          <a:noFill/>
+        </p:spPr>
+        <p:txBody>
+          <a:bodyPr wrap="none" rtlCol="0">
+            <a:spAutoFit/>
+          </a:bodyPr>
+          <a:lstStyle/>
+          <a:p>
+            <a:r>
+              <a:rPr lang="en-US" sz="2400" dirty="0">
+                <a:solidFill>
+                  <a:schemeClr val="accent3"/>
+                </a:solidFill>
+                <a:latin typeface="Yanone Kaffeesatz Regular" panose="02000000000000000000" pitchFamily="2" charset="0"/>
+              </a:rPr>
+              <a:t>ADO.NET</a:t>
+            </a:r>
+            <a:endParaRPr lang="de-CH" sz="2400" dirty="0">
+              <a:solidFill>
+                <a:schemeClr val="accent3"/>
+              </a:solidFill>
+              <a:latin typeface="Yanone Kaffeesatz Regular" panose="02000000000000000000" pitchFamily="2" charset="0"/>
+            </a:endParaRPr>
+          </a:p>
+        </p:txBody>
+      </p:sp>
+      <p:sp>
+        <p:nvSpPr>
+          <p:cNvPr id="55" name="TextBox 54">
+            <a:extLst>
+              <a:ext uri="{FF2B5EF4-FFF2-40B4-BE49-F238E27FC236}">
+                <a16:creationId xmlns:a16="http://schemas.microsoft.com/office/drawing/2014/main" id="{9C2242C7-8023-4D55-8D52-864E8E5DE368}"/>
+              </a:ext>
+            </a:extLst>
+          </p:cNvPr>
+          <p:cNvSpPr txBox="1"/>
+          <p:nvPr/>
+        </p:nvSpPr>
+        <p:spPr>
+          <a:xfrm>
+            <a:off x="8670017" y="2389177"/>
+            <a:ext cx="1374094" cy="461665"/>
+          </a:xfrm>
+          <a:prstGeom prst="rect">
+            <a:avLst/>
+          </a:prstGeom>
+          <a:noFill/>
+        </p:spPr>
+        <p:txBody>
+          <a:bodyPr wrap="none" rtlCol="0">
+            <a:spAutoFit/>
+          </a:bodyPr>
+          <a:lstStyle/>
+          <a:p>
+            <a:r>
+              <a:rPr lang="en-US" sz="2400" dirty="0">
+                <a:solidFill>
+                  <a:schemeClr val="accent3"/>
+                </a:solidFill>
+                <a:latin typeface="Yanone Kaffeesatz Regular" panose="02000000000000000000" pitchFamily="2" charset="0"/>
+              </a:rPr>
+              <a:t>Read / Write</a:t>
+            </a:r>
+            <a:endParaRPr lang="de-CH" sz="2400" dirty="0">
+              <a:solidFill>
+                <a:schemeClr val="accent3"/>
+              </a:solidFill>
+              <a:latin typeface="Yanone Kaffeesatz Regular" panose="02000000000000000000" pitchFamily="2" charset="0"/>
+            </a:endParaRPr>
+          </a:p>
+        </p:txBody>
+      </p:sp>
+      <p:sp>
+        <p:nvSpPr>
+          <p:cNvPr id="21" name="Rectangle 20">
+            <a:extLst>
+              <a:ext uri="{FF2B5EF4-FFF2-40B4-BE49-F238E27FC236}">
+                <a16:creationId xmlns:a16="http://schemas.microsoft.com/office/drawing/2014/main" id="{BB82319F-D61B-4334-BEE8-3BF8562C996A}"/>
+              </a:ext>
+            </a:extLst>
+          </p:cNvPr>
+          <p:cNvSpPr/>
+          <p:nvPr/>
+        </p:nvSpPr>
+        <p:spPr>
+          <a:xfrm>
+            <a:off x="313392" y="5099583"/>
+            <a:ext cx="9104928" cy="1621703"/>
+          </a:xfrm>
+          <a:prstGeom prst="rect">
+            <a:avLst/>
+          </a:prstGeom>
+          <a:noFill/>
+          <a:ln w="19050">
+            <a:solidFill>
+              <a:schemeClr val="bg2">
+                <a:lumMod val="90000"/>
+              </a:schemeClr>
+            </a:solidFill>
+            <a:prstDash val="solid"/>
+          </a:ln>
+        </p:spPr>
+        <p:style>
+          <a:lnRef idx="2">
+            <a:schemeClr val="accent1">
+              <a:shade val="50000"/>
+            </a:schemeClr>
+          </a:lnRef>
+          <a:fillRef idx="1">
+            <a:schemeClr val="accent1"/>
+          </a:fillRef>
+          <a:effectRef idx="0">
+            <a:schemeClr val="accent1"/>
+          </a:effectRef>
+          <a:fontRef idx="minor">
+            <a:schemeClr val="lt1"/>
+          </a:fontRef>
+        </p:style>
+        <p:txBody>
+          <a:bodyPr rtlCol="0" anchor="ctr"/>
+          <a:lstStyle/>
+          <a:p>
+            <a:pPr algn="ctr"/>
+            <a:endParaRPr lang="de-CH"/>
+          </a:p>
+        </p:txBody>
+      </p:sp>
+      <p:sp>
+        <p:nvSpPr>
+          <p:cNvPr id="22" name="Cylinder 21">
+            <a:extLst>
+              <a:ext uri="{FF2B5EF4-FFF2-40B4-BE49-F238E27FC236}">
+                <a16:creationId xmlns:a16="http://schemas.microsoft.com/office/drawing/2014/main" id="{F856A43A-B9C2-45D0-915A-81894BA9A7D9}"/>
+              </a:ext>
+            </a:extLst>
+          </p:cNvPr>
+          <p:cNvSpPr/>
+          <p:nvPr/>
+        </p:nvSpPr>
+        <p:spPr>
+          <a:xfrm rot="16200000">
+            <a:off x="4197946" y="5071104"/>
+            <a:ext cx="1273275" cy="1705278"/>
+          </a:xfrm>
+          <a:prstGeom prst="can">
+            <a:avLst/>
+          </a:prstGeom>
+          <a:solidFill>
+            <a:schemeClr val="accent4"/>
+          </a:solidFill>
+          <a:ln>
+            <a:solidFill>
+              <a:schemeClr val="bg1"/>
+            </a:solidFill>
+          </a:ln>
+        </p:spPr>
+        <p:style>
+          <a:lnRef idx="2">
+            <a:schemeClr val="accent1">
+              <a:shade val="50000"/>
+            </a:schemeClr>
+          </a:lnRef>
+          <a:fillRef idx="1">
+            <a:schemeClr val="accent1"/>
+          </a:fillRef>
+          <a:effectRef idx="0">
+            <a:schemeClr val="accent1"/>
+          </a:effectRef>
+          <a:fontRef idx="minor">
+            <a:schemeClr val="lt1"/>
+          </a:fontRef>
+        </p:style>
+        <p:txBody>
+          <a:bodyPr vert="vert" rtlCol="0" anchor="ctr"/>
+          <a:lstStyle/>
+          <a:p>
+            <a:pPr algn="ctr"/>
+            <a:r>
+              <a:rPr lang="en-US" sz="2000" dirty="0">
+                <a:latin typeface="Yanone Kaffeesatz Light" panose="02000000000000000000" pitchFamily="2" charset="0"/>
+              </a:rPr>
+              <a:t>Queues</a:t>
+            </a:r>
+            <a:endParaRPr lang="de-CH" sz="2000" dirty="0">
+              <a:latin typeface="Yanone Kaffeesatz Light" panose="02000000000000000000" pitchFamily="2" charset="0"/>
+            </a:endParaRPr>
+          </a:p>
+        </p:txBody>
+      </p:sp>
+      <p:cxnSp>
+        <p:nvCxnSpPr>
+          <p:cNvPr id="23" name="Straight Arrow Connector 22">
+            <a:extLst>
+              <a:ext uri="{FF2B5EF4-FFF2-40B4-BE49-F238E27FC236}">
+                <a16:creationId xmlns:a16="http://schemas.microsoft.com/office/drawing/2014/main" id="{33276D8C-46CC-4A19-B19A-F174FC4A21D2}"/>
+              </a:ext>
+            </a:extLst>
+          </p:cNvPr>
+          <p:cNvCxnSpPr>
+            <a:cxnSpLocks/>
+            <a:stCxn id="10" idx="3"/>
+            <a:endCxn id="22" idx="4"/>
+          </p:cNvCxnSpPr>
+          <p:nvPr/>
+        </p:nvCxnSpPr>
+        <p:spPr>
+          <a:xfrm>
+            <a:off x="3769088" y="2332739"/>
+            <a:ext cx="1065496" cy="2954367"/>
+          </a:xfrm>
+          <a:prstGeom prst="straightConnector1">
+            <a:avLst/>
+          </a:prstGeom>
+          <a:ln w="19050">
+            <a:solidFill>
+              <a:schemeClr val="accent4"/>
+            </a:solidFill>
+            <a:tailEnd type="triangle"/>
+          </a:ln>
+        </p:spPr>
+        <p:style>
+          <a:lnRef idx="1">
+            <a:schemeClr val="accent1"/>
+          </a:lnRef>
+          <a:fillRef idx="0">
+            <a:schemeClr val="accent1"/>
+          </a:fillRef>
+          <a:effectRef idx="0">
+            <a:schemeClr val="accent1"/>
+          </a:effectRef>
+          <a:fontRef idx="minor">
+            <a:schemeClr val="tx1"/>
+          </a:fontRef>
+        </p:style>
+      </p:cxnSp>
+      <p:sp>
+        <p:nvSpPr>
+          <p:cNvPr id="28" name="TextBox 27">
+            <a:extLst>
+              <a:ext uri="{FF2B5EF4-FFF2-40B4-BE49-F238E27FC236}">
+                <a16:creationId xmlns:a16="http://schemas.microsoft.com/office/drawing/2014/main" id="{164DF8C6-F76A-485C-A619-5B68EEA17A7E}"/>
+              </a:ext>
+            </a:extLst>
+          </p:cNvPr>
+          <p:cNvSpPr txBox="1"/>
+          <p:nvPr/>
+        </p:nvSpPr>
+        <p:spPr>
+          <a:xfrm rot="3983324">
+            <a:off x="4271696" y="3750538"/>
+            <a:ext cx="845103" cy="461665"/>
+          </a:xfrm>
+          <a:prstGeom prst="rect">
+            <a:avLst/>
+          </a:prstGeom>
+          <a:noFill/>
+        </p:spPr>
+        <p:txBody>
+          <a:bodyPr wrap="none" rtlCol="0">
+            <a:spAutoFit/>
+          </a:bodyPr>
+          <a:lstStyle/>
+          <a:p>
+            <a:r>
+              <a:rPr lang="en-US" sz="2400" dirty="0">
+                <a:solidFill>
+                  <a:schemeClr val="accent4"/>
+                </a:solidFill>
+                <a:latin typeface="Yanone Kaffeesatz Regular" panose="02000000000000000000" pitchFamily="2" charset="0"/>
+              </a:rPr>
+              <a:t>Refund</a:t>
+            </a:r>
+            <a:endParaRPr lang="de-CH" sz="2400" dirty="0">
+              <a:solidFill>
+                <a:schemeClr val="accent4"/>
+              </a:solidFill>
+              <a:latin typeface="Yanone Kaffeesatz Regular" panose="02000000000000000000" pitchFamily="2" charset="0"/>
+            </a:endParaRPr>
+          </a:p>
+        </p:txBody>
+      </p:sp>
+      <p:sp>
+        <p:nvSpPr>
+          <p:cNvPr id="29" name="Flowchart: Card 28">
+            <a:extLst>
+              <a:ext uri="{FF2B5EF4-FFF2-40B4-BE49-F238E27FC236}">
+                <a16:creationId xmlns:a16="http://schemas.microsoft.com/office/drawing/2014/main" id="{5F6EFA07-C917-4ABF-9410-9DF0B4B6986D}"/>
+              </a:ext>
+            </a:extLst>
+          </p:cNvPr>
+          <p:cNvSpPr/>
+          <p:nvPr/>
+        </p:nvSpPr>
+        <p:spPr>
+          <a:xfrm rot="3941355">
+            <a:off x="4242126" y="3273915"/>
+            <a:ext cx="378161" cy="349459"/>
+          </a:xfrm>
+          <a:prstGeom prst="flowChartPunchedCard">
+            <a:avLst/>
+          </a:prstGeom>
+          <a:solidFill>
+            <a:schemeClr val="accent4"/>
+          </a:solidFill>
+          <a:ln>
+            <a:noFill/>
+          </a:ln>
+        </p:spPr>
+        <p:style>
+          <a:lnRef idx="2">
+            <a:schemeClr val="accent1">
+              <a:shade val="50000"/>
+            </a:schemeClr>
+          </a:lnRef>
+          <a:fillRef idx="1">
+            <a:schemeClr val="accent1"/>
+          </a:fillRef>
+          <a:effectRef idx="0">
+            <a:schemeClr val="accent1"/>
+          </a:effectRef>
+          <a:fontRef idx="minor">
+            <a:schemeClr val="lt1"/>
+          </a:fontRef>
+        </p:style>
+        <p:txBody>
+          <a:bodyPr rtlCol="0" anchor="ctr"/>
+          <a:lstStyle/>
+          <a:p>
+            <a:pPr algn="ctr"/>
+            <a:endParaRPr lang="de-CH" sz="2400" dirty="0">
+              <a:latin typeface="Yanone Kaffeesatz Light" panose="02000000000000000000" pitchFamily="2" charset="0"/>
+            </a:endParaRPr>
+          </a:p>
+        </p:txBody>
+      </p:sp>
+      <p:cxnSp>
+        <p:nvCxnSpPr>
+          <p:cNvPr id="30" name="Straight Arrow Connector 29">
+            <a:extLst>
+              <a:ext uri="{FF2B5EF4-FFF2-40B4-BE49-F238E27FC236}">
+                <a16:creationId xmlns:a16="http://schemas.microsoft.com/office/drawing/2014/main" id="{D7D51385-7276-4ACE-AA8D-C42D3DE4646F}"/>
+              </a:ext>
+            </a:extLst>
+          </p:cNvPr>
+          <p:cNvCxnSpPr>
+            <a:cxnSpLocks/>
+            <a:stCxn id="8" idx="2"/>
+            <a:endCxn id="22" idx="4"/>
+          </p:cNvCxnSpPr>
+          <p:nvPr/>
+        </p:nvCxnSpPr>
+        <p:spPr>
+          <a:xfrm flipH="1">
+            <a:off x="4834584" y="3728358"/>
+            <a:ext cx="2451926" cy="1558748"/>
+          </a:xfrm>
+          <a:prstGeom prst="straightConnector1">
+            <a:avLst/>
+          </a:prstGeom>
+          <a:ln w="19050">
+            <a:solidFill>
+              <a:schemeClr val="accent4"/>
+            </a:solidFill>
+            <a:tailEnd type="triangle"/>
+          </a:ln>
+        </p:spPr>
+        <p:style>
+          <a:lnRef idx="1">
+            <a:schemeClr val="accent1"/>
+          </a:lnRef>
+          <a:fillRef idx="0">
+            <a:schemeClr val="accent1"/>
+          </a:fillRef>
+          <a:effectRef idx="0">
+            <a:schemeClr val="accent1"/>
+          </a:effectRef>
+          <a:fontRef idx="minor">
+            <a:schemeClr val="tx1"/>
+          </a:fontRef>
+        </p:style>
+      </p:cxnSp>
+      <p:sp>
+        <p:nvSpPr>
+          <p:cNvPr id="33" name="TextBox 32">
+            <a:extLst>
+              <a:ext uri="{FF2B5EF4-FFF2-40B4-BE49-F238E27FC236}">
+                <a16:creationId xmlns:a16="http://schemas.microsoft.com/office/drawing/2014/main" id="{9A6F70F2-D11F-419F-BAB8-450023681DD7}"/>
+              </a:ext>
+            </a:extLst>
+          </p:cNvPr>
+          <p:cNvSpPr txBox="1"/>
+          <p:nvPr/>
+        </p:nvSpPr>
+        <p:spPr>
+          <a:xfrm>
+            <a:off x="10066030" y="347668"/>
+            <a:ext cx="816249" cy="338554"/>
+          </a:xfrm>
+          <a:prstGeom prst="rect">
+            <a:avLst/>
+          </a:prstGeom>
+          <a:noFill/>
+        </p:spPr>
+        <p:txBody>
+          <a:bodyPr wrap="none" rtlCol="0">
+            <a:spAutoFit/>
+          </a:bodyPr>
+          <a:lstStyle/>
+          <a:p>
+            <a:r>
+              <a:rPr lang="en-US" sz="1600" dirty="0">
+                <a:solidFill>
+                  <a:schemeClr val="accent3"/>
+                </a:solidFill>
+                <a:latin typeface="Yanone Kaffeesatz Regular" panose="02000000000000000000" pitchFamily="2" charset="0"/>
+              </a:rPr>
+              <a:t>DB Cluster</a:t>
+            </a:r>
+            <a:endParaRPr lang="de-CH" sz="1600" dirty="0">
+              <a:solidFill>
+                <a:schemeClr val="accent3"/>
+              </a:solidFill>
+              <a:latin typeface="Yanone Kaffeesatz Regular" panose="02000000000000000000" pitchFamily="2" charset="0"/>
+            </a:endParaRPr>
+          </a:p>
+        </p:txBody>
+      </p:sp>
+      <p:sp>
+        <p:nvSpPr>
+          <p:cNvPr id="35" name="TextBox 34">
+            <a:extLst>
+              <a:ext uri="{FF2B5EF4-FFF2-40B4-BE49-F238E27FC236}">
+                <a16:creationId xmlns:a16="http://schemas.microsoft.com/office/drawing/2014/main" id="{C0F09BA4-28F2-4A9D-B9FD-F57AE6801503}"/>
+              </a:ext>
+            </a:extLst>
+          </p:cNvPr>
+          <p:cNvSpPr txBox="1"/>
+          <p:nvPr/>
+        </p:nvSpPr>
+        <p:spPr>
+          <a:xfrm>
+            <a:off x="454350" y="5153348"/>
+            <a:ext cx="1321196" cy="338554"/>
+          </a:xfrm>
+          <a:prstGeom prst="rect">
+            <a:avLst/>
+          </a:prstGeom>
+          <a:noFill/>
+        </p:spPr>
+        <p:txBody>
+          <a:bodyPr wrap="none" rtlCol="0">
+            <a:spAutoFit/>
+          </a:bodyPr>
+          <a:lstStyle/>
+          <a:p>
+            <a:r>
+              <a:rPr lang="en-US" sz="1600" dirty="0">
+                <a:solidFill>
+                  <a:schemeClr val="accent3"/>
+                </a:solidFill>
+                <a:latin typeface="Yanone Kaffeesatz Regular" panose="02000000000000000000" pitchFamily="2" charset="0"/>
+              </a:rPr>
+              <a:t>Messaging Cluster</a:t>
+            </a:r>
+            <a:endParaRPr lang="de-CH" sz="1600" dirty="0">
+              <a:solidFill>
+                <a:schemeClr val="accent3"/>
+              </a:solidFill>
+              <a:latin typeface="Yanone Kaffeesatz Regular" panose="02000000000000000000" pitchFamily="2" charset="0"/>
+            </a:endParaRPr>
+          </a:p>
+        </p:txBody>
+      </p:sp>
+      <p:sp>
+        <p:nvSpPr>
+          <p:cNvPr id="32" name="Cylinder 31">
+            <a:extLst>
+              <a:ext uri="{FF2B5EF4-FFF2-40B4-BE49-F238E27FC236}">
+                <a16:creationId xmlns:a16="http://schemas.microsoft.com/office/drawing/2014/main" id="{C3B763A1-7C59-48CA-BD11-9725D4873405}"/>
+              </a:ext>
+            </a:extLst>
+          </p:cNvPr>
+          <p:cNvSpPr/>
+          <p:nvPr/>
+        </p:nvSpPr>
+        <p:spPr>
+          <a:xfrm>
+            <a:off x="1316640" y="3552399"/>
+            <a:ext cx="917811" cy="900965"/>
+          </a:xfrm>
+          <a:prstGeom prst="can">
+            <a:avLst/>
+          </a:prstGeom>
+          <a:solidFill>
+            <a:schemeClr val="tx2"/>
+          </a:solidFill>
+          <a:ln>
+            <a:noFill/>
+          </a:ln>
+        </p:spPr>
+        <p:style>
+          <a:lnRef idx="2">
+            <a:schemeClr val="accent1">
+              <a:shade val="50000"/>
+            </a:schemeClr>
+          </a:lnRef>
+          <a:fillRef idx="1">
+            <a:schemeClr val="accent1"/>
+          </a:fillRef>
+          <a:effectRef idx="0">
+            <a:schemeClr val="accent1"/>
+          </a:effectRef>
+          <a:fontRef idx="minor">
+            <a:schemeClr val="lt1"/>
+          </a:fontRef>
+        </p:style>
+        <p:txBody>
+          <a:bodyPr rtlCol="0" anchor="ctr"/>
+          <a:lstStyle/>
+          <a:p>
+            <a:pPr algn="ctr"/>
+            <a:r>
+              <a:rPr lang="de-CH" sz="2400" dirty="0">
+                <a:latin typeface="Yanone Kaffeesatz Light" panose="02000000000000000000" pitchFamily="2" charset="0"/>
+              </a:rPr>
+              <a:t>Cache</a:t>
+            </a:r>
+          </a:p>
+        </p:txBody>
+      </p:sp>
+      <p:sp>
+        <p:nvSpPr>
+          <p:cNvPr id="40" name="Rectangle 39">
+            <a:extLst>
+              <a:ext uri="{FF2B5EF4-FFF2-40B4-BE49-F238E27FC236}">
+                <a16:creationId xmlns:a16="http://schemas.microsoft.com/office/drawing/2014/main" id="{7A741BA5-FD10-4573-8B0A-70E131DACD54}"/>
+              </a:ext>
+            </a:extLst>
+          </p:cNvPr>
+          <p:cNvSpPr/>
+          <p:nvPr/>
+        </p:nvSpPr>
+        <p:spPr>
+          <a:xfrm>
+            <a:off x="2554227" y="3610538"/>
+            <a:ext cx="1196217" cy="777868"/>
+          </a:xfrm>
+          <a:prstGeom prst="rect">
+            <a:avLst/>
+          </a:prstGeom>
+          <a:solidFill>
+            <a:schemeClr val="tx2"/>
+          </a:solidFill>
+          <a:ln>
+            <a:solidFill>
+              <a:schemeClr val="bg1"/>
+            </a:solidFill>
+          </a:ln>
+        </p:spPr>
+        <p:style>
+          <a:lnRef idx="2">
+            <a:schemeClr val="accent1">
+              <a:shade val="50000"/>
+            </a:schemeClr>
+          </a:lnRef>
+          <a:fillRef idx="1">
+            <a:schemeClr val="accent1"/>
+          </a:fillRef>
+          <a:effectRef idx="0">
+            <a:schemeClr val="accent1"/>
+          </a:effectRef>
+          <a:fontRef idx="minor">
+            <a:schemeClr val="lt1"/>
+          </a:fontRef>
+        </p:style>
+        <p:txBody>
+          <a:bodyPr rtlCol="0" anchor="ctr"/>
+          <a:lstStyle/>
+          <a:p>
+            <a:pPr algn="ctr"/>
+            <a:r>
+              <a:rPr lang="en-US" sz="2000" dirty="0">
+                <a:latin typeface="Yanone Kaffeesatz Light" panose="02000000000000000000" pitchFamily="2" charset="0"/>
+              </a:rPr>
+              <a:t>Subscriber</a:t>
+            </a:r>
+            <a:endParaRPr lang="de-CH" sz="1100" dirty="0">
+              <a:latin typeface="Yanone Kaffeesatz Light" panose="02000000000000000000" pitchFamily="2" charset="0"/>
+            </a:endParaRPr>
+          </a:p>
+        </p:txBody>
+      </p:sp>
+      <p:sp>
+        <p:nvSpPr>
+          <p:cNvPr id="43" name="TextBox 42">
+            <a:extLst>
+              <a:ext uri="{FF2B5EF4-FFF2-40B4-BE49-F238E27FC236}">
+                <a16:creationId xmlns:a16="http://schemas.microsoft.com/office/drawing/2014/main" id="{43225A5B-FC04-46DB-A54A-102B2E56013C}"/>
+              </a:ext>
+            </a:extLst>
+          </p:cNvPr>
+          <p:cNvSpPr txBox="1"/>
+          <p:nvPr/>
+        </p:nvSpPr>
+        <p:spPr>
+          <a:xfrm rot="19652569">
+            <a:off x="5139206" y="4215346"/>
+            <a:ext cx="1074333" cy="461665"/>
+          </a:xfrm>
+          <a:prstGeom prst="rect">
+            <a:avLst/>
+          </a:prstGeom>
+          <a:noFill/>
+        </p:spPr>
+        <p:txBody>
+          <a:bodyPr wrap="none" rtlCol="0">
+            <a:spAutoFit/>
+          </a:bodyPr>
+          <a:lstStyle/>
+          <a:p>
+            <a:r>
+              <a:rPr lang="en-US" sz="2400" dirty="0">
+                <a:solidFill>
+                  <a:schemeClr val="accent4"/>
+                </a:solidFill>
+                <a:latin typeface="Yanone Kaffeesatz Regular" panose="02000000000000000000" pitchFamily="2" charset="0"/>
+              </a:rPr>
+              <a:t>Refunded</a:t>
+            </a:r>
+            <a:endParaRPr lang="de-CH" sz="2400" dirty="0">
+              <a:solidFill>
+                <a:schemeClr val="accent4"/>
+              </a:solidFill>
+              <a:latin typeface="Yanone Kaffeesatz Regular" panose="02000000000000000000" pitchFamily="2" charset="0"/>
+            </a:endParaRPr>
+          </a:p>
+        </p:txBody>
+      </p:sp>
+      <p:sp>
+        <p:nvSpPr>
+          <p:cNvPr id="44" name="Flowchart: Card 43">
+            <a:extLst>
+              <a:ext uri="{FF2B5EF4-FFF2-40B4-BE49-F238E27FC236}">
+                <a16:creationId xmlns:a16="http://schemas.microsoft.com/office/drawing/2014/main" id="{31D89A2C-1314-453D-A940-B3727F582400}"/>
+              </a:ext>
+            </a:extLst>
+          </p:cNvPr>
+          <p:cNvSpPr/>
+          <p:nvPr/>
+        </p:nvSpPr>
+        <p:spPr>
+          <a:xfrm rot="19550546">
+            <a:off x="6126871" y="3876653"/>
+            <a:ext cx="378161" cy="349459"/>
+          </a:xfrm>
+          <a:prstGeom prst="flowChartPunchedCard">
+            <a:avLst/>
+          </a:prstGeom>
+          <a:solidFill>
+            <a:schemeClr val="accent4"/>
+          </a:solidFill>
+          <a:ln>
+            <a:noFill/>
+          </a:ln>
+        </p:spPr>
+        <p:style>
+          <a:lnRef idx="2">
+            <a:schemeClr val="accent1">
+              <a:shade val="50000"/>
+            </a:schemeClr>
+          </a:lnRef>
+          <a:fillRef idx="1">
+            <a:schemeClr val="accent1"/>
+          </a:fillRef>
+          <a:effectRef idx="0">
+            <a:schemeClr val="accent1"/>
+          </a:effectRef>
+          <a:fontRef idx="minor">
+            <a:schemeClr val="lt1"/>
+          </a:fontRef>
+        </p:style>
+        <p:txBody>
+          <a:bodyPr rtlCol="0" anchor="ctr"/>
+          <a:lstStyle/>
+          <a:p>
+            <a:pPr algn="ctr"/>
+            <a:endParaRPr lang="de-CH" sz="2400" dirty="0">
+              <a:latin typeface="Yanone Kaffeesatz Light" panose="02000000000000000000" pitchFamily="2" charset="0"/>
+            </a:endParaRPr>
+          </a:p>
+        </p:txBody>
+      </p:sp>
+      <p:cxnSp>
+        <p:nvCxnSpPr>
+          <p:cNvPr id="45" name="Straight Arrow Connector 44">
+            <a:extLst>
+              <a:ext uri="{FF2B5EF4-FFF2-40B4-BE49-F238E27FC236}">
+                <a16:creationId xmlns:a16="http://schemas.microsoft.com/office/drawing/2014/main" id="{0C379B43-A2BB-4D11-B452-C876E3F2F0F4}"/>
+              </a:ext>
+            </a:extLst>
+          </p:cNvPr>
+          <p:cNvCxnSpPr>
+            <a:cxnSpLocks/>
+            <a:stCxn id="40" idx="2"/>
+            <a:endCxn id="22" idx="4"/>
+          </p:cNvCxnSpPr>
+          <p:nvPr/>
+        </p:nvCxnSpPr>
+        <p:spPr>
+          <a:xfrm>
+            <a:off x="3152336" y="4388406"/>
+            <a:ext cx="1682248" cy="898700"/>
+          </a:xfrm>
+          <a:prstGeom prst="straightConnector1">
+            <a:avLst/>
+          </a:prstGeom>
+          <a:ln w="19050">
+            <a:solidFill>
+              <a:schemeClr val="accent4"/>
+            </a:solidFill>
+            <a:tailEnd type="triangle"/>
+          </a:ln>
+        </p:spPr>
+        <p:style>
+          <a:lnRef idx="1">
+            <a:schemeClr val="accent1"/>
+          </a:lnRef>
+          <a:fillRef idx="0">
+            <a:schemeClr val="accent1"/>
+          </a:fillRef>
+          <a:effectRef idx="0">
+            <a:schemeClr val="accent1"/>
+          </a:effectRef>
+          <a:fontRef idx="minor">
+            <a:schemeClr val="tx1"/>
+          </a:fontRef>
+        </p:style>
+      </p:cxnSp>
+      <p:cxnSp>
+        <p:nvCxnSpPr>
+          <p:cNvPr id="46" name="Straight Arrow Connector 45">
+            <a:extLst>
+              <a:ext uri="{FF2B5EF4-FFF2-40B4-BE49-F238E27FC236}">
+                <a16:creationId xmlns:a16="http://schemas.microsoft.com/office/drawing/2014/main" id="{BF090E31-F59E-4677-94B9-A3F574EA5F90}"/>
+              </a:ext>
+            </a:extLst>
+          </p:cNvPr>
+          <p:cNvCxnSpPr>
+            <a:cxnSpLocks/>
+            <a:endCxn id="32" idx="1"/>
+          </p:cNvCxnSpPr>
+          <p:nvPr/>
+        </p:nvCxnSpPr>
+        <p:spPr>
+          <a:xfrm>
+            <a:off x="1775545" y="3160057"/>
+            <a:ext cx="1" cy="392342"/>
+          </a:xfrm>
+          <a:prstGeom prst="straightConnector1">
+            <a:avLst/>
+          </a:prstGeom>
+          <a:ln w="19050">
+            <a:solidFill>
+              <a:schemeClr val="accent4"/>
+            </a:solidFill>
+            <a:tailEnd type="triangle"/>
+          </a:ln>
+        </p:spPr>
+        <p:style>
+          <a:lnRef idx="1">
+            <a:schemeClr val="accent1"/>
+          </a:lnRef>
+          <a:fillRef idx="0">
+            <a:schemeClr val="accent1"/>
+          </a:fillRef>
+          <a:effectRef idx="0">
+            <a:schemeClr val="accent1"/>
+          </a:effectRef>
+          <a:fontRef idx="minor">
+            <a:schemeClr val="tx1"/>
+          </a:fontRef>
+        </p:style>
+      </p:cxnSp>
+      <p:sp>
+        <p:nvSpPr>
+          <p:cNvPr id="47" name="TextBox 46">
+            <a:extLst>
+              <a:ext uri="{FF2B5EF4-FFF2-40B4-BE49-F238E27FC236}">
+                <a16:creationId xmlns:a16="http://schemas.microsoft.com/office/drawing/2014/main" id="{B9B731B2-3EB6-4F0A-A0C4-2EEE32D7AB12}"/>
+              </a:ext>
+            </a:extLst>
+          </p:cNvPr>
+          <p:cNvSpPr txBox="1"/>
+          <p:nvPr/>
+        </p:nvSpPr>
+        <p:spPr>
+          <a:xfrm>
+            <a:off x="1783467" y="3104494"/>
+            <a:ext cx="736099" cy="461665"/>
+          </a:xfrm>
+          <a:prstGeom prst="rect">
+            <a:avLst/>
+          </a:prstGeom>
+          <a:noFill/>
+        </p:spPr>
+        <p:txBody>
+          <a:bodyPr wrap="none" rtlCol="0">
+            <a:spAutoFit/>
+          </a:bodyPr>
+          <a:lstStyle/>
+          <a:p>
+            <a:r>
+              <a:rPr lang="en-US" sz="2400" dirty="0">
+                <a:solidFill>
+                  <a:schemeClr val="accent4"/>
+                </a:solidFill>
+                <a:latin typeface="Yanone Kaffeesatz Regular" panose="02000000000000000000" pitchFamily="2" charset="0"/>
+              </a:rPr>
+              <a:t>Query</a:t>
+            </a:r>
+            <a:endParaRPr lang="de-CH" sz="2400" dirty="0">
+              <a:solidFill>
+                <a:schemeClr val="accent4"/>
+              </a:solidFill>
+              <a:latin typeface="Yanone Kaffeesatz Regular" panose="02000000000000000000" pitchFamily="2" charset="0"/>
+            </a:endParaRPr>
+          </a:p>
+        </p:txBody>
+      </p:sp>
+      <p:cxnSp>
+        <p:nvCxnSpPr>
+          <p:cNvPr id="53" name="Straight Arrow Connector 52">
+            <a:extLst>
+              <a:ext uri="{FF2B5EF4-FFF2-40B4-BE49-F238E27FC236}">
+                <a16:creationId xmlns:a16="http://schemas.microsoft.com/office/drawing/2014/main" id="{1BA8847E-BC1F-4ED9-85C7-B2118B04FAB5}"/>
+              </a:ext>
+            </a:extLst>
+          </p:cNvPr>
+          <p:cNvCxnSpPr>
+            <a:cxnSpLocks/>
+            <a:stCxn id="40" idx="1"/>
+            <a:endCxn id="32" idx="4"/>
+          </p:cNvCxnSpPr>
+          <p:nvPr/>
+        </p:nvCxnSpPr>
+        <p:spPr>
+          <a:xfrm flipH="1">
+            <a:off x="2234451" y="3999472"/>
+            <a:ext cx="319776" cy="3410"/>
+          </a:xfrm>
+          <a:prstGeom prst="straightConnector1">
+            <a:avLst/>
+          </a:prstGeom>
+          <a:ln w="19050">
+            <a:solidFill>
+              <a:schemeClr val="accent4"/>
+            </a:solidFill>
+            <a:tailEnd type="triangle"/>
+          </a:ln>
+        </p:spPr>
+        <p:style>
+          <a:lnRef idx="1">
+            <a:schemeClr val="accent1"/>
+          </a:lnRef>
+          <a:fillRef idx="0">
+            <a:schemeClr val="accent1"/>
+          </a:fillRef>
+          <a:effectRef idx="0">
+            <a:schemeClr val="accent1"/>
+          </a:effectRef>
+          <a:fontRef idx="minor">
+            <a:schemeClr val="tx1"/>
+          </a:fontRef>
+        </p:style>
+      </p:cxnSp>
     </p:spTree>
     <p:extLst>
       <p:ext uri="{BB962C8B-B14F-4D97-AF65-F5344CB8AC3E}">
-        <p14:creationId xmlns:p14="http://schemas.microsoft.com/office/powerpoint/2010/main" val="2864408021"/>
+        <p14:creationId xmlns:p14="http://schemas.microsoft.com/office/powerpoint/2010/main" val="1301415828"/>
       </p:ext>
     </p:extLst>
   </p:cSld>
@@ -5425,43 +8715,136 @@
       </p:grpSpPr>
       <p:sp>
         <p:nvSpPr>
-          <p:cNvPr id="2" name="Rectangle 1"/>
+          <p:cNvPr id="2" name="Rectangle 1">
+            <a:extLst>
+              <a:ext uri="{FF2B5EF4-FFF2-40B4-BE49-F238E27FC236}">
+                <a16:creationId xmlns:a16="http://schemas.microsoft.com/office/drawing/2014/main" id="{42055754-4CBA-4874-A8AD-D653B92CED08}"/>
+              </a:ext>
+            </a:extLst>
+          </p:cNvPr>
           <p:cNvSpPr/>
           <p:nvPr/>
         </p:nvSpPr>
         <p:spPr>
           <a:xfrm>
-            <a:off x="0" y="1952437"/>
-            <a:ext cx="4999912" cy="2215991"/>
+            <a:off x="1249051" y="506089"/>
+            <a:ext cx="3557384" cy="2646878"/>
           </a:xfrm>
           <a:prstGeom prst="rect">
             <a:avLst/>
           </a:prstGeom>
         </p:spPr>
         <p:txBody>
-          <a:bodyPr wrap="square">
+          <a:bodyPr wrap="none">
             <a:spAutoFit/>
           </a:bodyPr>
           <a:lstStyle/>
           <a:p>
-            <a:pPr algn="ctr"/>
-            <a:r>
-              <a:rPr lang="en-US" sz="13800" dirty="0">
+            <a:r>
+              <a:rPr lang="en-US" sz="16600" dirty="0">
                 <a:solidFill>
                   <a:schemeClr val="accent2"/>
                 </a:solidFill>
                 <a:latin typeface="Yanone Kaffeesatz Regular" panose="02000000000000000000" pitchFamily="2" charset="0"/>
               </a:rPr>
-              <a:t>Premise</a:t>
-            </a:r>
-            <a:endParaRPr lang="de-CH" sz="1600" dirty="0"/>
+              <a:t>Make</a:t>
+            </a:r>
+            <a:endParaRPr lang="en-US" sz="16600" dirty="0">
+              <a:solidFill>
+                <a:schemeClr val="accent2"/>
+              </a:solidFill>
+            </a:endParaRPr>
+          </a:p>
+        </p:txBody>
+      </p:sp>
+      <p:sp>
+        <p:nvSpPr>
+          <p:cNvPr id="3" name="Rectangle 2">
+            <a:extLst>
+              <a:ext uri="{FF2B5EF4-FFF2-40B4-BE49-F238E27FC236}">
+                <a16:creationId xmlns:a16="http://schemas.microsoft.com/office/drawing/2014/main" id="{BD98B37D-7C2E-481F-B37D-FBE892E827A5}"/>
+              </a:ext>
+            </a:extLst>
+          </p:cNvPr>
+          <p:cNvSpPr/>
+          <p:nvPr/>
+        </p:nvSpPr>
+        <p:spPr>
+          <a:xfrm>
+            <a:off x="5537995" y="2497976"/>
+            <a:ext cx="1116011" cy="1862048"/>
+          </a:xfrm>
+          <a:prstGeom prst="rect">
+            <a:avLst/>
+          </a:prstGeom>
+        </p:spPr>
+        <p:txBody>
+          <a:bodyPr wrap="none">
+            <a:spAutoFit/>
+          </a:bodyPr>
+          <a:lstStyle/>
+          <a:p>
+            <a:r>
+              <a:rPr lang="en-US" sz="11500" dirty="0">
+                <a:solidFill>
+                  <a:schemeClr val="tx2"/>
+                </a:solidFill>
+                <a:latin typeface="Yanone Kaffeesatz Regular" panose="02000000000000000000" pitchFamily="2" charset="0"/>
+              </a:rPr>
+              <a:t>or</a:t>
+            </a:r>
+            <a:endParaRPr lang="en-US" dirty="0"/>
+          </a:p>
+        </p:txBody>
+      </p:sp>
+      <p:sp>
+        <p:nvSpPr>
+          <p:cNvPr id="4" name="Rectangle 3">
+            <a:extLst>
+              <a:ext uri="{FF2B5EF4-FFF2-40B4-BE49-F238E27FC236}">
+                <a16:creationId xmlns:a16="http://schemas.microsoft.com/office/drawing/2014/main" id="{56DC8BD5-7EA2-4F5A-8D10-0D830169659E}"/>
+              </a:ext>
+            </a:extLst>
+          </p:cNvPr>
+          <p:cNvSpPr/>
+          <p:nvPr/>
+        </p:nvSpPr>
+        <p:spPr>
+          <a:xfrm>
+            <a:off x="8199066" y="3628851"/>
+            <a:ext cx="2573140" cy="2646878"/>
+          </a:xfrm>
+          <a:prstGeom prst="rect">
+            <a:avLst/>
+          </a:prstGeom>
+        </p:spPr>
+        <p:txBody>
+          <a:bodyPr wrap="none">
+            <a:spAutoFit/>
+          </a:bodyPr>
+          <a:lstStyle/>
+          <a:p>
+            <a:r>
+              <a:rPr lang="en-US" sz="16600" dirty="0">
+                <a:solidFill>
+                  <a:schemeClr val="accent2"/>
+                </a:solidFill>
+                <a:latin typeface="Yanone Kaffeesatz Regular" panose="02000000000000000000" pitchFamily="2" charset="0"/>
+              </a:rPr>
+              <a:t>Buy</a:t>
+            </a:r>
+            <a:endParaRPr lang="en-US" sz="6000" dirty="0">
+              <a:solidFill>
+                <a:schemeClr val="accent2"/>
+              </a:solidFill>
+            </a:endParaRPr>
           </a:p>
         </p:txBody>
       </p:sp>
     </p:spTree>
     <p:extLst>
       <p:ext uri="{BB962C8B-B14F-4D97-AF65-F5344CB8AC3E}">
-        <p14:creationId xmlns:p14="http://schemas.microsoft.com/office/powerpoint/2010/main" val="1358001949"/>
+        <p14:creationId xmlns:p14="http://schemas.microsoft.com/office/powerpoint/2010/main" val="895354171"/>
       </p:ext>
     </p:extLst>
   </p:cSld>
@@ -5490,43 +8873,48 @@
       </p:grpSpPr>
       <p:sp>
         <p:nvSpPr>
-          <p:cNvPr id="5" name="Rectangle 4"/>
+          <p:cNvPr id="2" name="Rectangle 1">
+            <a:extLst>
+              <a:ext uri="{FF2B5EF4-FFF2-40B4-BE49-F238E27FC236}">
+                <a16:creationId xmlns:a16="http://schemas.microsoft.com/office/drawing/2014/main" id="{97DF7351-ACAE-4CE4-896D-15AB831B0D59}"/>
+              </a:ext>
+            </a:extLst>
+          </p:cNvPr>
           <p:cNvSpPr/>
           <p:nvPr/>
         </p:nvSpPr>
         <p:spPr>
           <a:xfrm>
-            <a:off x="0" y="1952437"/>
-            <a:ext cx="4999912" cy="2646878"/>
+            <a:off x="4929655" y="3013502"/>
+            <a:ext cx="2332690" cy="830997"/>
           </a:xfrm>
           <a:prstGeom prst="rect">
             <a:avLst/>
           </a:prstGeom>
         </p:spPr>
         <p:txBody>
-          <a:bodyPr wrap="square">
+          <a:bodyPr wrap="none">
             <a:spAutoFit/>
           </a:bodyPr>
           <a:lstStyle/>
           <a:p>
-            <a:pPr algn="ctr"/>
-            <a:r>
-              <a:rPr lang="en-US" sz="16600" dirty="0">
+            <a:r>
+              <a:rPr lang="en-US" sz="4800" dirty="0">
                 <a:solidFill>
-                  <a:schemeClr val="accent2"/>
+                  <a:schemeClr val="tx2"/>
                 </a:solidFill>
                 <a:latin typeface="Yanone Kaffeesatz Regular" panose="02000000000000000000" pitchFamily="2" charset="0"/>
               </a:rPr>
-              <a:t>Recap</a:t>
-            </a:r>
-            <a:endParaRPr lang="de-CH" dirty="0"/>
+              <a:t>Placeholder</a:t>
+            </a:r>
+            <a:endParaRPr lang="en-US" dirty="0"/>
           </a:p>
         </p:txBody>
       </p:sp>
     </p:spTree>
     <p:extLst>
       <p:ext uri="{BB962C8B-B14F-4D97-AF65-F5344CB8AC3E}">
-        <p14:creationId xmlns:p14="http://schemas.microsoft.com/office/powerpoint/2010/main" val="2436182924"/>
+        <p14:creationId xmlns:p14="http://schemas.microsoft.com/office/powerpoint/2010/main" val="3875863980"/>
       </p:ext>
     </p:extLst>
   </p:cSld>
@@ -5555,152 +8943,43 @@
       </p:grpSpPr>
       <p:sp>
         <p:nvSpPr>
-          <p:cNvPr id="4" name="Rectangle 3"/>
+          <p:cNvPr id="5" name="Rectangle 4"/>
           <p:cNvSpPr/>
           <p:nvPr/>
         </p:nvSpPr>
         <p:spPr>
           <a:xfrm>
-            <a:off x="206734" y="2560320"/>
-            <a:ext cx="5359179" cy="1876508"/>
+            <a:off x="0" y="1952437"/>
+            <a:ext cx="4999912" cy="2646878"/>
           </a:xfrm>
           <a:prstGeom prst="rect">
             <a:avLst/>
           </a:prstGeom>
-          <a:solidFill>
-            <a:schemeClr val="bg1">
-              <a:alpha val="78000"/>
-            </a:schemeClr>
-          </a:solidFill>
-          <a:ln>
-            <a:noFill/>
-          </a:ln>
-        </p:spPr>
-        <p:style>
-          <a:lnRef idx="2">
-            <a:schemeClr val="accent1">
-              <a:shade val="50000"/>
-            </a:schemeClr>
-          </a:lnRef>
-          <a:fillRef idx="1">
-            <a:schemeClr val="accent1"/>
-          </a:fillRef>
-          <a:effectRef idx="0">
-            <a:schemeClr val="accent1"/>
-          </a:effectRef>
-          <a:fontRef idx="minor">
-            <a:schemeClr val="lt1"/>
-          </a:fontRef>
-        </p:style>
-        <p:txBody>
-          <a:bodyPr rtlCol="0" anchor="ctr"/>
-          <a:lstStyle/>
-          <a:p>
-            <a:pPr algn="ctr"/>
-            <a:endParaRPr lang="de-CH">
-              <a:solidFill>
-                <a:schemeClr val="bg1"/>
-              </a:solidFill>
-            </a:endParaRPr>
-          </a:p>
-        </p:txBody>
-      </p:sp>
-      <p:sp>
-        <p:nvSpPr>
-          <p:cNvPr id="3" name="Rectangle 2"/>
-          <p:cNvSpPr/>
-          <p:nvPr/>
-        </p:nvSpPr>
-        <p:spPr>
-          <a:xfrm>
-            <a:off x="428224" y="2828835"/>
-            <a:ext cx="3034805" cy="1200329"/>
-          </a:xfrm>
-          <a:prstGeom prst="rect">
-            <a:avLst/>
-          </a:prstGeom>
-        </p:spPr>
-        <p:txBody>
-          <a:bodyPr wrap="none">
+        </p:spPr>
+        <p:txBody>
+          <a:bodyPr wrap="square">
             <a:spAutoFit/>
           </a:bodyPr>
           <a:lstStyle/>
           <a:p>
-            <a:r>
-              <a:rPr lang="de-CH" sz="3600" dirty="0">
+            <a:pPr algn="ctr"/>
+            <a:r>
+              <a:rPr lang="en-US" sz="16600" dirty="0">
                 <a:solidFill>
-                  <a:schemeClr val="tx2"/>
+                  <a:schemeClr val="accent2"/>
                 </a:solidFill>
                 <a:latin typeface="Yanone Kaffeesatz Regular" panose="02000000000000000000" pitchFamily="2" charset="0"/>
               </a:rPr>
-              <a:t>docs.particular.net/</a:t>
-            </a:r>
-            <a:br>
-              <a:rPr lang="de-CH" sz="3600" dirty="0">
-                <a:solidFill>
-                  <a:schemeClr val="tx2"/>
-                </a:solidFill>
-                <a:latin typeface="Yanone Kaffeesatz Regular" panose="02000000000000000000" pitchFamily="2" charset="0"/>
-              </a:rPr>
-            </a:br>
-            <a:r>
-              <a:rPr lang="de-CH" sz="3600" dirty="0">
-                <a:solidFill>
-                  <a:schemeClr val="accent4"/>
-                </a:solidFill>
-                <a:latin typeface="Yanone Kaffeesatz Regular" panose="02000000000000000000" pitchFamily="2" charset="0"/>
-              </a:rPr>
-              <a:t>tutorials/quickstart</a:t>
-            </a:r>
-          </a:p>
-        </p:txBody>
-      </p:sp>
-      <p:pic>
-        <p:nvPicPr>
-          <p:cNvPr id="5" name="Picture 4">
-            <a:extLst>
-              <a:ext uri="{FF2B5EF4-FFF2-40B4-BE49-F238E27FC236}">
-                <a16:creationId xmlns:a16="http://schemas.microsoft.com/office/drawing/2014/main" id="{C82DB241-DD1A-4C0E-8A6B-BB8AE7AEE020}"/>
-              </a:ext>
-            </a:extLst>
-          </p:cNvPr>
-          <p:cNvPicPr>
-            <a:picLocks noChangeAspect="1"/>
-          </p:cNvPicPr>
-          <p:nvPr/>
-        </p:nvPicPr>
-        <p:blipFill>
-          <a:blip r:embed="rId2">
-            <a:extLst>
-              <a:ext uri="{BEBA8EAE-BF5A-486C-A8C5-ECC9F3942E4B}">
-                <a14:imgProps xmlns:a14="http://schemas.microsoft.com/office/drawing/2010/main">
-                  <a14:imgLayer r:embed="rId3">
-                    <a14:imgEffect>
-                      <a14:saturation sat="0"/>
-                    </a14:imgEffect>
-                  </a14:imgLayer>
-                </a14:imgProps>
-              </a:ext>
-            </a:extLst>
-          </a:blip>
-          <a:stretch>
-            <a:fillRect/>
-          </a:stretch>
-        </p:blipFill>
-        <p:spPr>
-          <a:xfrm>
-            <a:off x="3684519" y="-1"/>
-            <a:ext cx="8525332" cy="6858000"/>
-          </a:xfrm>
-          <a:prstGeom prst="rect">
-            <a:avLst/>
-          </a:prstGeom>
-        </p:spPr>
-      </p:pic>
+              <a:t>Goals</a:t>
+            </a:r>
+            <a:endParaRPr lang="de-CH" dirty="0"/>
+          </a:p>
+        </p:txBody>
+      </p:sp>
     </p:spTree>
     <p:extLst>
       <p:ext uri="{BB962C8B-B14F-4D97-AF65-F5344CB8AC3E}">
-        <p14:creationId xmlns:p14="http://schemas.microsoft.com/office/powerpoint/2010/main" val="2228612555"/>
+        <p14:creationId xmlns:p14="http://schemas.microsoft.com/office/powerpoint/2010/main" val="2864408021"/>
       </p:ext>
     </p:extLst>
   </p:cSld>
@@ -5735,102 +9014,37 @@
         </p:nvSpPr>
         <p:spPr>
           <a:xfrm>
-            <a:off x="1064014" y="3127733"/>
-            <a:ext cx="7133684" cy="923330"/>
+            <a:off x="0" y="1952437"/>
+            <a:ext cx="4999912" cy="2215991"/>
           </a:xfrm>
           <a:prstGeom prst="rect">
             <a:avLst/>
           </a:prstGeom>
         </p:spPr>
         <p:txBody>
-          <a:bodyPr wrap="none">
+          <a:bodyPr wrap="square">
             <a:spAutoFit/>
           </a:bodyPr>
           <a:lstStyle/>
           <a:p>
-            <a:r>
-              <a:rPr lang="en-US" sz="3600" dirty="0">
-                <a:solidFill>
-                  <a:schemeClr val="tx2"/>
-                </a:solidFill>
-                <a:latin typeface="Yanone Kaffeesatz Regular" panose="02000000000000000000" pitchFamily="2" charset="0"/>
-              </a:rPr>
-              <a:t>github.com/</a:t>
-            </a:r>
-            <a:r>
-              <a:rPr lang="en-US" sz="3600" dirty="0" err="1">
-                <a:solidFill>
-                  <a:schemeClr val="tx2"/>
-                </a:solidFill>
-                <a:latin typeface="Yanone Kaffeesatz Regular" panose="02000000000000000000" pitchFamily="2" charset="0"/>
-              </a:rPr>
-              <a:t>danielmarbach</a:t>
-            </a:r>
-            <a:r>
-              <a:rPr lang="en-US" sz="3600" dirty="0">
-                <a:solidFill>
-                  <a:schemeClr val="tx2"/>
-                </a:solidFill>
-                <a:latin typeface="Yanone Kaffeesatz Regular" panose="02000000000000000000" pitchFamily="2" charset="0"/>
-              </a:rPr>
-              <a:t>/</a:t>
-            </a:r>
-            <a:r>
-              <a:rPr lang="en-US" sz="5400" dirty="0" err="1">
-                <a:solidFill>
-                  <a:schemeClr val="accent4"/>
-                </a:solidFill>
-                <a:latin typeface="Yanone Kaffeesatz Regular" panose="02000000000000000000" pitchFamily="2" charset="0"/>
-              </a:rPr>
-              <a:t>MessagePump</a:t>
-            </a:r>
-            <a:endParaRPr lang="de-CH" sz="5400" dirty="0">
-              <a:solidFill>
-                <a:schemeClr val="accent4"/>
-              </a:solidFill>
-              <a:latin typeface="Yanone Kaffeesatz Regular" panose="02000000000000000000" pitchFamily="2" charset="0"/>
-            </a:endParaRPr>
-          </a:p>
-        </p:txBody>
-      </p:sp>
-      <p:sp>
-        <p:nvSpPr>
-          <p:cNvPr id="4" name="Rectangle 3"/>
-          <p:cNvSpPr/>
-          <p:nvPr/>
-        </p:nvSpPr>
-        <p:spPr>
-          <a:xfrm>
-            <a:off x="1064014" y="1124536"/>
-            <a:ext cx="6463629" cy="1862048"/>
-          </a:xfrm>
-          <a:prstGeom prst="rect">
-            <a:avLst/>
-          </a:prstGeom>
-        </p:spPr>
-        <p:txBody>
-          <a:bodyPr wrap="none">
-            <a:spAutoFit/>
-          </a:bodyPr>
-          <a:lstStyle/>
-          <a:p>
-            <a:r>
-              <a:rPr lang="en-US" sz="11500" dirty="0">
+            <a:pPr algn="ctr"/>
+            <a:r>
+              <a:rPr lang="en-US" sz="13800" dirty="0">
                 <a:solidFill>
                   <a:schemeClr val="accent2"/>
                 </a:solidFill>
                 <a:latin typeface="Yanone Kaffeesatz Regular" panose="02000000000000000000" pitchFamily="2" charset="0"/>
               </a:rPr>
-              <a:t>Slides, Links…</a:t>
-            </a:r>
-            <a:endParaRPr lang="de-CH" sz="1400" dirty="0"/>
+              <a:t>Premise</a:t>
+            </a:r>
+            <a:endParaRPr lang="de-CH" sz="1600" dirty="0"/>
           </a:p>
         </p:txBody>
       </p:sp>
     </p:spTree>
     <p:extLst>
       <p:ext uri="{BB962C8B-B14F-4D97-AF65-F5344CB8AC3E}">
-        <p14:creationId xmlns:p14="http://schemas.microsoft.com/office/powerpoint/2010/main" val="1581449120"/>
+        <p14:creationId xmlns:p14="http://schemas.microsoft.com/office/powerpoint/2010/main" val="1358001949"/>
       </p:ext>
     </p:extLst>
   </p:cSld>

--- a/presentation.pptx
+++ b/presentation.pptx
@@ -5,7 +5,7 @@
     <p:sldMasterId id="2147483684" r:id="rId1"/>
   </p:sldMasterIdLst>
   <p:notesMasterIdLst>
-    <p:notesMasterId r:id="rId17"/>
+    <p:notesMasterId r:id="rId19"/>
   </p:notesMasterIdLst>
   <p:sldIdLst>
     <p:sldId id="278" r:id="rId2"/>
@@ -15,14 +15,16 @@
     <p:sldId id="293" r:id="rId6"/>
     <p:sldId id="457" r:id="rId7"/>
     <p:sldId id="458" r:id="rId8"/>
-    <p:sldId id="277" r:id="rId9"/>
-    <p:sldId id="319" r:id="rId10"/>
-    <p:sldId id="273" r:id="rId11"/>
-    <p:sldId id="455" r:id="rId12"/>
-    <p:sldId id="267" r:id="rId13"/>
-    <p:sldId id="275" r:id="rId14"/>
-    <p:sldId id="268" r:id="rId15"/>
-    <p:sldId id="279" r:id="rId16"/>
+    <p:sldId id="460" r:id="rId9"/>
+    <p:sldId id="461" r:id="rId10"/>
+    <p:sldId id="277" r:id="rId11"/>
+    <p:sldId id="319" r:id="rId12"/>
+    <p:sldId id="273" r:id="rId13"/>
+    <p:sldId id="455" r:id="rId14"/>
+    <p:sldId id="267" r:id="rId15"/>
+    <p:sldId id="275" r:id="rId16"/>
+    <p:sldId id="268" r:id="rId17"/>
+    <p:sldId id="279" r:id="rId18"/>
   </p:sldIdLst>
   <p:sldSz cx="12192000" cy="6858000"/>
   <p:notesSz cx="6858000" cy="9144000"/>
@@ -133,6 +135,8 @@
             <p14:sldId id="293"/>
             <p14:sldId id="457"/>
             <p14:sldId id="458"/>
+            <p14:sldId id="460"/>
+            <p14:sldId id="461"/>
             <p14:sldId id="277"/>
             <p14:sldId id="319"/>
           </p14:sldIdLst>
@@ -241,7 +245,7 @@
           <a:p>
             <a:fld id="{D987070D-87AF-4443-8990-425EA27CC244}" type="datetimeFigureOut">
               <a:rPr lang="de-CH" smtClean="0"/>
-              <a:t>30.05.2018</a:t>
+              <a:t>08.06.2018</a:t>
             </a:fld>
             <a:endParaRPr lang="de-CH"/>
           </a:p>
@@ -637,7 +641,7 @@
           <a:bodyPr/>
           <a:lstStyle/>
           <a:p>
-            <a:endParaRPr lang="de-CH" dirty="0"/>
+            <a:endParaRPr lang="en-US" baseline="0" dirty="0"/>
           </a:p>
         </p:txBody>
       </p:sp>
@@ -667,7 +671,7 @@
     </p:spTree>
     <p:extLst>
       <p:ext uri="{BB962C8B-B14F-4D97-AF65-F5344CB8AC3E}">
-        <p14:creationId xmlns:p14="http://schemas.microsoft.com/office/powerpoint/2010/main" val="3503916100"/>
+        <p14:creationId xmlns:p14="http://schemas.microsoft.com/office/powerpoint/2010/main" val="4119975973"/>
       </p:ext>
     </p:extLst>
   </p:cSld>
@@ -742,7 +746,7 @@
           <a:p>
             <a:fld id="{9BCA07FD-5BD5-4529-84B0-48DD2C561176}" type="slidenum">
               <a:rPr lang="de-CH" smtClean="0"/>
-              <a:t>12</a:t>
+              <a:t>11</a:t>
             </a:fld>
             <a:endParaRPr lang="de-CH"/>
           </a:p>
@@ -751,7 +755,7 @@
     </p:spTree>
     <p:extLst>
       <p:ext uri="{BB962C8B-B14F-4D97-AF65-F5344CB8AC3E}">
-        <p14:creationId xmlns:p14="http://schemas.microsoft.com/office/powerpoint/2010/main" val="3670487613"/>
+        <p14:creationId xmlns:p14="http://schemas.microsoft.com/office/powerpoint/2010/main" val="1291193727"/>
       </p:ext>
     </p:extLst>
   </p:cSld>
@@ -826,7 +830,7 @@
           <a:p>
             <a:fld id="{9BCA07FD-5BD5-4529-84B0-48DD2C561176}" type="slidenum">
               <a:rPr lang="de-CH" smtClean="0"/>
-              <a:t>13</a:t>
+              <a:t>12</a:t>
             </a:fld>
             <a:endParaRPr lang="de-CH"/>
           </a:p>
@@ -835,7 +839,7 @@
     </p:spTree>
     <p:extLst>
       <p:ext uri="{BB962C8B-B14F-4D97-AF65-F5344CB8AC3E}">
-        <p14:creationId xmlns:p14="http://schemas.microsoft.com/office/powerpoint/2010/main" val="978782014"/>
+        <p14:creationId xmlns:p14="http://schemas.microsoft.com/office/powerpoint/2010/main" val="3503916100"/>
       </p:ext>
     </p:extLst>
   </p:cSld>
@@ -889,95 +893,6 @@
           <a:bodyPr/>
           <a:lstStyle/>
           <a:p>
-            <a:r>
-              <a:rPr lang="en-US" dirty="0"/>
-              <a:t>I’m Daniel, </a:t>
-            </a:r>
-            <a:r>
-              <a:rPr lang="en-US"/>
-              <a:t>Solution Engineer…</a:t>
-            </a:r>
-            <a:endParaRPr lang="en-US" dirty="0"/>
-          </a:p>
-          <a:p>
-            <a:r>
-              <a:rPr lang="en-US" dirty="0"/>
-              <a:t>I live in central</a:t>
-            </a:r>
-            <a:r>
-              <a:rPr lang="en-US" baseline="0" dirty="0"/>
-              <a:t> Switzerland. If you want to know more about me listen to episode 77 of developer on fire</a:t>
-            </a:r>
-            <a:endParaRPr lang="en-US" dirty="0"/>
-          </a:p>
-          <a:p>
-            <a:r>
-              <a:rPr lang="en-US" dirty="0"/>
-              <a:t>You can reach me on twitter under @</a:t>
-            </a:r>
-            <a:r>
-              <a:rPr lang="en-US" dirty="0" err="1"/>
-              <a:t>danielmarbach</a:t>
-            </a:r>
-            <a:endParaRPr lang="en-US" dirty="0"/>
-          </a:p>
-          <a:p>
-            <a:r>
-              <a:rPr lang="en-US" dirty="0"/>
-              <a:t>I blog on the particular blog and on my personal blog</a:t>
-            </a:r>
-          </a:p>
-          <a:p>
-            <a:r>
-              <a:rPr lang="en-US" dirty="0"/>
-              <a:t>I’m the lead behind the </a:t>
-            </a:r>
-            <a:r>
-              <a:rPr lang="en-US" dirty="0" err="1"/>
-              <a:t>asyncification</a:t>
-            </a:r>
-            <a:r>
-              <a:rPr lang="en-US" baseline="0" dirty="0"/>
-              <a:t> of </a:t>
-            </a:r>
-            <a:r>
-              <a:rPr lang="en-US" baseline="0" dirty="0" err="1"/>
-              <a:t>NServiceBus</a:t>
-            </a:r>
-            <a:r>
-              <a:rPr lang="en-US" baseline="0" dirty="0"/>
-              <a:t> and the ecosystem around it</a:t>
-            </a:r>
-          </a:p>
-          <a:p>
-            <a:r>
-              <a:rPr lang="en-US" baseline="0" dirty="0"/>
-              <a:t>I regularly contribute back ideas and code changes to </a:t>
-            </a:r>
-            <a:r>
-              <a:rPr lang="en-US" baseline="0" dirty="0" err="1"/>
-              <a:t>asyncify</a:t>
-            </a:r>
-            <a:r>
-              <a:rPr lang="en-US" baseline="0" dirty="0"/>
-              <a:t> the .NET OSS libraries and frameworks out there. So far I contributed to Entity Framework, </a:t>
-            </a:r>
-            <a:r>
-              <a:rPr lang="en-US" baseline="0" dirty="0" err="1"/>
-              <a:t>RabbitMQ</a:t>
-            </a:r>
-            <a:r>
-              <a:rPr lang="en-US" baseline="0" dirty="0"/>
-              <a:t>, Marten, </a:t>
-            </a:r>
-            <a:r>
-              <a:rPr lang="en-US" baseline="0" dirty="0" err="1"/>
-              <a:t>MassTransit</a:t>
-            </a:r>
-            <a:r>
-              <a:rPr lang="en-US" baseline="0" dirty="0"/>
-              <a:t>, Quartz.NET and many more</a:t>
-            </a:r>
             <a:endParaRPr lang="de-CH" dirty="0"/>
           </a:p>
         </p:txBody>
@@ -1008,7 +923,7 @@
     </p:spTree>
     <p:extLst>
       <p:ext uri="{BB962C8B-B14F-4D97-AF65-F5344CB8AC3E}">
-        <p14:creationId xmlns:p14="http://schemas.microsoft.com/office/powerpoint/2010/main" val="88145516"/>
+        <p14:creationId xmlns:p14="http://schemas.microsoft.com/office/powerpoint/2010/main" val="3670487613"/>
       </p:ext>
     </p:extLst>
   </p:cSld>
@@ -1062,14 +977,6 @@
           <a:bodyPr/>
           <a:lstStyle/>
           <a:p>
-            <a:r>
-              <a:rPr lang="de-CH" dirty="0"/>
-              <a:t>Thank you very much</a:t>
-            </a:r>
-            <a:r>
-              <a:rPr lang="de-CH" baseline="0" dirty="0"/>
-              <a:t> for listening and see you next time</a:t>
-            </a:r>
             <a:endParaRPr lang="de-CH" dirty="0"/>
           </a:p>
         </p:txBody>
@@ -1092,6 +999,271 @@
             <a:fld id="{9BCA07FD-5BD5-4529-84B0-48DD2C561176}" type="slidenum">
               <a:rPr lang="de-CH" smtClean="0"/>
               <a:t>15</a:t>
+            </a:fld>
+            <a:endParaRPr lang="de-CH"/>
+          </a:p>
+        </p:txBody>
+      </p:sp>
+    </p:spTree>
+    <p:extLst>
+      <p:ext uri="{BB962C8B-B14F-4D97-AF65-F5344CB8AC3E}">
+        <p14:creationId xmlns:p14="http://schemas.microsoft.com/office/powerpoint/2010/main" val="978782014"/>
+      </p:ext>
+    </p:extLst>
+  </p:cSld>
+  <p:clrMapOvr>
+    <a:masterClrMapping/>
+  </p:clrMapOvr>
+</p:notes>
+</file>
+
+<file path=ppt/notesSlides/notesSlide15.xml><?xml version="1.0" encoding="utf-8"?>
+<p:notes xmlns:a="http://schemas.openxmlformats.org/drawingml/2006/main" xmlns:r="http://schemas.openxmlformats.org/officeDocument/2006/relationships" xmlns:p="http://schemas.openxmlformats.org/presentationml/2006/main">
+  <p:cSld>
+    <p:spTree>
+      <p:nvGrpSpPr>
+        <p:cNvPr id="1" name=""/>
+        <p:cNvGrpSpPr/>
+        <p:nvPr/>
+      </p:nvGrpSpPr>
+      <p:grpSpPr>
+        <a:xfrm>
+          <a:off x="0" y="0"/>
+          <a:ext cx="0" cy="0"/>
+          <a:chOff x="0" y="0"/>
+          <a:chExt cx="0" cy="0"/>
+        </a:xfrm>
+      </p:grpSpPr>
+      <p:sp>
+        <p:nvSpPr>
+          <p:cNvPr id="2" name="Slide Image Placeholder 1"/>
+          <p:cNvSpPr>
+            <a:spLocks noGrp="1" noRot="1" noChangeAspect="1"/>
+          </p:cNvSpPr>
+          <p:nvPr>
+            <p:ph type="sldImg"/>
+          </p:nvPr>
+        </p:nvSpPr>
+        <p:spPr/>
+      </p:sp>
+      <p:sp>
+        <p:nvSpPr>
+          <p:cNvPr id="3" name="Notes Placeholder 2"/>
+          <p:cNvSpPr>
+            <a:spLocks noGrp="1"/>
+          </p:cNvSpPr>
+          <p:nvPr>
+            <p:ph type="body" idx="1"/>
+          </p:nvPr>
+        </p:nvSpPr>
+        <p:spPr/>
+        <p:txBody>
+          <a:bodyPr/>
+          <a:lstStyle/>
+          <a:p>
+            <a:r>
+              <a:rPr lang="en-US" dirty="0"/>
+              <a:t>I’m Daniel, </a:t>
+            </a:r>
+            <a:r>
+              <a:rPr lang="en-US"/>
+              <a:t>Solution Engineer…</a:t>
+            </a:r>
+            <a:endParaRPr lang="en-US" dirty="0"/>
+          </a:p>
+          <a:p>
+            <a:r>
+              <a:rPr lang="en-US" dirty="0"/>
+              <a:t>I live in central</a:t>
+            </a:r>
+            <a:r>
+              <a:rPr lang="en-US" baseline="0" dirty="0"/>
+              <a:t> Switzerland. If you want to know more about me listen to episode 77 of developer on fire</a:t>
+            </a:r>
+            <a:endParaRPr lang="en-US" dirty="0"/>
+          </a:p>
+          <a:p>
+            <a:r>
+              <a:rPr lang="en-US" dirty="0"/>
+              <a:t>You can reach me on twitter under @</a:t>
+            </a:r>
+            <a:r>
+              <a:rPr lang="en-US" dirty="0" err="1"/>
+              <a:t>danielmarbach</a:t>
+            </a:r>
+            <a:endParaRPr lang="en-US" dirty="0"/>
+          </a:p>
+          <a:p>
+            <a:r>
+              <a:rPr lang="en-US" dirty="0"/>
+              <a:t>I blog on the particular blog and on my personal blog</a:t>
+            </a:r>
+          </a:p>
+          <a:p>
+            <a:r>
+              <a:rPr lang="en-US" dirty="0"/>
+              <a:t>I’m the lead behind the </a:t>
+            </a:r>
+            <a:r>
+              <a:rPr lang="en-US" dirty="0" err="1"/>
+              <a:t>asyncification</a:t>
+            </a:r>
+            <a:r>
+              <a:rPr lang="en-US" baseline="0" dirty="0"/>
+              <a:t> of </a:t>
+            </a:r>
+            <a:r>
+              <a:rPr lang="en-US" baseline="0" dirty="0" err="1"/>
+              <a:t>NServiceBus</a:t>
+            </a:r>
+            <a:r>
+              <a:rPr lang="en-US" baseline="0" dirty="0"/>
+              <a:t> and the ecosystem around it</a:t>
+            </a:r>
+          </a:p>
+          <a:p>
+            <a:r>
+              <a:rPr lang="en-US" baseline="0" dirty="0"/>
+              <a:t>I regularly contribute back ideas and code changes to </a:t>
+            </a:r>
+            <a:r>
+              <a:rPr lang="en-US" baseline="0" dirty="0" err="1"/>
+              <a:t>asyncify</a:t>
+            </a:r>
+            <a:r>
+              <a:rPr lang="en-US" baseline="0" dirty="0"/>
+              <a:t> the .NET OSS libraries and frameworks out there. So far I contributed to Entity Framework, </a:t>
+            </a:r>
+            <a:r>
+              <a:rPr lang="en-US" baseline="0" dirty="0" err="1"/>
+              <a:t>RabbitMQ</a:t>
+            </a:r>
+            <a:r>
+              <a:rPr lang="en-US" baseline="0" dirty="0"/>
+              <a:t>, Marten, </a:t>
+            </a:r>
+            <a:r>
+              <a:rPr lang="en-US" baseline="0" dirty="0" err="1"/>
+              <a:t>MassTransit</a:t>
+            </a:r>
+            <a:r>
+              <a:rPr lang="en-US" baseline="0" dirty="0"/>
+              <a:t>, Quartz.NET and many more</a:t>
+            </a:r>
+            <a:endParaRPr lang="de-CH" dirty="0"/>
+          </a:p>
+        </p:txBody>
+      </p:sp>
+      <p:sp>
+        <p:nvSpPr>
+          <p:cNvPr id="4" name="Slide Number Placeholder 3"/>
+          <p:cNvSpPr>
+            <a:spLocks noGrp="1"/>
+          </p:cNvSpPr>
+          <p:nvPr>
+            <p:ph type="sldNum" sz="quarter" idx="10"/>
+          </p:nvPr>
+        </p:nvSpPr>
+        <p:spPr/>
+        <p:txBody>
+          <a:bodyPr/>
+          <a:lstStyle/>
+          <a:p>
+            <a:fld id="{9BCA07FD-5BD5-4529-84B0-48DD2C561176}" type="slidenum">
+              <a:rPr lang="de-CH" smtClean="0"/>
+              <a:t>16</a:t>
+            </a:fld>
+            <a:endParaRPr lang="de-CH"/>
+          </a:p>
+        </p:txBody>
+      </p:sp>
+    </p:spTree>
+    <p:extLst>
+      <p:ext uri="{BB962C8B-B14F-4D97-AF65-F5344CB8AC3E}">
+        <p14:creationId xmlns:p14="http://schemas.microsoft.com/office/powerpoint/2010/main" val="88145516"/>
+      </p:ext>
+    </p:extLst>
+  </p:cSld>
+  <p:clrMapOvr>
+    <a:masterClrMapping/>
+  </p:clrMapOvr>
+</p:notes>
+</file>
+
+<file path=ppt/notesSlides/notesSlide16.xml><?xml version="1.0" encoding="utf-8"?>
+<p:notes xmlns:a="http://schemas.openxmlformats.org/drawingml/2006/main" xmlns:r="http://schemas.openxmlformats.org/officeDocument/2006/relationships" xmlns:p="http://schemas.openxmlformats.org/presentationml/2006/main">
+  <p:cSld>
+    <p:spTree>
+      <p:nvGrpSpPr>
+        <p:cNvPr id="1" name=""/>
+        <p:cNvGrpSpPr/>
+        <p:nvPr/>
+      </p:nvGrpSpPr>
+      <p:grpSpPr>
+        <a:xfrm>
+          <a:off x="0" y="0"/>
+          <a:ext cx="0" cy="0"/>
+          <a:chOff x="0" y="0"/>
+          <a:chExt cx="0" cy="0"/>
+        </a:xfrm>
+      </p:grpSpPr>
+      <p:sp>
+        <p:nvSpPr>
+          <p:cNvPr id="2" name="Slide Image Placeholder 1"/>
+          <p:cNvSpPr>
+            <a:spLocks noGrp="1" noRot="1" noChangeAspect="1"/>
+          </p:cNvSpPr>
+          <p:nvPr>
+            <p:ph type="sldImg"/>
+          </p:nvPr>
+        </p:nvSpPr>
+        <p:spPr/>
+      </p:sp>
+      <p:sp>
+        <p:nvSpPr>
+          <p:cNvPr id="3" name="Notes Placeholder 2"/>
+          <p:cNvSpPr>
+            <a:spLocks noGrp="1"/>
+          </p:cNvSpPr>
+          <p:nvPr>
+            <p:ph type="body" idx="1"/>
+          </p:nvPr>
+        </p:nvSpPr>
+        <p:spPr/>
+        <p:txBody>
+          <a:bodyPr/>
+          <a:lstStyle/>
+          <a:p>
+            <a:r>
+              <a:rPr lang="de-CH" dirty="0"/>
+              <a:t>Thank you very much</a:t>
+            </a:r>
+            <a:r>
+              <a:rPr lang="de-CH" baseline="0" dirty="0"/>
+              <a:t> for listening and see you next time</a:t>
+            </a:r>
+            <a:endParaRPr lang="de-CH" dirty="0"/>
+          </a:p>
+        </p:txBody>
+      </p:sp>
+      <p:sp>
+        <p:nvSpPr>
+          <p:cNvPr id="4" name="Slide Number Placeholder 3"/>
+          <p:cNvSpPr>
+            <a:spLocks noGrp="1"/>
+          </p:cNvSpPr>
+          <p:nvPr>
+            <p:ph type="sldNum" sz="quarter" idx="10"/>
+          </p:nvPr>
+        </p:nvSpPr>
+        <p:spPr/>
+        <p:txBody>
+          <a:bodyPr/>
+          <a:lstStyle/>
+          <a:p>
+            <a:fld id="{9BCA07FD-5BD5-4529-84B0-48DD2C561176}" type="slidenum">
+              <a:rPr lang="de-CH" smtClean="0"/>
+              <a:t>17</a:t>
             </a:fld>
             <a:endParaRPr lang="de-CH"/>
           </a:p>
@@ -1849,21 +2021,17 @@
           <a:p>
             <a:r>
               <a:rPr lang="en-ZA" dirty="0"/>
-              <a:t>Routing</a:t>
-            </a:r>
+              <a:t>Receiving</a:t>
+            </a:r>
+          </a:p>
+          <a:p>
+            <a:endParaRPr lang="en-ZA" dirty="0"/>
           </a:p>
           <a:p>
             <a:r>
               <a:rPr lang="en-ZA" dirty="0"/>
-              <a:t>Pub/sub</a:t>
-            </a:r>
-          </a:p>
-          <a:p>
-            <a:r>
-              <a:rPr lang="en-ZA" dirty="0"/>
-              <a:t>Recovery mechanisms</a:t>
-            </a:r>
-            <a:endParaRPr lang="en-US" dirty="0"/>
+              <a:t>Use Slide 5 augmented with these concepts</a:t>
+            </a:r>
           </a:p>
         </p:txBody>
       </p:sp>
@@ -1947,7 +2115,30 @@
           <a:bodyPr/>
           <a:lstStyle/>
           <a:p>
-            <a:endParaRPr lang="en-US" baseline="0" dirty="0"/>
+            <a:r>
+              <a:rPr lang="en-US" dirty="0"/>
+              <a:t>We showed the basic bits send and receive as well as </a:t>
+            </a:r>
+            <a:r>
+              <a:rPr lang="en-US" dirty="0" err="1"/>
+              <a:t>tx</a:t>
+            </a:r>
+            <a:endParaRPr lang="en-US" dirty="0"/>
+          </a:p>
+          <a:p>
+            <a:r>
+              <a:rPr lang="en-US" dirty="0"/>
+              <a:t>But what about delayed delivery, </a:t>
+            </a:r>
+            <a:r>
+              <a:rPr lang="en-US" dirty="0" err="1"/>
+              <a:t>scaleout</a:t>
+            </a:r>
+            <a:r>
+              <a:rPr lang="en-US" dirty="0"/>
+              <a:t>, competing consumer, state management, runtime configuration for routing to adjust to topology changes, pub/sub, retries</a:t>
+            </a:r>
+            <a:endParaRPr lang="en-ZA" dirty="0"/>
           </a:p>
         </p:txBody>
       </p:sp>
@@ -1977,7 +2168,7 @@
     </p:spTree>
     <p:extLst>
       <p:ext uri="{BB962C8B-B14F-4D97-AF65-F5344CB8AC3E}">
-        <p14:creationId xmlns:p14="http://schemas.microsoft.com/office/powerpoint/2010/main" val="4119975973"/>
+        <p14:creationId xmlns:p14="http://schemas.microsoft.com/office/powerpoint/2010/main" val="937733103"/>
       </p:ext>
     </p:extLst>
   </p:cSld>
@@ -2031,6 +2222,44 @@
           <a:bodyPr/>
           <a:lstStyle/>
           <a:p>
+            <a:r>
+              <a:rPr lang="en-US" dirty="0"/>
+              <a:t>But now you have this </a:t>
+            </a:r>
+            <a:r>
+              <a:rPr lang="en-US" dirty="0" err="1"/>
+              <a:t>dist</a:t>
+            </a:r>
+            <a:r>
+              <a:rPr lang="en-US" dirty="0"/>
+              <a:t> systems mess. How the heck do you know what is going on</a:t>
+            </a:r>
+          </a:p>
+          <a:p>
+            <a:r>
+              <a:rPr lang="en-US" dirty="0"/>
+              <a:t>How to troubleshoot</a:t>
+            </a:r>
+          </a:p>
+          <a:p>
+            <a:r>
+              <a:rPr lang="en-US" dirty="0"/>
+              <a:t>How to monitor</a:t>
+            </a:r>
+          </a:p>
+          <a:p>
+            <a:r>
+              <a:rPr lang="en-US" dirty="0"/>
+              <a:t>How to visualize</a:t>
+            </a:r>
+          </a:p>
+          <a:p>
+            <a:r>
+              <a:rPr lang="en-US" dirty="0"/>
+              <a:t>How to determine whether the consumers are coping with the load</a:t>
+            </a:r>
+          </a:p>
+          <a:p>
             <a:endParaRPr lang="de-CH" dirty="0"/>
           </a:p>
         </p:txBody>
@@ -2061,7 +2290,7 @@
     </p:spTree>
     <p:extLst>
       <p:ext uri="{BB962C8B-B14F-4D97-AF65-F5344CB8AC3E}">
-        <p14:creationId xmlns:p14="http://schemas.microsoft.com/office/powerpoint/2010/main" val="1291193727"/>
+        <p14:creationId xmlns:p14="http://schemas.microsoft.com/office/powerpoint/2010/main" val="3027147816"/>
       </p:ext>
     </p:extLst>
   </p:cSld>
@@ -2202,7 +2431,7 @@
           <a:p>
             <a:fld id="{A2EAEABE-1D59-4413-813E-803E21872067}" type="datetimeFigureOut">
               <a:rPr lang="de-CH" smtClean="0"/>
-              <a:t>30.05.2018</a:t>
+              <a:t>08.06.2018</a:t>
             </a:fld>
             <a:endParaRPr lang="de-CH"/>
           </a:p>
@@ -2372,7 +2601,7 @@
           <a:p>
             <a:fld id="{A2EAEABE-1D59-4413-813E-803E21872067}" type="datetimeFigureOut">
               <a:rPr lang="de-CH" smtClean="0"/>
-              <a:t>30.05.2018</a:t>
+              <a:t>08.06.2018</a:t>
             </a:fld>
             <a:endParaRPr lang="de-CH"/>
           </a:p>
@@ -2552,7 +2781,7 @@
           <a:p>
             <a:fld id="{A2EAEABE-1D59-4413-813E-803E21872067}" type="datetimeFigureOut">
               <a:rPr lang="de-CH" smtClean="0"/>
-              <a:t>30.05.2018</a:t>
+              <a:t>08.06.2018</a:t>
             </a:fld>
             <a:endParaRPr lang="de-CH"/>
           </a:p>
@@ -2721,7 +2950,7 @@
           <a:p>
             <a:fld id="{A2EAEABE-1D59-4413-813E-803E21872067}" type="datetimeFigureOut">
               <a:rPr lang="de-CH" smtClean="0"/>
-              <a:t>30.05.2018</a:t>
+              <a:t>08.06.2018</a:t>
             </a:fld>
             <a:endParaRPr lang="de-CH"/>
           </a:p>
@@ -2967,7 +3196,7 @@
           <a:p>
             <a:fld id="{A2EAEABE-1D59-4413-813E-803E21872067}" type="datetimeFigureOut">
               <a:rPr lang="de-CH" smtClean="0"/>
-              <a:t>30.05.2018</a:t>
+              <a:t>08.06.2018</a:t>
             </a:fld>
             <a:endParaRPr lang="de-CH"/>
           </a:p>
@@ -3199,7 +3428,7 @@
           <a:p>
             <a:fld id="{A2EAEABE-1D59-4413-813E-803E21872067}" type="datetimeFigureOut">
               <a:rPr lang="de-CH" smtClean="0"/>
-              <a:t>30.05.2018</a:t>
+              <a:t>08.06.2018</a:t>
             </a:fld>
             <a:endParaRPr lang="de-CH"/>
           </a:p>
@@ -3566,7 +3795,7 @@
           <a:p>
             <a:fld id="{A2EAEABE-1D59-4413-813E-803E21872067}" type="datetimeFigureOut">
               <a:rPr lang="de-CH" smtClean="0"/>
-              <a:t>30.05.2018</a:t>
+              <a:t>08.06.2018</a:t>
             </a:fld>
             <a:endParaRPr lang="de-CH"/>
           </a:p>
@@ -3684,7 +3913,7 @@
           <a:p>
             <a:fld id="{A2EAEABE-1D59-4413-813E-803E21872067}" type="datetimeFigureOut">
               <a:rPr lang="de-CH" smtClean="0"/>
-              <a:t>30.05.2018</a:t>
+              <a:t>08.06.2018</a:t>
             </a:fld>
             <a:endParaRPr lang="de-CH"/>
           </a:p>
@@ -3779,7 +4008,7 @@
           <a:p>
             <a:fld id="{A2EAEABE-1D59-4413-813E-803E21872067}" type="datetimeFigureOut">
               <a:rPr lang="de-CH" smtClean="0"/>
-              <a:t>30.05.2018</a:t>
+              <a:t>08.06.2018</a:t>
             </a:fld>
             <a:endParaRPr lang="de-CH"/>
           </a:p>
@@ -4056,7 +4285,7 @@
           <a:p>
             <a:fld id="{A2EAEABE-1D59-4413-813E-803E21872067}" type="datetimeFigureOut">
               <a:rPr lang="de-CH" smtClean="0"/>
-              <a:t>30.05.2018</a:t>
+              <a:t>08.06.2018</a:t>
             </a:fld>
             <a:endParaRPr lang="de-CH"/>
           </a:p>
@@ -4313,7 +4542,7 @@
           <a:p>
             <a:fld id="{A2EAEABE-1D59-4413-813E-803E21872067}" type="datetimeFigureOut">
               <a:rPr lang="de-CH" smtClean="0"/>
-              <a:t>30.05.2018</a:t>
+              <a:t>08.06.2018</a:t>
             </a:fld>
             <a:endParaRPr lang="de-CH"/>
           </a:p>
@@ -4524,7 +4753,7 @@
           <a:p>
             <a:fld id="{A2EAEABE-1D59-4413-813E-803E21872067}" type="datetimeFigureOut">
               <a:rPr lang="de-CH" smtClean="0"/>
-              <a:t>30.05.2018</a:t>
+              <a:t>08.06.2018</a:t>
             </a:fld>
             <a:endParaRPr lang="de-CH"/>
           </a:p>
@@ -5090,6 +5319,136 @@
                 </a:solidFill>
                 <a:latin typeface="Yanone Kaffeesatz Regular" panose="02000000000000000000" pitchFamily="2" charset="0"/>
               </a:rPr>
+              <a:t>Goals</a:t>
+            </a:r>
+            <a:endParaRPr lang="de-CH" dirty="0"/>
+          </a:p>
+        </p:txBody>
+      </p:sp>
+    </p:spTree>
+    <p:extLst>
+      <p:ext uri="{BB962C8B-B14F-4D97-AF65-F5344CB8AC3E}">
+        <p14:creationId xmlns:p14="http://schemas.microsoft.com/office/powerpoint/2010/main" val="2864408021"/>
+      </p:ext>
+    </p:extLst>
+  </p:cSld>
+  <p:clrMapOvr>
+    <a:masterClrMapping/>
+  </p:clrMapOvr>
+</p:sld>
+</file>
+
+<file path=ppt/slides/slide11.xml><?xml version="1.0" encoding="utf-8"?>
+<p:sld xmlns:a="http://schemas.openxmlformats.org/drawingml/2006/main" xmlns:r="http://schemas.openxmlformats.org/officeDocument/2006/relationships" xmlns:p="http://schemas.openxmlformats.org/presentationml/2006/main">
+  <p:cSld>
+    <p:spTree>
+      <p:nvGrpSpPr>
+        <p:cNvPr id="1" name=""/>
+        <p:cNvGrpSpPr/>
+        <p:nvPr/>
+      </p:nvGrpSpPr>
+      <p:grpSpPr>
+        <a:xfrm>
+          <a:off x="0" y="0"/>
+          <a:ext cx="0" cy="0"/>
+          <a:chOff x="0" y="0"/>
+          <a:chExt cx="0" cy="0"/>
+        </a:xfrm>
+      </p:grpSpPr>
+      <p:sp>
+        <p:nvSpPr>
+          <p:cNvPr id="2" name="Rectangle 1"/>
+          <p:cNvSpPr/>
+          <p:nvPr/>
+        </p:nvSpPr>
+        <p:spPr>
+          <a:xfrm>
+            <a:off x="0" y="1952437"/>
+            <a:ext cx="4999912" cy="2215991"/>
+          </a:xfrm>
+          <a:prstGeom prst="rect">
+            <a:avLst/>
+          </a:prstGeom>
+        </p:spPr>
+        <p:txBody>
+          <a:bodyPr wrap="square">
+            <a:spAutoFit/>
+          </a:bodyPr>
+          <a:lstStyle/>
+          <a:p>
+            <a:pPr algn="ctr"/>
+            <a:r>
+              <a:rPr lang="en-US" sz="13800" dirty="0">
+                <a:solidFill>
+                  <a:schemeClr val="accent2"/>
+                </a:solidFill>
+                <a:latin typeface="Yanone Kaffeesatz Regular" panose="02000000000000000000" pitchFamily="2" charset="0"/>
+              </a:rPr>
+              <a:t>Premise</a:t>
+            </a:r>
+            <a:endParaRPr lang="de-CH" sz="1600" dirty="0"/>
+          </a:p>
+        </p:txBody>
+      </p:sp>
+    </p:spTree>
+    <p:extLst>
+      <p:ext uri="{BB962C8B-B14F-4D97-AF65-F5344CB8AC3E}">
+        <p14:creationId xmlns:p14="http://schemas.microsoft.com/office/powerpoint/2010/main" val="1358001949"/>
+      </p:ext>
+    </p:extLst>
+  </p:cSld>
+  <p:clrMapOvr>
+    <a:masterClrMapping/>
+  </p:clrMapOvr>
+</p:sld>
+</file>
+
+<file path=ppt/slides/slide12.xml><?xml version="1.0" encoding="utf-8"?>
+<p:sld xmlns:a="http://schemas.openxmlformats.org/drawingml/2006/main" xmlns:r="http://schemas.openxmlformats.org/officeDocument/2006/relationships" xmlns:p="http://schemas.openxmlformats.org/presentationml/2006/main">
+  <p:cSld>
+    <p:spTree>
+      <p:nvGrpSpPr>
+        <p:cNvPr id="1" name=""/>
+        <p:cNvGrpSpPr/>
+        <p:nvPr/>
+      </p:nvGrpSpPr>
+      <p:grpSpPr>
+        <a:xfrm>
+          <a:off x="0" y="0"/>
+          <a:ext cx="0" cy="0"/>
+          <a:chOff x="0" y="0"/>
+          <a:chExt cx="0" cy="0"/>
+        </a:xfrm>
+      </p:grpSpPr>
+      <p:sp>
+        <p:nvSpPr>
+          <p:cNvPr id="5" name="Rectangle 4"/>
+          <p:cNvSpPr/>
+          <p:nvPr/>
+        </p:nvSpPr>
+        <p:spPr>
+          <a:xfrm>
+            <a:off x="0" y="1952437"/>
+            <a:ext cx="4999912" cy="2646878"/>
+          </a:xfrm>
+          <a:prstGeom prst="rect">
+            <a:avLst/>
+          </a:prstGeom>
+        </p:spPr>
+        <p:txBody>
+          <a:bodyPr wrap="square">
+            <a:spAutoFit/>
+          </a:bodyPr>
+          <a:lstStyle/>
+          <a:p>
+            <a:pPr algn="ctr"/>
+            <a:r>
+              <a:rPr lang="en-US" sz="16600" dirty="0">
+                <a:solidFill>
+                  <a:schemeClr val="accent2"/>
+                </a:solidFill>
+                <a:latin typeface="Yanone Kaffeesatz Regular" panose="02000000000000000000" pitchFamily="2" charset="0"/>
+              </a:rPr>
               <a:t>Recap</a:t>
             </a:r>
             <a:endParaRPr lang="de-CH" dirty="0"/>
@@ -5109,7 +5468,7 @@
 </p:sld>
 </file>
 
-<file path=ppt/slides/slide11.xml><?xml version="1.0" encoding="utf-8"?>
+<file path=ppt/slides/slide13.xml><?xml version="1.0" encoding="utf-8"?>
 <p:sld xmlns:a="http://schemas.openxmlformats.org/drawingml/2006/main" xmlns:r="http://schemas.openxmlformats.org/officeDocument/2006/relationships" xmlns:p="http://schemas.openxmlformats.org/presentationml/2006/main">
   <p:cSld>
     <p:spTree>
@@ -5283,7 +5642,7 @@
 </p:sld>
 </file>
 
-<file path=ppt/slides/slide12.xml><?xml version="1.0" encoding="utf-8"?>
+<file path=ppt/slides/slide14.xml><?xml version="1.0" encoding="utf-8"?>
 <p:sld xmlns:a="http://schemas.openxmlformats.org/drawingml/2006/main" xmlns:r="http://schemas.openxmlformats.org/officeDocument/2006/relationships" xmlns:p="http://schemas.openxmlformats.org/presentationml/2006/main">
   <p:cSld>
     <p:spTree>
@@ -5413,7 +5772,7 @@
 </p:sld>
 </file>
 
-<file path=ppt/slides/slide13.xml><?xml version="1.0" encoding="utf-8"?>
+<file path=ppt/slides/slide15.xml><?xml version="1.0" encoding="utf-8"?>
 <p:sld xmlns:a="http://schemas.openxmlformats.org/drawingml/2006/main" xmlns:r="http://schemas.openxmlformats.org/officeDocument/2006/relationships" xmlns:p="http://schemas.openxmlformats.org/presentationml/2006/main">
   <p:cSld>
     <p:spTree>
@@ -5507,7 +5866,7 @@
 </p:sld>
 </file>
 
-<file path=ppt/slides/slide14.xml><?xml version="1.0" encoding="utf-8"?>
+<file path=ppt/slides/slide16.xml><?xml version="1.0" encoding="utf-8"?>
 <p:sld xmlns:a="http://schemas.openxmlformats.org/drawingml/2006/main" xmlns:r="http://schemas.openxmlformats.org/officeDocument/2006/relationships" xmlns:p="http://schemas.openxmlformats.org/presentationml/2006/main">
   <p:cSld>
     <p:spTree>
@@ -5693,7 +6052,7 @@
 </p:sld>
 </file>
 
-<file path=ppt/slides/slide15.xml><?xml version="1.0" encoding="utf-8"?>
+<file path=ppt/slides/slide17.xml><?xml version="1.0" encoding="utf-8"?>
 <p:sld xmlns:a="http://schemas.openxmlformats.org/drawingml/2006/main" xmlns:r="http://schemas.openxmlformats.org/officeDocument/2006/relationships" xmlns:p="http://schemas.openxmlformats.org/presentationml/2006/main">
   <p:cSld>
     <p:spTree>
@@ -8943,43 +9302,48 @@
       </p:grpSpPr>
       <p:sp>
         <p:nvSpPr>
-          <p:cNvPr id="5" name="Rectangle 4"/>
+          <p:cNvPr id="2" name="Rectangle 1">
+            <a:extLst>
+              <a:ext uri="{FF2B5EF4-FFF2-40B4-BE49-F238E27FC236}">
+                <a16:creationId xmlns:a16="http://schemas.microsoft.com/office/drawing/2014/main" id="{97DF7351-ACAE-4CE4-896D-15AB831B0D59}"/>
+              </a:ext>
+            </a:extLst>
+          </p:cNvPr>
           <p:cNvSpPr/>
           <p:nvPr/>
         </p:nvSpPr>
         <p:spPr>
           <a:xfrm>
-            <a:off x="0" y="1952437"/>
-            <a:ext cx="4999912" cy="2646878"/>
+            <a:off x="4929655" y="3013502"/>
+            <a:ext cx="2332690" cy="830997"/>
           </a:xfrm>
           <a:prstGeom prst="rect">
             <a:avLst/>
           </a:prstGeom>
         </p:spPr>
         <p:txBody>
-          <a:bodyPr wrap="square">
+          <a:bodyPr wrap="none">
             <a:spAutoFit/>
           </a:bodyPr>
           <a:lstStyle/>
           <a:p>
-            <a:pPr algn="ctr"/>
-            <a:r>
-              <a:rPr lang="en-US" sz="16600" dirty="0">
+            <a:r>
+              <a:rPr lang="en-US" sz="4800" dirty="0">
                 <a:solidFill>
-                  <a:schemeClr val="accent2"/>
+                  <a:schemeClr val="tx2"/>
                 </a:solidFill>
                 <a:latin typeface="Yanone Kaffeesatz Regular" panose="02000000000000000000" pitchFamily="2" charset="0"/>
               </a:rPr>
-              <a:t>Goals</a:t>
-            </a:r>
-            <a:endParaRPr lang="de-CH" dirty="0"/>
+              <a:t>Placeholder</a:t>
+            </a:r>
+            <a:endParaRPr lang="en-US" dirty="0"/>
           </a:p>
         </p:txBody>
       </p:sp>
     </p:spTree>
     <p:extLst>
       <p:ext uri="{BB962C8B-B14F-4D97-AF65-F5344CB8AC3E}">
-        <p14:creationId xmlns:p14="http://schemas.microsoft.com/office/powerpoint/2010/main" val="2864408021"/>
+        <p14:creationId xmlns:p14="http://schemas.microsoft.com/office/powerpoint/2010/main" val="3977368709"/>
       </p:ext>
     </p:extLst>
   </p:cSld>
@@ -9008,43 +9372,48 @@
       </p:grpSpPr>
       <p:sp>
         <p:nvSpPr>
-          <p:cNvPr id="2" name="Rectangle 1"/>
+          <p:cNvPr id="2" name="Rectangle 1">
+            <a:extLst>
+              <a:ext uri="{FF2B5EF4-FFF2-40B4-BE49-F238E27FC236}">
+                <a16:creationId xmlns:a16="http://schemas.microsoft.com/office/drawing/2014/main" id="{A806BDD5-DAAF-4F61-BAD4-94A06101EC71}"/>
+              </a:ext>
+            </a:extLst>
+          </p:cNvPr>
           <p:cNvSpPr/>
           <p:nvPr/>
         </p:nvSpPr>
         <p:spPr>
           <a:xfrm>
-            <a:off x="0" y="1952437"/>
-            <a:ext cx="4999912" cy="2215991"/>
+            <a:off x="4929655" y="3013502"/>
+            <a:ext cx="2332690" cy="830997"/>
           </a:xfrm>
           <a:prstGeom prst="rect">
             <a:avLst/>
           </a:prstGeom>
         </p:spPr>
         <p:txBody>
-          <a:bodyPr wrap="square">
+          <a:bodyPr wrap="none">
             <a:spAutoFit/>
           </a:bodyPr>
           <a:lstStyle/>
           <a:p>
-            <a:pPr algn="ctr"/>
-            <a:r>
-              <a:rPr lang="en-US" sz="13800" dirty="0">
+            <a:r>
+              <a:rPr lang="en-US" sz="4800" dirty="0">
                 <a:solidFill>
-                  <a:schemeClr val="accent2"/>
+                  <a:schemeClr val="tx2"/>
                 </a:solidFill>
                 <a:latin typeface="Yanone Kaffeesatz Regular" panose="02000000000000000000" pitchFamily="2" charset="0"/>
               </a:rPr>
-              <a:t>Premise</a:t>
-            </a:r>
-            <a:endParaRPr lang="de-CH" sz="1600" dirty="0"/>
+              <a:t>Placeholder</a:t>
+            </a:r>
+            <a:endParaRPr lang="en-US" dirty="0"/>
           </a:p>
         </p:txBody>
       </p:sp>
     </p:spTree>
     <p:extLst>
       <p:ext uri="{BB962C8B-B14F-4D97-AF65-F5344CB8AC3E}">
-        <p14:creationId xmlns:p14="http://schemas.microsoft.com/office/powerpoint/2010/main" val="1358001949"/>
+        <p14:creationId xmlns:p14="http://schemas.microsoft.com/office/powerpoint/2010/main" val="333524413"/>
       </p:ext>
     </p:extLst>
   </p:cSld>

--- a/presentation.pptx
+++ b/presentation.pptx
@@ -5,7 +5,7 @@
     <p:sldMasterId id="2147483684" r:id="rId1"/>
   </p:sldMasterIdLst>
   <p:notesMasterIdLst>
-    <p:notesMasterId r:id="rId19"/>
+    <p:notesMasterId r:id="rId20"/>
   </p:notesMasterIdLst>
   <p:sldIdLst>
     <p:sldId id="278" r:id="rId2"/>
@@ -14,17 +14,18 @@
     <p:sldId id="459" r:id="rId5"/>
     <p:sldId id="293" r:id="rId6"/>
     <p:sldId id="457" r:id="rId7"/>
-    <p:sldId id="458" r:id="rId8"/>
-    <p:sldId id="460" r:id="rId9"/>
-    <p:sldId id="461" r:id="rId10"/>
-    <p:sldId id="277" r:id="rId11"/>
-    <p:sldId id="319" r:id="rId12"/>
-    <p:sldId id="273" r:id="rId13"/>
-    <p:sldId id="455" r:id="rId14"/>
-    <p:sldId id="267" r:id="rId15"/>
-    <p:sldId id="275" r:id="rId16"/>
-    <p:sldId id="268" r:id="rId17"/>
-    <p:sldId id="279" r:id="rId18"/>
+    <p:sldId id="462" r:id="rId8"/>
+    <p:sldId id="463" r:id="rId9"/>
+    <p:sldId id="460" r:id="rId10"/>
+    <p:sldId id="461" r:id="rId11"/>
+    <p:sldId id="277" r:id="rId12"/>
+    <p:sldId id="319" r:id="rId13"/>
+    <p:sldId id="273" r:id="rId14"/>
+    <p:sldId id="455" r:id="rId15"/>
+    <p:sldId id="267" r:id="rId16"/>
+    <p:sldId id="275" r:id="rId17"/>
+    <p:sldId id="268" r:id="rId18"/>
+    <p:sldId id="279" r:id="rId19"/>
   </p:sldIdLst>
   <p:sldSz cx="12192000" cy="6858000"/>
   <p:notesSz cx="6858000" cy="9144000"/>
@@ -134,7 +135,8 @@
             <p14:sldId id="459"/>
             <p14:sldId id="293"/>
             <p14:sldId id="457"/>
-            <p14:sldId id="458"/>
+            <p14:sldId id="462"/>
+            <p14:sldId id="463"/>
             <p14:sldId id="460"/>
             <p14:sldId id="461"/>
             <p14:sldId id="277"/>
@@ -245,7 +247,7 @@
           <a:p>
             <a:fld id="{D987070D-87AF-4443-8990-425EA27CC244}" type="datetimeFigureOut">
               <a:rPr lang="de-CH" smtClean="0"/>
-              <a:t>08.06.2018</a:t>
+              <a:t>12.06.2018</a:t>
             </a:fld>
             <a:endParaRPr lang="de-CH"/>
           </a:p>
@@ -641,7 +643,45 @@
           <a:bodyPr/>
           <a:lstStyle/>
           <a:p>
-            <a:endParaRPr lang="en-US" baseline="0" dirty="0"/>
+            <a:r>
+              <a:rPr lang="en-US" dirty="0"/>
+              <a:t>But now you have this </a:t>
+            </a:r>
+            <a:r>
+              <a:rPr lang="en-US" dirty="0" err="1"/>
+              <a:t>dist</a:t>
+            </a:r>
+            <a:r>
+              <a:rPr lang="en-US" dirty="0"/>
+              <a:t> systems mess. How the heck do you know what is going on</a:t>
+            </a:r>
+          </a:p>
+          <a:p>
+            <a:r>
+              <a:rPr lang="en-US" dirty="0"/>
+              <a:t>How to troubleshoot</a:t>
+            </a:r>
+          </a:p>
+          <a:p>
+            <a:r>
+              <a:rPr lang="en-US" dirty="0"/>
+              <a:t>How to monitor</a:t>
+            </a:r>
+          </a:p>
+          <a:p>
+            <a:r>
+              <a:rPr lang="en-US" dirty="0"/>
+              <a:t>How to visualize</a:t>
+            </a:r>
+          </a:p>
+          <a:p>
+            <a:r>
+              <a:rPr lang="en-US" dirty="0"/>
+              <a:t>How to determine whether the consumers are coping with the load</a:t>
+            </a:r>
+          </a:p>
+          <a:p>
+            <a:endParaRPr lang="de-CH" dirty="0"/>
           </a:p>
         </p:txBody>
       </p:sp>
@@ -671,7 +711,7 @@
     </p:spTree>
     <p:extLst>
       <p:ext uri="{BB962C8B-B14F-4D97-AF65-F5344CB8AC3E}">
-        <p14:creationId xmlns:p14="http://schemas.microsoft.com/office/powerpoint/2010/main" val="4119975973"/>
+        <p14:creationId xmlns:p14="http://schemas.microsoft.com/office/powerpoint/2010/main" val="3027147816"/>
       </p:ext>
     </p:extLst>
   </p:cSld>
@@ -725,7 +765,7 @@
           <a:bodyPr/>
           <a:lstStyle/>
           <a:p>
-            <a:endParaRPr lang="de-CH" dirty="0"/>
+            <a:endParaRPr lang="en-US" baseline="0" dirty="0"/>
           </a:p>
         </p:txBody>
       </p:sp>
@@ -755,7 +795,7 @@
     </p:spTree>
     <p:extLst>
       <p:ext uri="{BB962C8B-B14F-4D97-AF65-F5344CB8AC3E}">
-        <p14:creationId xmlns:p14="http://schemas.microsoft.com/office/powerpoint/2010/main" val="1291193727"/>
+        <p14:creationId xmlns:p14="http://schemas.microsoft.com/office/powerpoint/2010/main" val="4119975973"/>
       </p:ext>
     </p:extLst>
   </p:cSld>
@@ -839,7 +879,7 @@
     </p:spTree>
     <p:extLst>
       <p:ext uri="{BB962C8B-B14F-4D97-AF65-F5344CB8AC3E}">
-        <p14:creationId xmlns:p14="http://schemas.microsoft.com/office/powerpoint/2010/main" val="3503916100"/>
+        <p14:creationId xmlns:p14="http://schemas.microsoft.com/office/powerpoint/2010/main" val="1291193727"/>
       </p:ext>
     </p:extLst>
   </p:cSld>
@@ -914,7 +954,7 @@
           <a:p>
             <a:fld id="{9BCA07FD-5BD5-4529-84B0-48DD2C561176}" type="slidenum">
               <a:rPr lang="de-CH" smtClean="0"/>
-              <a:t>14</a:t>
+              <a:t>13</a:t>
             </a:fld>
             <a:endParaRPr lang="de-CH"/>
           </a:p>
@@ -923,7 +963,7 @@
     </p:spTree>
     <p:extLst>
       <p:ext uri="{BB962C8B-B14F-4D97-AF65-F5344CB8AC3E}">
-        <p14:creationId xmlns:p14="http://schemas.microsoft.com/office/powerpoint/2010/main" val="3670487613"/>
+        <p14:creationId xmlns:p14="http://schemas.microsoft.com/office/powerpoint/2010/main" val="3503916100"/>
       </p:ext>
     </p:extLst>
   </p:cSld>
@@ -1007,7 +1047,7 @@
     </p:spTree>
     <p:extLst>
       <p:ext uri="{BB962C8B-B14F-4D97-AF65-F5344CB8AC3E}">
-        <p14:creationId xmlns:p14="http://schemas.microsoft.com/office/powerpoint/2010/main" val="978782014"/>
+        <p14:creationId xmlns:p14="http://schemas.microsoft.com/office/powerpoint/2010/main" val="3670487613"/>
       </p:ext>
     </p:extLst>
   </p:cSld>
@@ -1061,95 +1101,6 @@
           <a:bodyPr/>
           <a:lstStyle/>
           <a:p>
-            <a:r>
-              <a:rPr lang="en-US" dirty="0"/>
-              <a:t>I’m Daniel, </a:t>
-            </a:r>
-            <a:r>
-              <a:rPr lang="en-US"/>
-              <a:t>Solution Engineer…</a:t>
-            </a:r>
-            <a:endParaRPr lang="en-US" dirty="0"/>
-          </a:p>
-          <a:p>
-            <a:r>
-              <a:rPr lang="en-US" dirty="0"/>
-              <a:t>I live in central</a:t>
-            </a:r>
-            <a:r>
-              <a:rPr lang="en-US" baseline="0" dirty="0"/>
-              <a:t> Switzerland. If you want to know more about me listen to episode 77 of developer on fire</a:t>
-            </a:r>
-            <a:endParaRPr lang="en-US" dirty="0"/>
-          </a:p>
-          <a:p>
-            <a:r>
-              <a:rPr lang="en-US" dirty="0"/>
-              <a:t>You can reach me on twitter under @</a:t>
-            </a:r>
-            <a:r>
-              <a:rPr lang="en-US" dirty="0" err="1"/>
-              <a:t>danielmarbach</a:t>
-            </a:r>
-            <a:endParaRPr lang="en-US" dirty="0"/>
-          </a:p>
-          <a:p>
-            <a:r>
-              <a:rPr lang="en-US" dirty="0"/>
-              <a:t>I blog on the particular blog and on my personal blog</a:t>
-            </a:r>
-          </a:p>
-          <a:p>
-            <a:r>
-              <a:rPr lang="en-US" dirty="0"/>
-              <a:t>I’m the lead behind the </a:t>
-            </a:r>
-            <a:r>
-              <a:rPr lang="en-US" dirty="0" err="1"/>
-              <a:t>asyncification</a:t>
-            </a:r>
-            <a:r>
-              <a:rPr lang="en-US" baseline="0" dirty="0"/>
-              <a:t> of </a:t>
-            </a:r>
-            <a:r>
-              <a:rPr lang="en-US" baseline="0" dirty="0" err="1"/>
-              <a:t>NServiceBus</a:t>
-            </a:r>
-            <a:r>
-              <a:rPr lang="en-US" baseline="0" dirty="0"/>
-              <a:t> and the ecosystem around it</a:t>
-            </a:r>
-          </a:p>
-          <a:p>
-            <a:r>
-              <a:rPr lang="en-US" baseline="0" dirty="0"/>
-              <a:t>I regularly contribute back ideas and code changes to </a:t>
-            </a:r>
-            <a:r>
-              <a:rPr lang="en-US" baseline="0" dirty="0" err="1"/>
-              <a:t>asyncify</a:t>
-            </a:r>
-            <a:r>
-              <a:rPr lang="en-US" baseline="0" dirty="0"/>
-              <a:t> the .NET OSS libraries and frameworks out there. So far I contributed to Entity Framework, </a:t>
-            </a:r>
-            <a:r>
-              <a:rPr lang="en-US" baseline="0" dirty="0" err="1"/>
-              <a:t>RabbitMQ</a:t>
-            </a:r>
-            <a:r>
-              <a:rPr lang="en-US" baseline="0" dirty="0"/>
-              <a:t>, Marten, </a:t>
-            </a:r>
-            <a:r>
-              <a:rPr lang="en-US" baseline="0" dirty="0" err="1"/>
-              <a:t>MassTransit</a:t>
-            </a:r>
-            <a:r>
-              <a:rPr lang="en-US" baseline="0" dirty="0"/>
-              <a:t>, Quartz.NET and many more</a:t>
-            </a:r>
             <a:endParaRPr lang="de-CH" dirty="0"/>
           </a:p>
         </p:txBody>
@@ -1180,7 +1131,7 @@
     </p:spTree>
     <p:extLst>
       <p:ext uri="{BB962C8B-B14F-4D97-AF65-F5344CB8AC3E}">
-        <p14:creationId xmlns:p14="http://schemas.microsoft.com/office/powerpoint/2010/main" val="88145516"/>
+        <p14:creationId xmlns:p14="http://schemas.microsoft.com/office/powerpoint/2010/main" val="978782014"/>
       </p:ext>
     </p:extLst>
   </p:cSld>
@@ -1235,12 +1186,93 @@
           <a:lstStyle/>
           <a:p>
             <a:r>
-              <a:rPr lang="de-CH" dirty="0"/>
-              <a:t>Thank you very much</a:t>
-            </a:r>
-            <a:r>
-              <a:rPr lang="de-CH" baseline="0" dirty="0"/>
-              <a:t> for listening and see you next time</a:t>
+              <a:rPr lang="en-US" dirty="0"/>
+              <a:t>I’m Daniel, </a:t>
+            </a:r>
+            <a:r>
+              <a:rPr lang="en-US"/>
+              <a:t>Solution Engineer…</a:t>
+            </a:r>
+            <a:endParaRPr lang="en-US" dirty="0"/>
+          </a:p>
+          <a:p>
+            <a:r>
+              <a:rPr lang="en-US" dirty="0"/>
+              <a:t>I live in central</a:t>
+            </a:r>
+            <a:r>
+              <a:rPr lang="en-US" baseline="0" dirty="0"/>
+              <a:t> Switzerland. If you want to know more about me listen to episode 77 of developer on fire</a:t>
+            </a:r>
+            <a:endParaRPr lang="en-US" dirty="0"/>
+          </a:p>
+          <a:p>
+            <a:r>
+              <a:rPr lang="en-US" dirty="0"/>
+              <a:t>You can reach me on twitter under @</a:t>
+            </a:r>
+            <a:r>
+              <a:rPr lang="en-US" dirty="0" err="1"/>
+              <a:t>danielmarbach</a:t>
+            </a:r>
+            <a:endParaRPr lang="en-US" dirty="0"/>
+          </a:p>
+          <a:p>
+            <a:r>
+              <a:rPr lang="en-US" dirty="0"/>
+              <a:t>I blog on the particular blog and on my personal blog</a:t>
+            </a:r>
+          </a:p>
+          <a:p>
+            <a:r>
+              <a:rPr lang="en-US" dirty="0"/>
+              <a:t>I’m the lead behind the </a:t>
+            </a:r>
+            <a:r>
+              <a:rPr lang="en-US" dirty="0" err="1"/>
+              <a:t>asyncification</a:t>
+            </a:r>
+            <a:r>
+              <a:rPr lang="en-US" baseline="0" dirty="0"/>
+              <a:t> of </a:t>
+            </a:r>
+            <a:r>
+              <a:rPr lang="en-US" baseline="0" dirty="0" err="1"/>
+              <a:t>NServiceBus</a:t>
+            </a:r>
+            <a:r>
+              <a:rPr lang="en-US" baseline="0" dirty="0"/>
+              <a:t> and the ecosystem around it</a:t>
+            </a:r>
+          </a:p>
+          <a:p>
+            <a:r>
+              <a:rPr lang="en-US" baseline="0" dirty="0"/>
+              <a:t>I regularly contribute back ideas and code changes to </a:t>
+            </a:r>
+            <a:r>
+              <a:rPr lang="en-US" baseline="0" dirty="0" err="1"/>
+              <a:t>asyncify</a:t>
+            </a:r>
+            <a:r>
+              <a:rPr lang="en-US" baseline="0" dirty="0"/>
+              <a:t> the .NET OSS libraries and frameworks out there. So far I contributed to Entity Framework, </a:t>
+            </a:r>
+            <a:r>
+              <a:rPr lang="en-US" baseline="0" dirty="0" err="1"/>
+              <a:t>RabbitMQ</a:t>
+            </a:r>
+            <a:r>
+              <a:rPr lang="en-US" baseline="0" dirty="0"/>
+              <a:t>, Marten, </a:t>
+            </a:r>
+            <a:r>
+              <a:rPr lang="en-US" baseline="0" dirty="0" err="1"/>
+              <a:t>MassTransit</a:t>
+            </a:r>
+            <a:r>
+              <a:rPr lang="en-US" baseline="0" dirty="0"/>
+              <a:t>, Quartz.NET and many more</a:t>
             </a:r>
             <a:endParaRPr lang="de-CH" dirty="0"/>
           </a:p>
@@ -1264,6 +1296,98 @@
             <a:fld id="{9BCA07FD-5BD5-4529-84B0-48DD2C561176}" type="slidenum">
               <a:rPr lang="de-CH" smtClean="0"/>
               <a:t>17</a:t>
+            </a:fld>
+            <a:endParaRPr lang="de-CH"/>
+          </a:p>
+        </p:txBody>
+      </p:sp>
+    </p:spTree>
+    <p:extLst>
+      <p:ext uri="{BB962C8B-B14F-4D97-AF65-F5344CB8AC3E}">
+        <p14:creationId xmlns:p14="http://schemas.microsoft.com/office/powerpoint/2010/main" val="88145516"/>
+      </p:ext>
+    </p:extLst>
+  </p:cSld>
+  <p:clrMapOvr>
+    <a:masterClrMapping/>
+  </p:clrMapOvr>
+</p:notes>
+</file>
+
+<file path=ppt/notesSlides/notesSlide17.xml><?xml version="1.0" encoding="utf-8"?>
+<p:notes xmlns:a="http://schemas.openxmlformats.org/drawingml/2006/main" xmlns:r="http://schemas.openxmlformats.org/officeDocument/2006/relationships" xmlns:p="http://schemas.openxmlformats.org/presentationml/2006/main">
+  <p:cSld>
+    <p:spTree>
+      <p:nvGrpSpPr>
+        <p:cNvPr id="1" name=""/>
+        <p:cNvGrpSpPr/>
+        <p:nvPr/>
+      </p:nvGrpSpPr>
+      <p:grpSpPr>
+        <a:xfrm>
+          <a:off x="0" y="0"/>
+          <a:ext cx="0" cy="0"/>
+          <a:chOff x="0" y="0"/>
+          <a:chExt cx="0" cy="0"/>
+        </a:xfrm>
+      </p:grpSpPr>
+      <p:sp>
+        <p:nvSpPr>
+          <p:cNvPr id="2" name="Slide Image Placeholder 1"/>
+          <p:cNvSpPr>
+            <a:spLocks noGrp="1" noRot="1" noChangeAspect="1"/>
+          </p:cNvSpPr>
+          <p:nvPr>
+            <p:ph type="sldImg"/>
+          </p:nvPr>
+        </p:nvSpPr>
+        <p:spPr/>
+      </p:sp>
+      <p:sp>
+        <p:nvSpPr>
+          <p:cNvPr id="3" name="Notes Placeholder 2"/>
+          <p:cNvSpPr>
+            <a:spLocks noGrp="1"/>
+          </p:cNvSpPr>
+          <p:nvPr>
+            <p:ph type="body" idx="1"/>
+          </p:nvPr>
+        </p:nvSpPr>
+        <p:spPr/>
+        <p:txBody>
+          <a:bodyPr/>
+          <a:lstStyle/>
+          <a:p>
+            <a:r>
+              <a:rPr lang="de-CH" dirty="0"/>
+              <a:t>Thank you very much</a:t>
+            </a:r>
+            <a:r>
+              <a:rPr lang="de-CH" baseline="0" dirty="0"/>
+              <a:t> for listening and see you next time</a:t>
+            </a:r>
+            <a:endParaRPr lang="de-CH" dirty="0"/>
+          </a:p>
+        </p:txBody>
+      </p:sp>
+      <p:sp>
+        <p:nvSpPr>
+          <p:cNvPr id="4" name="Slide Number Placeholder 3"/>
+          <p:cNvSpPr>
+            <a:spLocks noGrp="1"/>
+          </p:cNvSpPr>
+          <p:nvPr>
+            <p:ph type="sldNum" sz="quarter" idx="10"/>
+          </p:nvPr>
+        </p:nvSpPr>
+        <p:spPr/>
+        <p:txBody>
+          <a:bodyPr/>
+          <a:lstStyle/>
+          <a:p>
+            <a:fld id="{9BCA07FD-5BD5-4529-84B0-48DD2C561176}" type="slidenum">
+              <a:rPr lang="de-CH" smtClean="0"/>
+              <a:t>18</a:t>
             </a:fld>
             <a:endParaRPr lang="de-CH"/>
           </a:p>
@@ -2015,13 +2139,21 @@
           <a:p>
             <a:r>
               <a:rPr lang="en-ZA" dirty="0"/>
-              <a:t>Sending messages</a:t>
+              <a:t>Sending messages – Mapping a business intent to a message, hopefully a command</a:t>
             </a:r>
           </a:p>
           <a:p>
             <a:r>
               <a:rPr lang="en-ZA" dirty="0"/>
-              <a:t>Receiving</a:t>
+              <a:t>Receiving – Getting a message out of the queue, dispatch </a:t>
+            </a:r>
+            <a:r>
+              <a:rPr lang="en-ZA" dirty="0" err="1"/>
+              <a:t>businesslogic</a:t>
+            </a:r>
+            <a:r>
+              <a:rPr lang="en-ZA" dirty="0"/>
+              <a:t> and eventually publish more messages, hopefully an event</a:t>
             </a:r>
           </a:p>
           <a:p>
@@ -2030,7 +2162,7 @@
           <a:p>
             <a:r>
               <a:rPr lang="en-ZA" dirty="0"/>
-              <a:t>Use Slide 5 augmented with these concepts</a:t>
+              <a:t>Super simple isn’t it? Let’s see some code!</a:t>
             </a:r>
           </a:p>
         </p:txBody>
@@ -2050,18 +2182,18 @@
           <a:bodyPr/>
           <a:lstStyle/>
           <a:p>
-            <a:fld id="{9BCA07FD-5BD5-4529-84B0-48DD2C561176}" type="slidenum">
-              <a:rPr lang="de-CH" smtClean="0"/>
+            <a:fld id="{59E9685D-E391-4BCC-987B-6FB0218A8DB9}" type="slidenum">
+              <a:rPr lang="en-US" smtClean="0"/>
               <a:t>7</a:t>
             </a:fld>
-            <a:endParaRPr lang="de-CH"/>
+            <a:endParaRPr lang="en-US"/>
           </a:p>
         </p:txBody>
       </p:sp>
     </p:spTree>
     <p:extLst>
       <p:ext uri="{BB962C8B-B14F-4D97-AF65-F5344CB8AC3E}">
-        <p14:creationId xmlns:p14="http://schemas.microsoft.com/office/powerpoint/2010/main" val="2926910538"/>
+        <p14:creationId xmlns:p14="http://schemas.microsoft.com/office/powerpoint/2010/main" val="4268826944"/>
       </p:ext>
     </p:extLst>
   </p:cSld>
@@ -2115,30 +2247,7 @@
           <a:bodyPr/>
           <a:lstStyle/>
           <a:p>
-            <a:r>
-              <a:rPr lang="en-US" dirty="0"/>
-              <a:t>We showed the basic bits send and receive as well as </a:t>
-            </a:r>
-            <a:r>
-              <a:rPr lang="en-US" dirty="0" err="1"/>
-              <a:t>tx</a:t>
-            </a:r>
             <a:endParaRPr lang="en-US" dirty="0"/>
-          </a:p>
-          <a:p>
-            <a:r>
-              <a:rPr lang="en-US" dirty="0"/>
-              <a:t>But what about delayed delivery, </a:t>
-            </a:r>
-            <a:r>
-              <a:rPr lang="en-US" dirty="0" err="1"/>
-              <a:t>scaleout</a:t>
-            </a:r>
-            <a:r>
-              <a:rPr lang="en-US" dirty="0"/>
-              <a:t>, competing consumer, state management, runtime configuration for routing to adjust to topology changes, pub/sub, retries</a:t>
-            </a:r>
-            <a:endParaRPr lang="en-ZA" dirty="0"/>
           </a:p>
         </p:txBody>
       </p:sp>
@@ -2168,7 +2277,7 @@
     </p:spTree>
     <p:extLst>
       <p:ext uri="{BB962C8B-B14F-4D97-AF65-F5344CB8AC3E}">
-        <p14:creationId xmlns:p14="http://schemas.microsoft.com/office/powerpoint/2010/main" val="937733103"/>
+        <p14:creationId xmlns:p14="http://schemas.microsoft.com/office/powerpoint/2010/main" val="1832754631"/>
       </p:ext>
     </p:extLst>
   </p:cSld>
@@ -2224,43 +2333,28 @@
           <a:p>
             <a:r>
               <a:rPr lang="en-US" dirty="0"/>
-              <a:t>But now you have this </a:t>
+              <a:t>We showed the basic bits send and receive as well as </a:t>
             </a:r>
             <a:r>
               <a:rPr lang="en-US" dirty="0" err="1"/>
-              <a:t>dist</a:t>
-            </a:r>
+              <a:t>tx</a:t>
+            </a:r>
+            <a:endParaRPr lang="en-US" dirty="0"/>
+          </a:p>
+          <a:p>
             <a:r>
               <a:rPr lang="en-US" dirty="0"/>
-              <a:t> systems mess. How the heck do you know what is going on</a:t>
-            </a:r>
-          </a:p>
-          <a:p>
+              <a:t>But what about delayed delivery, </a:t>
+            </a:r>
+            <a:r>
+              <a:rPr lang="en-US" dirty="0" err="1"/>
+              <a:t>scaleout</a:t>
+            </a:r>
             <a:r>
               <a:rPr lang="en-US" dirty="0"/>
-              <a:t>How to troubleshoot</a:t>
-            </a:r>
-          </a:p>
-          <a:p>
-            <a:r>
-              <a:rPr lang="en-US" dirty="0"/>
-              <a:t>How to monitor</a:t>
-            </a:r>
-          </a:p>
-          <a:p>
-            <a:r>
-              <a:rPr lang="en-US" dirty="0"/>
-              <a:t>How to visualize</a:t>
-            </a:r>
-          </a:p>
-          <a:p>
-            <a:r>
-              <a:rPr lang="en-US" dirty="0"/>
-              <a:t>How to determine whether the consumers are coping with the load</a:t>
-            </a:r>
-          </a:p>
-          <a:p>
-            <a:endParaRPr lang="de-CH" dirty="0"/>
+              <a:t>, competing consumer, state management, runtime configuration for routing to adjust to topology changes, pub/sub, retries</a:t>
+            </a:r>
+            <a:endParaRPr lang="en-ZA" dirty="0"/>
           </a:p>
         </p:txBody>
       </p:sp>
@@ -2290,7 +2384,7 @@
     </p:spTree>
     <p:extLst>
       <p:ext uri="{BB962C8B-B14F-4D97-AF65-F5344CB8AC3E}">
-        <p14:creationId xmlns:p14="http://schemas.microsoft.com/office/powerpoint/2010/main" val="3027147816"/>
+        <p14:creationId xmlns:p14="http://schemas.microsoft.com/office/powerpoint/2010/main" val="937733103"/>
       </p:ext>
     </p:extLst>
   </p:cSld>
@@ -2431,7 +2525,7 @@
           <a:p>
             <a:fld id="{A2EAEABE-1D59-4413-813E-803E21872067}" type="datetimeFigureOut">
               <a:rPr lang="de-CH" smtClean="0"/>
-              <a:t>08.06.2018</a:t>
+              <a:t>12.06.2018</a:t>
             </a:fld>
             <a:endParaRPr lang="de-CH"/>
           </a:p>
@@ -2601,7 +2695,7 @@
           <a:p>
             <a:fld id="{A2EAEABE-1D59-4413-813E-803E21872067}" type="datetimeFigureOut">
               <a:rPr lang="de-CH" smtClean="0"/>
-              <a:t>08.06.2018</a:t>
+              <a:t>12.06.2018</a:t>
             </a:fld>
             <a:endParaRPr lang="de-CH"/>
           </a:p>
@@ -2781,7 +2875,7 @@
           <a:p>
             <a:fld id="{A2EAEABE-1D59-4413-813E-803E21872067}" type="datetimeFigureOut">
               <a:rPr lang="de-CH" smtClean="0"/>
-              <a:t>08.06.2018</a:t>
+              <a:t>12.06.2018</a:t>
             </a:fld>
             <a:endParaRPr lang="de-CH"/>
           </a:p>
@@ -2950,7 +3044,7 @@
           <a:p>
             <a:fld id="{A2EAEABE-1D59-4413-813E-803E21872067}" type="datetimeFigureOut">
               <a:rPr lang="de-CH" smtClean="0"/>
-              <a:t>08.06.2018</a:t>
+              <a:t>12.06.2018</a:t>
             </a:fld>
             <a:endParaRPr lang="de-CH"/>
           </a:p>
@@ -3196,7 +3290,7 @@
           <a:p>
             <a:fld id="{A2EAEABE-1D59-4413-813E-803E21872067}" type="datetimeFigureOut">
               <a:rPr lang="de-CH" smtClean="0"/>
-              <a:t>08.06.2018</a:t>
+              <a:t>12.06.2018</a:t>
             </a:fld>
             <a:endParaRPr lang="de-CH"/>
           </a:p>
@@ -3428,7 +3522,7 @@
           <a:p>
             <a:fld id="{A2EAEABE-1D59-4413-813E-803E21872067}" type="datetimeFigureOut">
               <a:rPr lang="de-CH" smtClean="0"/>
-              <a:t>08.06.2018</a:t>
+              <a:t>12.06.2018</a:t>
             </a:fld>
             <a:endParaRPr lang="de-CH"/>
           </a:p>
@@ -3795,7 +3889,7 @@
           <a:p>
             <a:fld id="{A2EAEABE-1D59-4413-813E-803E21872067}" type="datetimeFigureOut">
               <a:rPr lang="de-CH" smtClean="0"/>
-              <a:t>08.06.2018</a:t>
+              <a:t>12.06.2018</a:t>
             </a:fld>
             <a:endParaRPr lang="de-CH"/>
           </a:p>
@@ -3913,7 +4007,7 @@
           <a:p>
             <a:fld id="{A2EAEABE-1D59-4413-813E-803E21872067}" type="datetimeFigureOut">
               <a:rPr lang="de-CH" smtClean="0"/>
-              <a:t>08.06.2018</a:t>
+              <a:t>12.06.2018</a:t>
             </a:fld>
             <a:endParaRPr lang="de-CH"/>
           </a:p>
@@ -4008,7 +4102,7 @@
           <a:p>
             <a:fld id="{A2EAEABE-1D59-4413-813E-803E21872067}" type="datetimeFigureOut">
               <a:rPr lang="de-CH" smtClean="0"/>
-              <a:t>08.06.2018</a:t>
+              <a:t>12.06.2018</a:t>
             </a:fld>
             <a:endParaRPr lang="de-CH"/>
           </a:p>
@@ -4285,7 +4379,7 @@
           <a:p>
             <a:fld id="{A2EAEABE-1D59-4413-813E-803E21872067}" type="datetimeFigureOut">
               <a:rPr lang="de-CH" smtClean="0"/>
-              <a:t>08.06.2018</a:t>
+              <a:t>12.06.2018</a:t>
             </a:fld>
             <a:endParaRPr lang="de-CH"/>
           </a:p>
@@ -4542,7 +4636,7 @@
           <a:p>
             <a:fld id="{A2EAEABE-1D59-4413-813E-803E21872067}" type="datetimeFigureOut">
               <a:rPr lang="de-CH" smtClean="0"/>
-              <a:t>08.06.2018</a:t>
+              <a:t>12.06.2018</a:t>
             </a:fld>
             <a:endParaRPr lang="de-CH"/>
           </a:p>
@@ -4753,7 +4847,7 @@
           <a:p>
             <a:fld id="{A2EAEABE-1D59-4413-813E-803E21872067}" type="datetimeFigureOut">
               <a:rPr lang="de-CH" smtClean="0"/>
-              <a:t>08.06.2018</a:t>
+              <a:t>12.06.2018</a:t>
             </a:fld>
             <a:endParaRPr lang="de-CH"/>
           </a:p>
@@ -5292,43 +5386,48 @@
       </p:grpSpPr>
       <p:sp>
         <p:nvSpPr>
-          <p:cNvPr id="5" name="Rectangle 4"/>
+          <p:cNvPr id="2" name="Rectangle 1">
+            <a:extLst>
+              <a:ext uri="{FF2B5EF4-FFF2-40B4-BE49-F238E27FC236}">
+                <a16:creationId xmlns:a16="http://schemas.microsoft.com/office/drawing/2014/main" id="{A806BDD5-DAAF-4F61-BAD4-94A06101EC71}"/>
+              </a:ext>
+            </a:extLst>
+          </p:cNvPr>
           <p:cNvSpPr/>
           <p:nvPr/>
         </p:nvSpPr>
         <p:spPr>
           <a:xfrm>
-            <a:off x="0" y="1952437"/>
-            <a:ext cx="4999912" cy="2646878"/>
+            <a:off x="4929655" y="3013502"/>
+            <a:ext cx="2332690" cy="830997"/>
           </a:xfrm>
           <a:prstGeom prst="rect">
             <a:avLst/>
           </a:prstGeom>
         </p:spPr>
         <p:txBody>
-          <a:bodyPr wrap="square">
+          <a:bodyPr wrap="none">
             <a:spAutoFit/>
           </a:bodyPr>
           <a:lstStyle/>
           <a:p>
-            <a:pPr algn="ctr"/>
-            <a:r>
-              <a:rPr lang="en-US" sz="16600" dirty="0">
+            <a:r>
+              <a:rPr lang="en-US" sz="4800" dirty="0">
                 <a:solidFill>
-                  <a:schemeClr val="accent2"/>
+                  <a:schemeClr val="tx2"/>
                 </a:solidFill>
                 <a:latin typeface="Yanone Kaffeesatz Regular" panose="02000000000000000000" pitchFamily="2" charset="0"/>
               </a:rPr>
-              <a:t>Goals</a:t>
-            </a:r>
-            <a:endParaRPr lang="de-CH" dirty="0"/>
+              <a:t>Placeholder</a:t>
+            </a:r>
+            <a:endParaRPr lang="en-US" dirty="0"/>
           </a:p>
         </p:txBody>
       </p:sp>
     </p:spTree>
     <p:extLst>
       <p:ext uri="{BB962C8B-B14F-4D97-AF65-F5344CB8AC3E}">
-        <p14:creationId xmlns:p14="http://schemas.microsoft.com/office/powerpoint/2010/main" val="2864408021"/>
+        <p14:creationId xmlns:p14="http://schemas.microsoft.com/office/powerpoint/2010/main" val="333524413"/>
       </p:ext>
     </p:extLst>
   </p:cSld>
@@ -5357,14 +5456,14 @@
       </p:grpSpPr>
       <p:sp>
         <p:nvSpPr>
-          <p:cNvPr id="2" name="Rectangle 1"/>
+          <p:cNvPr id="5" name="Rectangle 4"/>
           <p:cNvSpPr/>
           <p:nvPr/>
         </p:nvSpPr>
         <p:spPr>
           <a:xfrm>
             <a:off x="0" y="1952437"/>
-            <a:ext cx="4999912" cy="2215991"/>
+            <a:ext cx="4999912" cy="2646878"/>
           </a:xfrm>
           <a:prstGeom prst="rect">
             <a:avLst/>
@@ -5378,22 +5477,22 @@
           <a:p>
             <a:pPr algn="ctr"/>
             <a:r>
-              <a:rPr lang="en-US" sz="13800" dirty="0">
+              <a:rPr lang="en-US" sz="16600" dirty="0">
                 <a:solidFill>
                   <a:schemeClr val="accent2"/>
                 </a:solidFill>
                 <a:latin typeface="Yanone Kaffeesatz Regular" panose="02000000000000000000" pitchFamily="2" charset="0"/>
               </a:rPr>
-              <a:t>Premise</a:t>
-            </a:r>
-            <a:endParaRPr lang="de-CH" sz="1600" dirty="0"/>
+              <a:t>Goals</a:t>
+            </a:r>
+            <a:endParaRPr lang="de-CH" dirty="0"/>
           </a:p>
         </p:txBody>
       </p:sp>
     </p:spTree>
     <p:extLst>
       <p:ext uri="{BB962C8B-B14F-4D97-AF65-F5344CB8AC3E}">
-        <p14:creationId xmlns:p14="http://schemas.microsoft.com/office/powerpoint/2010/main" val="1358001949"/>
+        <p14:creationId xmlns:p14="http://schemas.microsoft.com/office/powerpoint/2010/main" val="2864408021"/>
       </p:ext>
     </p:extLst>
   </p:cSld>
@@ -5422,6 +5521,71 @@
       </p:grpSpPr>
       <p:sp>
         <p:nvSpPr>
+          <p:cNvPr id="2" name="Rectangle 1"/>
+          <p:cNvSpPr/>
+          <p:nvPr/>
+        </p:nvSpPr>
+        <p:spPr>
+          <a:xfrm>
+            <a:off x="0" y="1952437"/>
+            <a:ext cx="4999912" cy="2215991"/>
+          </a:xfrm>
+          <a:prstGeom prst="rect">
+            <a:avLst/>
+          </a:prstGeom>
+        </p:spPr>
+        <p:txBody>
+          <a:bodyPr wrap="square">
+            <a:spAutoFit/>
+          </a:bodyPr>
+          <a:lstStyle/>
+          <a:p>
+            <a:pPr algn="ctr"/>
+            <a:r>
+              <a:rPr lang="en-US" sz="13800" dirty="0">
+                <a:solidFill>
+                  <a:schemeClr val="accent2"/>
+                </a:solidFill>
+                <a:latin typeface="Yanone Kaffeesatz Regular" panose="02000000000000000000" pitchFamily="2" charset="0"/>
+              </a:rPr>
+              <a:t>Premise</a:t>
+            </a:r>
+            <a:endParaRPr lang="de-CH" sz="1600" dirty="0"/>
+          </a:p>
+        </p:txBody>
+      </p:sp>
+    </p:spTree>
+    <p:extLst>
+      <p:ext uri="{BB962C8B-B14F-4D97-AF65-F5344CB8AC3E}">
+        <p14:creationId xmlns:p14="http://schemas.microsoft.com/office/powerpoint/2010/main" val="1358001949"/>
+      </p:ext>
+    </p:extLst>
+  </p:cSld>
+  <p:clrMapOvr>
+    <a:masterClrMapping/>
+  </p:clrMapOvr>
+</p:sld>
+</file>
+
+<file path=ppt/slides/slide13.xml><?xml version="1.0" encoding="utf-8"?>
+<p:sld xmlns:a="http://schemas.openxmlformats.org/drawingml/2006/main" xmlns:r="http://schemas.openxmlformats.org/officeDocument/2006/relationships" xmlns:p="http://schemas.openxmlformats.org/presentationml/2006/main">
+  <p:cSld>
+    <p:spTree>
+      <p:nvGrpSpPr>
+        <p:cNvPr id="1" name=""/>
+        <p:cNvGrpSpPr/>
+        <p:nvPr/>
+      </p:nvGrpSpPr>
+      <p:grpSpPr>
+        <a:xfrm>
+          <a:off x="0" y="0"/>
+          <a:ext cx="0" cy="0"/>
+          <a:chOff x="0" y="0"/>
+          <a:chExt cx="0" cy="0"/>
+        </a:xfrm>
+      </p:grpSpPr>
+      <p:sp>
+        <p:nvSpPr>
           <p:cNvPr id="5" name="Rectangle 4"/>
           <p:cNvSpPr/>
           <p:nvPr/>
@@ -5468,7 +5632,7 @@
 </p:sld>
 </file>
 
-<file path=ppt/slides/slide13.xml><?xml version="1.0" encoding="utf-8"?>
+<file path=ppt/slides/slide14.xml><?xml version="1.0" encoding="utf-8"?>
 <p:sld xmlns:a="http://schemas.openxmlformats.org/drawingml/2006/main" xmlns:r="http://schemas.openxmlformats.org/officeDocument/2006/relationships" xmlns:p="http://schemas.openxmlformats.org/presentationml/2006/main">
   <p:cSld>
     <p:spTree>
@@ -5642,7 +5806,7 @@
 </p:sld>
 </file>
 
-<file path=ppt/slides/slide14.xml><?xml version="1.0" encoding="utf-8"?>
+<file path=ppt/slides/slide15.xml><?xml version="1.0" encoding="utf-8"?>
 <p:sld xmlns:a="http://schemas.openxmlformats.org/drawingml/2006/main" xmlns:r="http://schemas.openxmlformats.org/officeDocument/2006/relationships" xmlns:p="http://schemas.openxmlformats.org/presentationml/2006/main">
   <p:cSld>
     <p:spTree>
@@ -5772,7 +5936,7 @@
 </p:sld>
 </file>
 
-<file path=ppt/slides/slide15.xml><?xml version="1.0" encoding="utf-8"?>
+<file path=ppt/slides/slide16.xml><?xml version="1.0" encoding="utf-8"?>
 <p:sld xmlns:a="http://schemas.openxmlformats.org/drawingml/2006/main" xmlns:r="http://schemas.openxmlformats.org/officeDocument/2006/relationships" xmlns:p="http://schemas.openxmlformats.org/presentationml/2006/main">
   <p:cSld>
     <p:spTree>
@@ -5866,7 +6030,7 @@
 </p:sld>
 </file>
 
-<file path=ppt/slides/slide16.xml><?xml version="1.0" encoding="utf-8"?>
+<file path=ppt/slides/slide17.xml><?xml version="1.0" encoding="utf-8"?>
 <p:sld xmlns:a="http://schemas.openxmlformats.org/drawingml/2006/main" xmlns:r="http://schemas.openxmlformats.org/officeDocument/2006/relationships" xmlns:p="http://schemas.openxmlformats.org/presentationml/2006/main">
   <p:cSld>
     <p:spTree>
@@ -6052,7 +6216,7 @@
 </p:sld>
 </file>
 
-<file path=ppt/slides/slide17.xml><?xml version="1.0" encoding="utf-8"?>
+<file path=ppt/slides/slide18.xml><?xml version="1.0" encoding="utf-8"?>
 <p:sld xmlns:a="http://schemas.openxmlformats.org/drawingml/2006/main" xmlns:r="http://schemas.openxmlformats.org/officeDocument/2006/relationships" xmlns:p="http://schemas.openxmlformats.org/presentationml/2006/main">
   <p:cSld>
     <p:spTree>
@@ -9232,10 +9396,10 @@
       </p:grpSpPr>
       <p:sp>
         <p:nvSpPr>
-          <p:cNvPr id="2" name="Rectangle 1">
+          <p:cNvPr id="52" name="Rectangle 51">
             <a:extLst>
               <a:ext uri="{FF2B5EF4-FFF2-40B4-BE49-F238E27FC236}">
-                <a16:creationId xmlns:a16="http://schemas.microsoft.com/office/drawing/2014/main" id="{97DF7351-ACAE-4CE4-896D-15AB831B0D59}"/>
+                <a16:creationId xmlns:a16="http://schemas.microsoft.com/office/drawing/2014/main" id="{BD743C45-BAE4-43DC-B682-62C07BC80BB4}"/>
               </a:ext>
             </a:extLst>
           </p:cNvPr>
@@ -9244,36 +9408,1685 @@
         </p:nvSpPr>
         <p:spPr>
           <a:xfrm>
-            <a:off x="4929655" y="3013502"/>
-            <a:ext cx="2332690" cy="830997"/>
+            <a:off x="10023051" y="314960"/>
+            <a:ext cx="1838783" cy="4521200"/>
           </a:xfrm>
           <a:prstGeom prst="rect">
             <a:avLst/>
           </a:prstGeom>
-        </p:spPr>
-        <p:txBody>
-          <a:bodyPr wrap="none">
+          <a:noFill/>
+          <a:ln w="19050">
+            <a:solidFill>
+              <a:schemeClr val="bg2">
+                <a:lumMod val="90000"/>
+              </a:schemeClr>
+            </a:solidFill>
+            <a:prstDash val="solid"/>
+          </a:ln>
+        </p:spPr>
+        <p:style>
+          <a:lnRef idx="2">
+            <a:schemeClr val="accent1">
+              <a:shade val="50000"/>
+            </a:schemeClr>
+          </a:lnRef>
+          <a:fillRef idx="1">
+            <a:schemeClr val="accent1"/>
+          </a:fillRef>
+          <a:effectRef idx="0">
+            <a:schemeClr val="accent1"/>
+          </a:effectRef>
+          <a:fontRef idx="minor">
+            <a:schemeClr val="lt1"/>
+          </a:fontRef>
+        </p:style>
+        <p:txBody>
+          <a:bodyPr rtlCol="0" anchor="ctr"/>
+          <a:lstStyle/>
+          <a:p>
+            <a:pPr algn="ctr"/>
+            <a:endParaRPr lang="de-CH"/>
+          </a:p>
+        </p:txBody>
+      </p:sp>
+      <p:sp>
+        <p:nvSpPr>
+          <p:cNvPr id="8" name="Rectangle 7">
+            <a:extLst>
+              <a:ext uri="{FF2B5EF4-FFF2-40B4-BE49-F238E27FC236}">
+                <a16:creationId xmlns:a16="http://schemas.microsoft.com/office/drawing/2014/main" id="{04C9CF38-6802-4549-99F0-877B10BC09E9}"/>
+              </a:ext>
+            </a:extLst>
+          </p:cNvPr>
+          <p:cNvSpPr/>
+          <p:nvPr/>
+        </p:nvSpPr>
+        <p:spPr>
+          <a:xfrm>
+            <a:off x="6064310" y="2068758"/>
+            <a:ext cx="2444400" cy="1659600"/>
+          </a:xfrm>
+          <a:prstGeom prst="rect">
+            <a:avLst/>
+          </a:prstGeom>
+          <a:solidFill>
+            <a:schemeClr val="tx2"/>
+          </a:solidFill>
+          <a:ln>
+            <a:solidFill>
+              <a:schemeClr val="bg1"/>
+            </a:solidFill>
+          </a:ln>
+        </p:spPr>
+        <p:style>
+          <a:lnRef idx="2">
+            <a:schemeClr val="accent1">
+              <a:shade val="50000"/>
+            </a:schemeClr>
+          </a:lnRef>
+          <a:fillRef idx="1">
+            <a:schemeClr val="accent1"/>
+          </a:fillRef>
+          <a:effectRef idx="0">
+            <a:schemeClr val="accent1"/>
+          </a:effectRef>
+          <a:fontRef idx="minor">
+            <a:schemeClr val="lt1"/>
+          </a:fontRef>
+        </p:style>
+        <p:txBody>
+          <a:bodyPr rtlCol="0" anchor="ctr"/>
+          <a:lstStyle/>
+          <a:p>
+            <a:pPr algn="ctr"/>
+            <a:r>
+              <a:rPr lang="en-US" sz="2400" dirty="0">
+                <a:latin typeface="Yanone Kaffeesatz Light" panose="02000000000000000000" pitchFamily="2" charset="0"/>
+              </a:rPr>
+              <a:t>Back</a:t>
+            </a:r>
+            <a:endParaRPr lang="de-CH" sz="1200" dirty="0">
+              <a:latin typeface="Yanone Kaffeesatz Light" panose="02000000000000000000" pitchFamily="2" charset="0"/>
+            </a:endParaRPr>
+          </a:p>
+        </p:txBody>
+      </p:sp>
+      <p:sp>
+        <p:nvSpPr>
+          <p:cNvPr id="10" name="Rectangle 9">
+            <a:extLst>
+              <a:ext uri="{FF2B5EF4-FFF2-40B4-BE49-F238E27FC236}">
+                <a16:creationId xmlns:a16="http://schemas.microsoft.com/office/drawing/2014/main" id="{8427F5C9-1ECE-479D-BD11-85AB38C9A1BE}"/>
+              </a:ext>
+            </a:extLst>
+          </p:cNvPr>
+          <p:cNvSpPr/>
+          <p:nvPr/>
+        </p:nvSpPr>
+        <p:spPr>
+          <a:xfrm>
+            <a:off x="1325573" y="1503204"/>
+            <a:ext cx="2443515" cy="1659069"/>
+          </a:xfrm>
+          <a:prstGeom prst="rect">
+            <a:avLst/>
+          </a:prstGeom>
+          <a:solidFill>
+            <a:schemeClr val="tx2"/>
+          </a:solidFill>
+          <a:ln>
+            <a:solidFill>
+              <a:schemeClr val="bg1"/>
+            </a:solidFill>
+          </a:ln>
+        </p:spPr>
+        <p:style>
+          <a:lnRef idx="2">
+            <a:schemeClr val="accent1">
+              <a:shade val="50000"/>
+            </a:schemeClr>
+          </a:lnRef>
+          <a:fillRef idx="1">
+            <a:schemeClr val="accent1"/>
+          </a:fillRef>
+          <a:effectRef idx="0">
+            <a:schemeClr val="accent1"/>
+          </a:effectRef>
+          <a:fontRef idx="minor">
+            <a:schemeClr val="lt1"/>
+          </a:fontRef>
+        </p:style>
+        <p:txBody>
+          <a:bodyPr rtlCol="0" anchor="ctr"/>
+          <a:lstStyle/>
+          <a:p>
+            <a:pPr algn="ctr"/>
+            <a:r>
+              <a:rPr lang="en-US" sz="2400" dirty="0">
+                <a:latin typeface="Yanone Kaffeesatz Light" panose="02000000000000000000" pitchFamily="2" charset="0"/>
+              </a:rPr>
+              <a:t>Front</a:t>
+            </a:r>
+            <a:endParaRPr lang="de-CH" sz="1200" dirty="0">
+              <a:latin typeface="Yanone Kaffeesatz Light" panose="02000000000000000000" pitchFamily="2" charset="0"/>
+            </a:endParaRPr>
+          </a:p>
+        </p:txBody>
+      </p:sp>
+      <p:sp>
+        <p:nvSpPr>
+          <p:cNvPr id="16" name="TextBox 15">
+            <a:extLst>
+              <a:ext uri="{FF2B5EF4-FFF2-40B4-BE49-F238E27FC236}">
+                <a16:creationId xmlns:a16="http://schemas.microsoft.com/office/drawing/2014/main" id="{025C734D-795B-42BB-A73D-1936E9B5CFC5}"/>
+              </a:ext>
+            </a:extLst>
+          </p:cNvPr>
+          <p:cNvSpPr txBox="1"/>
+          <p:nvPr/>
+        </p:nvSpPr>
+        <p:spPr>
+          <a:xfrm>
+            <a:off x="1775546" y="1017697"/>
+            <a:ext cx="1409360" cy="461665"/>
+          </a:xfrm>
+          <a:prstGeom prst="rect">
+            <a:avLst/>
+          </a:prstGeom>
+          <a:noFill/>
+        </p:spPr>
+        <p:txBody>
+          <a:bodyPr wrap="none" rtlCol="0">
             <a:spAutoFit/>
           </a:bodyPr>
           <a:lstStyle/>
           <a:p>
             <a:r>
-              <a:rPr lang="en-US" sz="4800" dirty="0">
+              <a:rPr lang="en-US" sz="2400" dirty="0">
+                <a:solidFill>
+                  <a:schemeClr val="accent3"/>
+                </a:solidFill>
+                <a:latin typeface="Yanone Kaffeesatz Regular" panose="02000000000000000000" pitchFamily="2" charset="0"/>
+              </a:rPr>
+              <a:t>WCF Services</a:t>
+            </a:r>
+            <a:endParaRPr lang="de-CH" sz="2400" dirty="0">
+              <a:solidFill>
+                <a:schemeClr val="accent3"/>
+              </a:solidFill>
+              <a:latin typeface="Yanone Kaffeesatz Regular" panose="02000000000000000000" pitchFamily="2" charset="0"/>
+            </a:endParaRPr>
+          </a:p>
+        </p:txBody>
+      </p:sp>
+      <p:sp>
+        <p:nvSpPr>
+          <p:cNvPr id="17" name="TextBox 16">
+            <a:extLst>
+              <a:ext uri="{FF2B5EF4-FFF2-40B4-BE49-F238E27FC236}">
+                <a16:creationId xmlns:a16="http://schemas.microsoft.com/office/drawing/2014/main" id="{75780B26-333C-43F5-98A2-14B3A2F0C5C3}"/>
+              </a:ext>
+            </a:extLst>
+          </p:cNvPr>
+          <p:cNvSpPr txBox="1"/>
+          <p:nvPr/>
+        </p:nvSpPr>
+        <p:spPr>
+          <a:xfrm>
+            <a:off x="6396683" y="1400594"/>
+            <a:ext cx="1779654" cy="461665"/>
+          </a:xfrm>
+          <a:prstGeom prst="rect">
+            <a:avLst/>
+          </a:prstGeom>
+          <a:noFill/>
+        </p:spPr>
+        <p:txBody>
+          <a:bodyPr wrap="none" rtlCol="0">
+            <a:spAutoFit/>
+          </a:bodyPr>
+          <a:lstStyle/>
+          <a:p>
+            <a:r>
+              <a:rPr lang="en-US" sz="2400" dirty="0">
+                <a:solidFill>
+                  <a:schemeClr val="accent3"/>
+                </a:solidFill>
+                <a:latin typeface="Yanone Kaffeesatz Regular" panose="02000000000000000000" pitchFamily="2" charset="0"/>
+              </a:rPr>
+              <a:t>Windows Service</a:t>
+            </a:r>
+            <a:endParaRPr lang="de-CH" sz="2400" dirty="0">
+              <a:solidFill>
+                <a:schemeClr val="accent3"/>
+              </a:solidFill>
+              <a:latin typeface="Yanone Kaffeesatz Regular" panose="02000000000000000000" pitchFamily="2" charset="0"/>
+            </a:endParaRPr>
+          </a:p>
+        </p:txBody>
+      </p:sp>
+      <p:sp>
+        <p:nvSpPr>
+          <p:cNvPr id="36" name="Rectangle 35">
+            <a:extLst>
+              <a:ext uri="{FF2B5EF4-FFF2-40B4-BE49-F238E27FC236}">
+                <a16:creationId xmlns:a16="http://schemas.microsoft.com/office/drawing/2014/main" id="{02BAD128-17B0-4BF7-B035-BAE39F6A4DA7}"/>
+              </a:ext>
+            </a:extLst>
+          </p:cNvPr>
+          <p:cNvSpPr/>
+          <p:nvPr/>
+        </p:nvSpPr>
+        <p:spPr>
+          <a:xfrm>
+            <a:off x="707542" y="540708"/>
+            <a:ext cx="3548787" cy="4153213"/>
+          </a:xfrm>
+          <a:prstGeom prst="rect">
+            <a:avLst/>
+          </a:prstGeom>
+          <a:noFill/>
+          <a:ln w="19050">
+            <a:solidFill>
+              <a:schemeClr val="accent3"/>
+            </a:solidFill>
+            <a:prstDash val="dash"/>
+          </a:ln>
+        </p:spPr>
+        <p:style>
+          <a:lnRef idx="2">
+            <a:schemeClr val="accent1">
+              <a:shade val="50000"/>
+            </a:schemeClr>
+          </a:lnRef>
+          <a:fillRef idx="1">
+            <a:schemeClr val="accent1"/>
+          </a:fillRef>
+          <a:effectRef idx="0">
+            <a:schemeClr val="accent1"/>
+          </a:effectRef>
+          <a:fontRef idx="minor">
+            <a:schemeClr val="lt1"/>
+          </a:fontRef>
+        </p:style>
+        <p:txBody>
+          <a:bodyPr rtlCol="0" anchor="ctr"/>
+          <a:lstStyle/>
+          <a:p>
+            <a:pPr algn="ctr"/>
+            <a:endParaRPr lang="de-CH"/>
+          </a:p>
+        </p:txBody>
+      </p:sp>
+      <p:sp>
+        <p:nvSpPr>
+          <p:cNvPr id="37" name="Rectangle 36">
+            <a:extLst>
+              <a:ext uri="{FF2B5EF4-FFF2-40B4-BE49-F238E27FC236}">
+                <a16:creationId xmlns:a16="http://schemas.microsoft.com/office/drawing/2014/main" id="{A3DE13F1-1EC3-4E99-B025-B3A8097225BA}"/>
+              </a:ext>
+            </a:extLst>
+          </p:cNvPr>
+          <p:cNvSpPr/>
+          <p:nvPr/>
+        </p:nvSpPr>
+        <p:spPr>
+          <a:xfrm>
+            <a:off x="5512117" y="540709"/>
+            <a:ext cx="3548787" cy="4153212"/>
+          </a:xfrm>
+          <a:prstGeom prst="rect">
+            <a:avLst/>
+          </a:prstGeom>
+          <a:noFill/>
+          <a:ln w="19050">
+            <a:solidFill>
+              <a:schemeClr val="accent3"/>
+            </a:solidFill>
+            <a:prstDash val="dash"/>
+          </a:ln>
+        </p:spPr>
+        <p:style>
+          <a:lnRef idx="2">
+            <a:schemeClr val="accent1">
+              <a:shade val="50000"/>
+            </a:schemeClr>
+          </a:lnRef>
+          <a:fillRef idx="1">
+            <a:schemeClr val="accent1"/>
+          </a:fillRef>
+          <a:effectRef idx="0">
+            <a:schemeClr val="accent1"/>
+          </a:effectRef>
+          <a:fontRef idx="minor">
+            <a:schemeClr val="lt1"/>
+          </a:fontRef>
+        </p:style>
+        <p:txBody>
+          <a:bodyPr rtlCol="0" anchor="ctr"/>
+          <a:lstStyle/>
+          <a:p>
+            <a:pPr algn="ctr"/>
+            <a:endParaRPr lang="de-CH"/>
+          </a:p>
+        </p:txBody>
+      </p:sp>
+      <p:sp>
+        <p:nvSpPr>
+          <p:cNvPr id="38" name="TextBox 37">
+            <a:extLst>
+              <a:ext uri="{FF2B5EF4-FFF2-40B4-BE49-F238E27FC236}">
+                <a16:creationId xmlns:a16="http://schemas.microsoft.com/office/drawing/2014/main" id="{9367E5AE-127C-4292-A0F6-C9DF06BA82A6}"/>
+              </a:ext>
+            </a:extLst>
+          </p:cNvPr>
+          <p:cNvSpPr txBox="1"/>
+          <p:nvPr/>
+        </p:nvSpPr>
+        <p:spPr>
+          <a:xfrm>
+            <a:off x="852857" y="603738"/>
+            <a:ext cx="574196" cy="461665"/>
+          </a:xfrm>
+          <a:prstGeom prst="rect">
+            <a:avLst/>
+          </a:prstGeom>
+          <a:noFill/>
+        </p:spPr>
+        <p:txBody>
+          <a:bodyPr wrap="none" rtlCol="0">
+            <a:spAutoFit/>
+          </a:bodyPr>
+          <a:lstStyle/>
+          <a:p>
+            <a:r>
+              <a:rPr lang="en-US" sz="2400" dirty="0">
+                <a:solidFill>
+                  <a:schemeClr val="accent3"/>
+                </a:solidFill>
+                <a:latin typeface="Yanone Kaffeesatz Regular" panose="02000000000000000000" pitchFamily="2" charset="0"/>
+              </a:rPr>
+              <a:t>DMZ</a:t>
+            </a:r>
+            <a:endParaRPr lang="de-CH" sz="2400" dirty="0">
+              <a:solidFill>
+                <a:schemeClr val="accent3"/>
+              </a:solidFill>
+              <a:latin typeface="Yanone Kaffeesatz Regular" panose="02000000000000000000" pitchFamily="2" charset="0"/>
+            </a:endParaRPr>
+          </a:p>
+        </p:txBody>
+      </p:sp>
+      <p:sp>
+        <p:nvSpPr>
+          <p:cNvPr id="39" name="TextBox 38">
+            <a:extLst>
+              <a:ext uri="{FF2B5EF4-FFF2-40B4-BE49-F238E27FC236}">
+                <a16:creationId xmlns:a16="http://schemas.microsoft.com/office/drawing/2014/main" id="{80B66455-6597-4559-8176-98C7838390DC}"/>
+              </a:ext>
+            </a:extLst>
+          </p:cNvPr>
+          <p:cNvSpPr txBox="1"/>
+          <p:nvPr/>
+        </p:nvSpPr>
+        <p:spPr>
+          <a:xfrm>
+            <a:off x="5656736" y="603739"/>
+            <a:ext cx="968535" cy="461665"/>
+          </a:xfrm>
+          <a:prstGeom prst="rect">
+            <a:avLst/>
+          </a:prstGeom>
+          <a:noFill/>
+        </p:spPr>
+        <p:txBody>
+          <a:bodyPr wrap="none" rtlCol="0">
+            <a:spAutoFit/>
+          </a:bodyPr>
+          <a:lstStyle/>
+          <a:p>
+            <a:r>
+              <a:rPr lang="en-US" sz="2400" dirty="0">
+                <a:solidFill>
+                  <a:schemeClr val="accent3"/>
+                </a:solidFill>
+                <a:latin typeface="Yanone Kaffeesatz Regular" panose="02000000000000000000" pitchFamily="2" charset="0"/>
+              </a:rPr>
+              <a:t>Backend</a:t>
+            </a:r>
+            <a:endParaRPr lang="de-CH" sz="2400" dirty="0">
+              <a:solidFill>
+                <a:schemeClr val="accent3"/>
+              </a:solidFill>
+              <a:latin typeface="Yanone Kaffeesatz Regular" panose="02000000000000000000" pitchFamily="2" charset="0"/>
+            </a:endParaRPr>
+          </a:p>
+        </p:txBody>
+      </p:sp>
+      <p:sp>
+        <p:nvSpPr>
+          <p:cNvPr id="51" name="Rectangle 50">
+            <a:extLst>
+              <a:ext uri="{FF2B5EF4-FFF2-40B4-BE49-F238E27FC236}">
+                <a16:creationId xmlns:a16="http://schemas.microsoft.com/office/drawing/2014/main" id="{F702D519-0F0C-42E7-B459-614B62381CC2}"/>
+              </a:ext>
+            </a:extLst>
+          </p:cNvPr>
+          <p:cNvSpPr/>
+          <p:nvPr/>
+        </p:nvSpPr>
+        <p:spPr>
+          <a:xfrm>
+            <a:off x="3891688" y="2437159"/>
+            <a:ext cx="1888568" cy="2427109"/>
+          </a:xfrm>
+          <a:prstGeom prst="rect">
+            <a:avLst/>
+          </a:prstGeom>
+          <a:solidFill>
+            <a:schemeClr val="bg1">
+              <a:alpha val="75000"/>
+            </a:schemeClr>
+          </a:solidFill>
+          <a:ln>
+            <a:noFill/>
+          </a:ln>
+        </p:spPr>
+        <p:style>
+          <a:lnRef idx="2">
+            <a:schemeClr val="accent1">
+              <a:shade val="50000"/>
+            </a:schemeClr>
+          </a:lnRef>
+          <a:fillRef idx="1">
+            <a:schemeClr val="accent1"/>
+          </a:fillRef>
+          <a:effectRef idx="0">
+            <a:schemeClr val="accent1"/>
+          </a:effectRef>
+          <a:fontRef idx="minor">
+            <a:schemeClr val="lt1"/>
+          </a:fontRef>
+        </p:style>
+        <p:txBody>
+          <a:bodyPr rtlCol="0" anchor="ctr"/>
+          <a:lstStyle/>
+          <a:p>
+            <a:pPr algn="ctr"/>
+            <a:endParaRPr lang="en-CH"/>
+          </a:p>
+        </p:txBody>
+      </p:sp>
+      <p:sp>
+        <p:nvSpPr>
+          <p:cNvPr id="41" name="Cylinder 40">
+            <a:extLst>
+              <a:ext uri="{FF2B5EF4-FFF2-40B4-BE49-F238E27FC236}">
+                <a16:creationId xmlns:a16="http://schemas.microsoft.com/office/drawing/2014/main" id="{3B793FC3-87DB-4623-9261-1D0F3AA10B0E}"/>
+              </a:ext>
+            </a:extLst>
+          </p:cNvPr>
+          <p:cNvSpPr/>
+          <p:nvPr/>
+        </p:nvSpPr>
+        <p:spPr>
+          <a:xfrm>
+            <a:off x="10205418" y="2003628"/>
+            <a:ext cx="1474048" cy="1789328"/>
+          </a:xfrm>
+          <a:prstGeom prst="can">
+            <a:avLst/>
+          </a:prstGeom>
+          <a:solidFill>
+            <a:schemeClr val="tx2"/>
+          </a:solidFill>
+          <a:ln>
+            <a:noFill/>
+          </a:ln>
+        </p:spPr>
+        <p:style>
+          <a:lnRef idx="2">
+            <a:schemeClr val="accent1">
+              <a:shade val="50000"/>
+            </a:schemeClr>
+          </a:lnRef>
+          <a:fillRef idx="1">
+            <a:schemeClr val="accent1"/>
+          </a:fillRef>
+          <a:effectRef idx="0">
+            <a:schemeClr val="accent1"/>
+          </a:effectRef>
+          <a:fontRef idx="minor">
+            <a:schemeClr val="lt1"/>
+          </a:fontRef>
+        </p:style>
+        <p:txBody>
+          <a:bodyPr rtlCol="0" anchor="ctr"/>
+          <a:lstStyle/>
+          <a:p>
+            <a:pPr algn="ctr"/>
+            <a:r>
+              <a:rPr lang="de-CH" sz="2400" dirty="0">
+                <a:latin typeface="Yanone Kaffeesatz Light" panose="02000000000000000000" pitchFamily="2" charset="0"/>
+              </a:rPr>
+              <a:t>Storage</a:t>
+            </a:r>
+          </a:p>
+        </p:txBody>
+      </p:sp>
+      <p:sp>
+        <p:nvSpPr>
+          <p:cNvPr id="50" name="Rectangle 49">
+            <a:extLst>
+              <a:ext uri="{FF2B5EF4-FFF2-40B4-BE49-F238E27FC236}">
+                <a16:creationId xmlns:a16="http://schemas.microsoft.com/office/drawing/2014/main" id="{BDEB63F7-44BB-4D2E-9EC7-07855092BA81}"/>
+              </a:ext>
+            </a:extLst>
+          </p:cNvPr>
+          <p:cNvSpPr/>
+          <p:nvPr/>
+        </p:nvSpPr>
+        <p:spPr>
+          <a:xfrm>
+            <a:off x="8649954" y="2437160"/>
+            <a:ext cx="1518176" cy="1129000"/>
+          </a:xfrm>
+          <a:prstGeom prst="rect">
+            <a:avLst/>
+          </a:prstGeom>
+          <a:solidFill>
+            <a:schemeClr val="bg1">
+              <a:alpha val="75000"/>
+            </a:schemeClr>
+          </a:solidFill>
+          <a:ln>
+            <a:noFill/>
+          </a:ln>
+        </p:spPr>
+        <p:style>
+          <a:lnRef idx="2">
+            <a:schemeClr val="accent1">
+              <a:shade val="50000"/>
+            </a:schemeClr>
+          </a:lnRef>
+          <a:fillRef idx="1">
+            <a:schemeClr val="accent1"/>
+          </a:fillRef>
+          <a:effectRef idx="0">
+            <a:schemeClr val="accent1"/>
+          </a:effectRef>
+          <a:fontRef idx="minor">
+            <a:schemeClr val="lt1"/>
+          </a:fontRef>
+        </p:style>
+        <p:txBody>
+          <a:bodyPr rtlCol="0" anchor="ctr"/>
+          <a:lstStyle/>
+          <a:p>
+            <a:pPr algn="ctr"/>
+            <a:endParaRPr lang="en-CH"/>
+          </a:p>
+        </p:txBody>
+      </p:sp>
+      <p:cxnSp>
+        <p:nvCxnSpPr>
+          <p:cNvPr id="42" name="Straight Arrow Connector 41">
+            <a:extLst>
+              <a:ext uri="{FF2B5EF4-FFF2-40B4-BE49-F238E27FC236}">
+                <a16:creationId xmlns:a16="http://schemas.microsoft.com/office/drawing/2014/main" id="{0B83E1EE-4D00-4138-8C59-2B1F083A3346}"/>
+              </a:ext>
+            </a:extLst>
+          </p:cNvPr>
+          <p:cNvCxnSpPr>
+            <a:cxnSpLocks/>
+            <a:stCxn id="8" idx="3"/>
+            <a:endCxn id="41" idx="2"/>
+          </p:cNvCxnSpPr>
+          <p:nvPr/>
+        </p:nvCxnSpPr>
+        <p:spPr>
+          <a:xfrm flipV="1">
+            <a:off x="8508710" y="2898292"/>
+            <a:ext cx="1696708" cy="266"/>
+          </a:xfrm>
+          <a:prstGeom prst="straightConnector1">
+            <a:avLst/>
+          </a:prstGeom>
+          <a:ln w="19050">
+            <a:solidFill>
+              <a:schemeClr val="tx2"/>
+            </a:solidFill>
+            <a:tailEnd type="triangle"/>
+          </a:ln>
+        </p:spPr>
+        <p:style>
+          <a:lnRef idx="1">
+            <a:schemeClr val="accent1"/>
+          </a:lnRef>
+          <a:fillRef idx="0">
+            <a:schemeClr val="accent1"/>
+          </a:fillRef>
+          <a:effectRef idx="0">
+            <a:schemeClr val="accent1"/>
+          </a:effectRef>
+          <a:fontRef idx="minor">
+            <a:schemeClr val="tx1"/>
+          </a:fontRef>
+        </p:style>
+      </p:cxnSp>
+      <p:sp>
+        <p:nvSpPr>
+          <p:cNvPr id="49" name="TextBox 48">
+            <a:extLst>
+              <a:ext uri="{FF2B5EF4-FFF2-40B4-BE49-F238E27FC236}">
+                <a16:creationId xmlns:a16="http://schemas.microsoft.com/office/drawing/2014/main" id="{FB1FDAFA-1315-4BEE-B6DE-86222917A8C1}"/>
+              </a:ext>
+            </a:extLst>
+          </p:cNvPr>
+          <p:cNvSpPr txBox="1"/>
+          <p:nvPr/>
+        </p:nvSpPr>
+        <p:spPr>
+          <a:xfrm>
+            <a:off x="8836297" y="2929225"/>
+            <a:ext cx="976549" cy="461665"/>
+          </a:xfrm>
+          <a:prstGeom prst="rect">
+            <a:avLst/>
+          </a:prstGeom>
+          <a:noFill/>
+        </p:spPr>
+        <p:txBody>
+          <a:bodyPr wrap="none" rtlCol="0">
+            <a:spAutoFit/>
+          </a:bodyPr>
+          <a:lstStyle/>
+          <a:p>
+            <a:r>
+              <a:rPr lang="en-US" sz="2400" dirty="0">
+                <a:solidFill>
+                  <a:schemeClr val="accent3"/>
+                </a:solidFill>
+                <a:latin typeface="Yanone Kaffeesatz Regular" panose="02000000000000000000" pitchFamily="2" charset="0"/>
+              </a:rPr>
+              <a:t>ADO.NET</a:t>
+            </a:r>
+            <a:endParaRPr lang="de-CH" sz="2400" dirty="0">
+              <a:solidFill>
+                <a:schemeClr val="accent3"/>
+              </a:solidFill>
+              <a:latin typeface="Yanone Kaffeesatz Regular" panose="02000000000000000000" pitchFamily="2" charset="0"/>
+            </a:endParaRPr>
+          </a:p>
+        </p:txBody>
+      </p:sp>
+      <p:sp>
+        <p:nvSpPr>
+          <p:cNvPr id="55" name="TextBox 54">
+            <a:extLst>
+              <a:ext uri="{FF2B5EF4-FFF2-40B4-BE49-F238E27FC236}">
+                <a16:creationId xmlns:a16="http://schemas.microsoft.com/office/drawing/2014/main" id="{9C2242C7-8023-4D55-8D52-864E8E5DE368}"/>
+              </a:ext>
+            </a:extLst>
+          </p:cNvPr>
+          <p:cNvSpPr txBox="1"/>
+          <p:nvPr/>
+        </p:nvSpPr>
+        <p:spPr>
+          <a:xfrm>
+            <a:off x="8670017" y="2389177"/>
+            <a:ext cx="1374094" cy="461665"/>
+          </a:xfrm>
+          <a:prstGeom prst="rect">
+            <a:avLst/>
+          </a:prstGeom>
+          <a:noFill/>
+        </p:spPr>
+        <p:txBody>
+          <a:bodyPr wrap="none" rtlCol="0">
+            <a:spAutoFit/>
+          </a:bodyPr>
+          <a:lstStyle/>
+          <a:p>
+            <a:r>
+              <a:rPr lang="en-US" sz="2400" dirty="0">
+                <a:solidFill>
+                  <a:schemeClr val="accent3"/>
+                </a:solidFill>
+                <a:latin typeface="Yanone Kaffeesatz Regular" panose="02000000000000000000" pitchFamily="2" charset="0"/>
+              </a:rPr>
+              <a:t>Read / Write</a:t>
+            </a:r>
+            <a:endParaRPr lang="de-CH" sz="2400" dirty="0">
+              <a:solidFill>
+                <a:schemeClr val="accent3"/>
+              </a:solidFill>
+              <a:latin typeface="Yanone Kaffeesatz Regular" panose="02000000000000000000" pitchFamily="2" charset="0"/>
+            </a:endParaRPr>
+          </a:p>
+        </p:txBody>
+      </p:sp>
+      <p:sp>
+        <p:nvSpPr>
+          <p:cNvPr id="21" name="Rectangle 20">
+            <a:extLst>
+              <a:ext uri="{FF2B5EF4-FFF2-40B4-BE49-F238E27FC236}">
+                <a16:creationId xmlns:a16="http://schemas.microsoft.com/office/drawing/2014/main" id="{BB82319F-D61B-4334-BEE8-3BF8562C996A}"/>
+              </a:ext>
+            </a:extLst>
+          </p:cNvPr>
+          <p:cNvSpPr/>
+          <p:nvPr/>
+        </p:nvSpPr>
+        <p:spPr>
+          <a:xfrm>
+            <a:off x="313392" y="5099583"/>
+            <a:ext cx="9104928" cy="1621703"/>
+          </a:xfrm>
+          <a:prstGeom prst="rect">
+            <a:avLst/>
+          </a:prstGeom>
+          <a:noFill/>
+          <a:ln w="19050">
+            <a:solidFill>
+              <a:schemeClr val="bg2">
+                <a:lumMod val="90000"/>
+              </a:schemeClr>
+            </a:solidFill>
+            <a:prstDash val="solid"/>
+          </a:ln>
+        </p:spPr>
+        <p:style>
+          <a:lnRef idx="2">
+            <a:schemeClr val="accent1">
+              <a:shade val="50000"/>
+            </a:schemeClr>
+          </a:lnRef>
+          <a:fillRef idx="1">
+            <a:schemeClr val="accent1"/>
+          </a:fillRef>
+          <a:effectRef idx="0">
+            <a:schemeClr val="accent1"/>
+          </a:effectRef>
+          <a:fontRef idx="minor">
+            <a:schemeClr val="lt1"/>
+          </a:fontRef>
+        </p:style>
+        <p:txBody>
+          <a:bodyPr rtlCol="0" anchor="ctr"/>
+          <a:lstStyle/>
+          <a:p>
+            <a:pPr algn="ctr"/>
+            <a:endParaRPr lang="de-CH"/>
+          </a:p>
+        </p:txBody>
+      </p:sp>
+      <p:sp>
+        <p:nvSpPr>
+          <p:cNvPr id="22" name="Cylinder 21">
+            <a:extLst>
+              <a:ext uri="{FF2B5EF4-FFF2-40B4-BE49-F238E27FC236}">
+                <a16:creationId xmlns:a16="http://schemas.microsoft.com/office/drawing/2014/main" id="{F856A43A-B9C2-45D0-915A-81894BA9A7D9}"/>
+              </a:ext>
+            </a:extLst>
+          </p:cNvPr>
+          <p:cNvSpPr/>
+          <p:nvPr/>
+        </p:nvSpPr>
+        <p:spPr>
+          <a:xfrm rot="16200000">
+            <a:off x="4197946" y="5071104"/>
+            <a:ext cx="1273275" cy="1705278"/>
+          </a:xfrm>
+          <a:prstGeom prst="can">
+            <a:avLst/>
+          </a:prstGeom>
+          <a:solidFill>
+            <a:schemeClr val="accent4"/>
+          </a:solidFill>
+          <a:ln>
+            <a:solidFill>
+              <a:schemeClr val="bg1"/>
+            </a:solidFill>
+          </a:ln>
+        </p:spPr>
+        <p:style>
+          <a:lnRef idx="2">
+            <a:schemeClr val="accent1">
+              <a:shade val="50000"/>
+            </a:schemeClr>
+          </a:lnRef>
+          <a:fillRef idx="1">
+            <a:schemeClr val="accent1"/>
+          </a:fillRef>
+          <a:effectRef idx="0">
+            <a:schemeClr val="accent1"/>
+          </a:effectRef>
+          <a:fontRef idx="minor">
+            <a:schemeClr val="lt1"/>
+          </a:fontRef>
+        </p:style>
+        <p:txBody>
+          <a:bodyPr vert="vert" rtlCol="0" anchor="ctr"/>
+          <a:lstStyle/>
+          <a:p>
+            <a:pPr algn="ctr"/>
+            <a:r>
+              <a:rPr lang="en-US" sz="2000" dirty="0">
+                <a:latin typeface="Yanone Kaffeesatz Light" panose="02000000000000000000" pitchFamily="2" charset="0"/>
+              </a:rPr>
+              <a:t>Queues</a:t>
+            </a:r>
+            <a:endParaRPr lang="de-CH" sz="2000" dirty="0">
+              <a:latin typeface="Yanone Kaffeesatz Light" panose="02000000000000000000" pitchFamily="2" charset="0"/>
+            </a:endParaRPr>
+          </a:p>
+        </p:txBody>
+      </p:sp>
+      <p:cxnSp>
+        <p:nvCxnSpPr>
+          <p:cNvPr id="23" name="Straight Arrow Connector 22">
+            <a:extLst>
+              <a:ext uri="{FF2B5EF4-FFF2-40B4-BE49-F238E27FC236}">
+                <a16:creationId xmlns:a16="http://schemas.microsoft.com/office/drawing/2014/main" id="{33276D8C-46CC-4A19-B19A-F174FC4A21D2}"/>
+              </a:ext>
+            </a:extLst>
+          </p:cNvPr>
+          <p:cNvCxnSpPr>
+            <a:cxnSpLocks/>
+            <a:stCxn id="10" idx="3"/>
+            <a:endCxn id="22" idx="4"/>
+          </p:cNvCxnSpPr>
+          <p:nvPr/>
+        </p:nvCxnSpPr>
+        <p:spPr>
+          <a:xfrm>
+            <a:off x="3769088" y="2332739"/>
+            <a:ext cx="1065496" cy="2954367"/>
+          </a:xfrm>
+          <a:prstGeom prst="straightConnector1">
+            <a:avLst/>
+          </a:prstGeom>
+          <a:ln w="19050">
+            <a:solidFill>
+              <a:schemeClr val="tx2"/>
+            </a:solidFill>
+            <a:tailEnd type="triangle"/>
+          </a:ln>
+        </p:spPr>
+        <p:style>
+          <a:lnRef idx="1">
+            <a:schemeClr val="accent1"/>
+          </a:lnRef>
+          <a:fillRef idx="0">
+            <a:schemeClr val="accent1"/>
+          </a:fillRef>
+          <a:effectRef idx="0">
+            <a:schemeClr val="accent1"/>
+          </a:effectRef>
+          <a:fontRef idx="minor">
+            <a:schemeClr val="tx1"/>
+          </a:fontRef>
+        </p:style>
+      </p:cxnSp>
+      <p:sp>
+        <p:nvSpPr>
+          <p:cNvPr id="28" name="TextBox 27">
+            <a:extLst>
+              <a:ext uri="{FF2B5EF4-FFF2-40B4-BE49-F238E27FC236}">
+                <a16:creationId xmlns:a16="http://schemas.microsoft.com/office/drawing/2014/main" id="{164DF8C6-F76A-485C-A619-5B68EEA17A7E}"/>
+              </a:ext>
+            </a:extLst>
+          </p:cNvPr>
+          <p:cNvSpPr txBox="1"/>
+          <p:nvPr/>
+        </p:nvSpPr>
+        <p:spPr>
+          <a:xfrm rot="3983324">
+            <a:off x="4271696" y="3750538"/>
+            <a:ext cx="845103" cy="461665"/>
+          </a:xfrm>
+          <a:prstGeom prst="rect">
+            <a:avLst/>
+          </a:prstGeom>
+          <a:noFill/>
+        </p:spPr>
+        <p:txBody>
+          <a:bodyPr wrap="none" rtlCol="0">
+            <a:spAutoFit/>
+          </a:bodyPr>
+          <a:lstStyle/>
+          <a:p>
+            <a:r>
+              <a:rPr lang="en-US" sz="2400" dirty="0">
                 <a:solidFill>
                   <a:schemeClr val="tx2"/>
                 </a:solidFill>
                 <a:latin typeface="Yanone Kaffeesatz Regular" panose="02000000000000000000" pitchFamily="2" charset="0"/>
               </a:rPr>
-              <a:t>Placeholder</a:t>
-            </a:r>
-            <a:endParaRPr lang="en-US" dirty="0"/>
+              <a:t>Refund</a:t>
+            </a:r>
+            <a:endParaRPr lang="de-CH" sz="2400" dirty="0">
+              <a:solidFill>
+                <a:schemeClr val="tx2"/>
+              </a:solidFill>
+              <a:latin typeface="Yanone Kaffeesatz Regular" panose="02000000000000000000" pitchFamily="2" charset="0"/>
+            </a:endParaRPr>
+          </a:p>
+        </p:txBody>
+      </p:sp>
+      <p:sp>
+        <p:nvSpPr>
+          <p:cNvPr id="29" name="Flowchart: Card 28">
+            <a:extLst>
+              <a:ext uri="{FF2B5EF4-FFF2-40B4-BE49-F238E27FC236}">
+                <a16:creationId xmlns:a16="http://schemas.microsoft.com/office/drawing/2014/main" id="{5F6EFA07-C917-4ABF-9410-9DF0B4B6986D}"/>
+              </a:ext>
+            </a:extLst>
+          </p:cNvPr>
+          <p:cNvSpPr/>
+          <p:nvPr/>
+        </p:nvSpPr>
+        <p:spPr>
+          <a:xfrm rot="3941355">
+            <a:off x="4242126" y="3273915"/>
+            <a:ext cx="378161" cy="349459"/>
+          </a:xfrm>
+          <a:prstGeom prst="flowChartPunchedCard">
+            <a:avLst/>
+          </a:prstGeom>
+          <a:solidFill>
+            <a:schemeClr val="tx2"/>
+          </a:solidFill>
+          <a:ln>
+            <a:noFill/>
+          </a:ln>
+        </p:spPr>
+        <p:style>
+          <a:lnRef idx="2">
+            <a:schemeClr val="accent1">
+              <a:shade val="50000"/>
+            </a:schemeClr>
+          </a:lnRef>
+          <a:fillRef idx="1">
+            <a:schemeClr val="accent1"/>
+          </a:fillRef>
+          <a:effectRef idx="0">
+            <a:schemeClr val="accent1"/>
+          </a:effectRef>
+          <a:fontRef idx="minor">
+            <a:schemeClr val="lt1"/>
+          </a:fontRef>
+        </p:style>
+        <p:txBody>
+          <a:bodyPr rtlCol="0" anchor="ctr"/>
+          <a:lstStyle/>
+          <a:p>
+            <a:pPr algn="ctr"/>
+            <a:endParaRPr lang="de-CH" sz="2400" dirty="0">
+              <a:latin typeface="Yanone Kaffeesatz Light" panose="02000000000000000000" pitchFamily="2" charset="0"/>
+            </a:endParaRPr>
+          </a:p>
+        </p:txBody>
+      </p:sp>
+      <p:cxnSp>
+        <p:nvCxnSpPr>
+          <p:cNvPr id="30" name="Straight Arrow Connector 29">
+            <a:extLst>
+              <a:ext uri="{FF2B5EF4-FFF2-40B4-BE49-F238E27FC236}">
+                <a16:creationId xmlns:a16="http://schemas.microsoft.com/office/drawing/2014/main" id="{D7D51385-7276-4ACE-AA8D-C42D3DE4646F}"/>
+              </a:ext>
+            </a:extLst>
+          </p:cNvPr>
+          <p:cNvCxnSpPr>
+            <a:cxnSpLocks/>
+            <a:stCxn id="8" idx="2"/>
+            <a:endCxn id="22" idx="4"/>
+          </p:cNvCxnSpPr>
+          <p:nvPr/>
+        </p:nvCxnSpPr>
+        <p:spPr>
+          <a:xfrm flipH="1">
+            <a:off x="4834584" y="3728358"/>
+            <a:ext cx="2451926" cy="1558748"/>
+          </a:xfrm>
+          <a:prstGeom prst="straightConnector1">
+            <a:avLst/>
+          </a:prstGeom>
+          <a:ln w="19050">
+            <a:solidFill>
+              <a:schemeClr val="tx2"/>
+            </a:solidFill>
+            <a:tailEnd type="triangle"/>
+          </a:ln>
+        </p:spPr>
+        <p:style>
+          <a:lnRef idx="1">
+            <a:schemeClr val="accent1"/>
+          </a:lnRef>
+          <a:fillRef idx="0">
+            <a:schemeClr val="accent1"/>
+          </a:fillRef>
+          <a:effectRef idx="0">
+            <a:schemeClr val="accent1"/>
+          </a:effectRef>
+          <a:fontRef idx="minor">
+            <a:schemeClr val="tx1"/>
+          </a:fontRef>
+        </p:style>
+      </p:cxnSp>
+      <p:sp>
+        <p:nvSpPr>
+          <p:cNvPr id="33" name="TextBox 32">
+            <a:extLst>
+              <a:ext uri="{FF2B5EF4-FFF2-40B4-BE49-F238E27FC236}">
+                <a16:creationId xmlns:a16="http://schemas.microsoft.com/office/drawing/2014/main" id="{9A6F70F2-D11F-419F-BAB8-450023681DD7}"/>
+              </a:ext>
+            </a:extLst>
+          </p:cNvPr>
+          <p:cNvSpPr txBox="1"/>
+          <p:nvPr/>
+        </p:nvSpPr>
+        <p:spPr>
+          <a:xfrm>
+            <a:off x="10066030" y="347668"/>
+            <a:ext cx="816249" cy="338554"/>
+          </a:xfrm>
+          <a:prstGeom prst="rect">
+            <a:avLst/>
+          </a:prstGeom>
+          <a:noFill/>
+        </p:spPr>
+        <p:txBody>
+          <a:bodyPr wrap="none" rtlCol="0">
+            <a:spAutoFit/>
+          </a:bodyPr>
+          <a:lstStyle/>
+          <a:p>
+            <a:r>
+              <a:rPr lang="en-US" sz="1600" dirty="0">
+                <a:solidFill>
+                  <a:schemeClr val="accent3"/>
+                </a:solidFill>
+                <a:latin typeface="Yanone Kaffeesatz Regular" panose="02000000000000000000" pitchFamily="2" charset="0"/>
+              </a:rPr>
+              <a:t>DB Cluster</a:t>
+            </a:r>
+            <a:endParaRPr lang="de-CH" sz="1600" dirty="0">
+              <a:solidFill>
+                <a:schemeClr val="accent3"/>
+              </a:solidFill>
+              <a:latin typeface="Yanone Kaffeesatz Regular" panose="02000000000000000000" pitchFamily="2" charset="0"/>
+            </a:endParaRPr>
+          </a:p>
+        </p:txBody>
+      </p:sp>
+      <p:sp>
+        <p:nvSpPr>
+          <p:cNvPr id="35" name="TextBox 34">
+            <a:extLst>
+              <a:ext uri="{FF2B5EF4-FFF2-40B4-BE49-F238E27FC236}">
+                <a16:creationId xmlns:a16="http://schemas.microsoft.com/office/drawing/2014/main" id="{C0F09BA4-28F2-4A9D-B9FD-F57AE6801503}"/>
+              </a:ext>
+            </a:extLst>
+          </p:cNvPr>
+          <p:cNvSpPr txBox="1"/>
+          <p:nvPr/>
+        </p:nvSpPr>
+        <p:spPr>
+          <a:xfrm>
+            <a:off x="454350" y="5153348"/>
+            <a:ext cx="1321196" cy="338554"/>
+          </a:xfrm>
+          <a:prstGeom prst="rect">
+            <a:avLst/>
+          </a:prstGeom>
+          <a:noFill/>
+        </p:spPr>
+        <p:txBody>
+          <a:bodyPr wrap="none" rtlCol="0">
+            <a:spAutoFit/>
+          </a:bodyPr>
+          <a:lstStyle/>
+          <a:p>
+            <a:r>
+              <a:rPr lang="en-US" sz="1600" dirty="0">
+                <a:solidFill>
+                  <a:schemeClr val="accent3"/>
+                </a:solidFill>
+                <a:latin typeface="Yanone Kaffeesatz Regular" panose="02000000000000000000" pitchFamily="2" charset="0"/>
+              </a:rPr>
+              <a:t>Messaging Cluster</a:t>
+            </a:r>
+            <a:endParaRPr lang="de-CH" sz="1600" dirty="0">
+              <a:solidFill>
+                <a:schemeClr val="accent3"/>
+              </a:solidFill>
+              <a:latin typeface="Yanone Kaffeesatz Regular" panose="02000000000000000000" pitchFamily="2" charset="0"/>
+            </a:endParaRPr>
+          </a:p>
+        </p:txBody>
+      </p:sp>
+      <p:sp>
+        <p:nvSpPr>
+          <p:cNvPr id="32" name="Cylinder 31">
+            <a:extLst>
+              <a:ext uri="{FF2B5EF4-FFF2-40B4-BE49-F238E27FC236}">
+                <a16:creationId xmlns:a16="http://schemas.microsoft.com/office/drawing/2014/main" id="{C3B763A1-7C59-48CA-BD11-9725D4873405}"/>
+              </a:ext>
+            </a:extLst>
+          </p:cNvPr>
+          <p:cNvSpPr/>
+          <p:nvPr/>
+        </p:nvSpPr>
+        <p:spPr>
+          <a:xfrm>
+            <a:off x="1316640" y="3552399"/>
+            <a:ext cx="917811" cy="900965"/>
+          </a:xfrm>
+          <a:prstGeom prst="can">
+            <a:avLst/>
+          </a:prstGeom>
+          <a:solidFill>
+            <a:schemeClr val="tx2"/>
+          </a:solidFill>
+          <a:ln>
+            <a:noFill/>
+          </a:ln>
+        </p:spPr>
+        <p:style>
+          <a:lnRef idx="2">
+            <a:schemeClr val="accent1">
+              <a:shade val="50000"/>
+            </a:schemeClr>
+          </a:lnRef>
+          <a:fillRef idx="1">
+            <a:schemeClr val="accent1"/>
+          </a:fillRef>
+          <a:effectRef idx="0">
+            <a:schemeClr val="accent1"/>
+          </a:effectRef>
+          <a:fontRef idx="minor">
+            <a:schemeClr val="lt1"/>
+          </a:fontRef>
+        </p:style>
+        <p:txBody>
+          <a:bodyPr rtlCol="0" anchor="ctr"/>
+          <a:lstStyle/>
+          <a:p>
+            <a:pPr algn="ctr"/>
+            <a:r>
+              <a:rPr lang="de-CH" sz="2400" dirty="0">
+                <a:latin typeface="Yanone Kaffeesatz Light" panose="02000000000000000000" pitchFamily="2" charset="0"/>
+              </a:rPr>
+              <a:t>Cache</a:t>
+            </a:r>
+          </a:p>
+        </p:txBody>
+      </p:sp>
+      <p:sp>
+        <p:nvSpPr>
+          <p:cNvPr id="40" name="Rectangle 39">
+            <a:extLst>
+              <a:ext uri="{FF2B5EF4-FFF2-40B4-BE49-F238E27FC236}">
+                <a16:creationId xmlns:a16="http://schemas.microsoft.com/office/drawing/2014/main" id="{7A741BA5-FD10-4573-8B0A-70E131DACD54}"/>
+              </a:ext>
+            </a:extLst>
+          </p:cNvPr>
+          <p:cNvSpPr/>
+          <p:nvPr/>
+        </p:nvSpPr>
+        <p:spPr>
+          <a:xfrm>
+            <a:off x="2554227" y="3610538"/>
+            <a:ext cx="1196217" cy="777868"/>
+          </a:xfrm>
+          <a:prstGeom prst="rect">
+            <a:avLst/>
+          </a:prstGeom>
+          <a:solidFill>
+            <a:schemeClr val="tx2"/>
+          </a:solidFill>
+          <a:ln>
+            <a:solidFill>
+              <a:schemeClr val="bg1"/>
+            </a:solidFill>
+          </a:ln>
+        </p:spPr>
+        <p:style>
+          <a:lnRef idx="2">
+            <a:schemeClr val="accent1">
+              <a:shade val="50000"/>
+            </a:schemeClr>
+          </a:lnRef>
+          <a:fillRef idx="1">
+            <a:schemeClr val="accent1"/>
+          </a:fillRef>
+          <a:effectRef idx="0">
+            <a:schemeClr val="accent1"/>
+          </a:effectRef>
+          <a:fontRef idx="minor">
+            <a:schemeClr val="lt1"/>
+          </a:fontRef>
+        </p:style>
+        <p:txBody>
+          <a:bodyPr rtlCol="0" anchor="ctr"/>
+          <a:lstStyle/>
+          <a:p>
+            <a:pPr algn="ctr"/>
+            <a:r>
+              <a:rPr lang="en-US" sz="2000" dirty="0">
+                <a:latin typeface="Yanone Kaffeesatz Light" panose="02000000000000000000" pitchFamily="2" charset="0"/>
+              </a:rPr>
+              <a:t>Subscriber</a:t>
+            </a:r>
+            <a:endParaRPr lang="de-CH" sz="1100" dirty="0">
+              <a:latin typeface="Yanone Kaffeesatz Light" panose="02000000000000000000" pitchFamily="2" charset="0"/>
+            </a:endParaRPr>
+          </a:p>
+        </p:txBody>
+      </p:sp>
+      <p:sp>
+        <p:nvSpPr>
+          <p:cNvPr id="43" name="TextBox 42">
+            <a:extLst>
+              <a:ext uri="{FF2B5EF4-FFF2-40B4-BE49-F238E27FC236}">
+                <a16:creationId xmlns:a16="http://schemas.microsoft.com/office/drawing/2014/main" id="{43225A5B-FC04-46DB-A54A-102B2E56013C}"/>
+              </a:ext>
+            </a:extLst>
+          </p:cNvPr>
+          <p:cNvSpPr txBox="1"/>
+          <p:nvPr/>
+        </p:nvSpPr>
+        <p:spPr>
+          <a:xfrm rot="19652569">
+            <a:off x="5139206" y="4215346"/>
+            <a:ext cx="1074333" cy="461665"/>
+          </a:xfrm>
+          <a:prstGeom prst="rect">
+            <a:avLst/>
+          </a:prstGeom>
+          <a:noFill/>
+        </p:spPr>
+        <p:txBody>
+          <a:bodyPr wrap="none" rtlCol="0">
+            <a:spAutoFit/>
+          </a:bodyPr>
+          <a:lstStyle/>
+          <a:p>
+            <a:r>
+              <a:rPr lang="en-US" sz="2400" dirty="0">
+                <a:solidFill>
+                  <a:schemeClr val="tx2"/>
+                </a:solidFill>
+                <a:latin typeface="Yanone Kaffeesatz Regular" panose="02000000000000000000" pitchFamily="2" charset="0"/>
+              </a:rPr>
+              <a:t>Refunded</a:t>
+            </a:r>
+            <a:endParaRPr lang="de-CH" sz="2400" dirty="0">
+              <a:solidFill>
+                <a:schemeClr val="tx2"/>
+              </a:solidFill>
+              <a:latin typeface="Yanone Kaffeesatz Regular" panose="02000000000000000000" pitchFamily="2" charset="0"/>
+            </a:endParaRPr>
+          </a:p>
+        </p:txBody>
+      </p:sp>
+      <p:sp>
+        <p:nvSpPr>
+          <p:cNvPr id="44" name="Flowchart: Card 43">
+            <a:extLst>
+              <a:ext uri="{FF2B5EF4-FFF2-40B4-BE49-F238E27FC236}">
+                <a16:creationId xmlns:a16="http://schemas.microsoft.com/office/drawing/2014/main" id="{31D89A2C-1314-453D-A940-B3727F582400}"/>
+              </a:ext>
+            </a:extLst>
+          </p:cNvPr>
+          <p:cNvSpPr/>
+          <p:nvPr/>
+        </p:nvSpPr>
+        <p:spPr>
+          <a:xfrm rot="19550546">
+            <a:off x="6126871" y="3876653"/>
+            <a:ext cx="378161" cy="349459"/>
+          </a:xfrm>
+          <a:prstGeom prst="flowChartPunchedCard">
+            <a:avLst/>
+          </a:prstGeom>
+          <a:solidFill>
+            <a:schemeClr val="tx2"/>
+          </a:solidFill>
+          <a:ln>
+            <a:noFill/>
+          </a:ln>
+        </p:spPr>
+        <p:style>
+          <a:lnRef idx="2">
+            <a:schemeClr val="accent1">
+              <a:shade val="50000"/>
+            </a:schemeClr>
+          </a:lnRef>
+          <a:fillRef idx="1">
+            <a:schemeClr val="accent1"/>
+          </a:fillRef>
+          <a:effectRef idx="0">
+            <a:schemeClr val="accent1"/>
+          </a:effectRef>
+          <a:fontRef idx="minor">
+            <a:schemeClr val="lt1"/>
+          </a:fontRef>
+        </p:style>
+        <p:txBody>
+          <a:bodyPr rtlCol="0" anchor="ctr"/>
+          <a:lstStyle/>
+          <a:p>
+            <a:pPr algn="ctr"/>
+            <a:endParaRPr lang="de-CH" sz="2400" dirty="0">
+              <a:latin typeface="Yanone Kaffeesatz Light" panose="02000000000000000000" pitchFamily="2" charset="0"/>
+            </a:endParaRPr>
+          </a:p>
+        </p:txBody>
+      </p:sp>
+      <p:cxnSp>
+        <p:nvCxnSpPr>
+          <p:cNvPr id="45" name="Straight Arrow Connector 44">
+            <a:extLst>
+              <a:ext uri="{FF2B5EF4-FFF2-40B4-BE49-F238E27FC236}">
+                <a16:creationId xmlns:a16="http://schemas.microsoft.com/office/drawing/2014/main" id="{0C379B43-A2BB-4D11-B452-C876E3F2F0F4}"/>
+              </a:ext>
+            </a:extLst>
+          </p:cNvPr>
+          <p:cNvCxnSpPr>
+            <a:cxnSpLocks/>
+            <a:stCxn id="40" idx="2"/>
+            <a:endCxn id="22" idx="4"/>
+          </p:cNvCxnSpPr>
+          <p:nvPr/>
+        </p:nvCxnSpPr>
+        <p:spPr>
+          <a:xfrm>
+            <a:off x="3152336" y="4388406"/>
+            <a:ext cx="1682248" cy="898700"/>
+          </a:xfrm>
+          <a:prstGeom prst="straightConnector1">
+            <a:avLst/>
+          </a:prstGeom>
+          <a:ln w="19050">
+            <a:solidFill>
+              <a:schemeClr val="tx2"/>
+            </a:solidFill>
+            <a:tailEnd type="triangle"/>
+          </a:ln>
+        </p:spPr>
+        <p:style>
+          <a:lnRef idx="1">
+            <a:schemeClr val="accent1"/>
+          </a:lnRef>
+          <a:fillRef idx="0">
+            <a:schemeClr val="accent1"/>
+          </a:fillRef>
+          <a:effectRef idx="0">
+            <a:schemeClr val="accent1"/>
+          </a:effectRef>
+          <a:fontRef idx="minor">
+            <a:schemeClr val="tx1"/>
+          </a:fontRef>
+        </p:style>
+      </p:cxnSp>
+      <p:cxnSp>
+        <p:nvCxnSpPr>
+          <p:cNvPr id="46" name="Straight Arrow Connector 45">
+            <a:extLst>
+              <a:ext uri="{FF2B5EF4-FFF2-40B4-BE49-F238E27FC236}">
+                <a16:creationId xmlns:a16="http://schemas.microsoft.com/office/drawing/2014/main" id="{BF090E31-F59E-4677-94B9-A3F574EA5F90}"/>
+              </a:ext>
+            </a:extLst>
+          </p:cNvPr>
+          <p:cNvCxnSpPr>
+            <a:cxnSpLocks/>
+            <a:endCxn id="32" idx="1"/>
+          </p:cNvCxnSpPr>
+          <p:nvPr/>
+        </p:nvCxnSpPr>
+        <p:spPr>
+          <a:xfrm>
+            <a:off x="1775545" y="3160057"/>
+            <a:ext cx="1" cy="392342"/>
+          </a:xfrm>
+          <a:prstGeom prst="straightConnector1">
+            <a:avLst/>
+          </a:prstGeom>
+          <a:ln w="19050">
+            <a:solidFill>
+              <a:schemeClr val="tx2"/>
+            </a:solidFill>
+            <a:tailEnd type="triangle"/>
+          </a:ln>
+        </p:spPr>
+        <p:style>
+          <a:lnRef idx="1">
+            <a:schemeClr val="accent1"/>
+          </a:lnRef>
+          <a:fillRef idx="0">
+            <a:schemeClr val="accent1"/>
+          </a:fillRef>
+          <a:effectRef idx="0">
+            <a:schemeClr val="accent1"/>
+          </a:effectRef>
+          <a:fontRef idx="minor">
+            <a:schemeClr val="tx1"/>
+          </a:fontRef>
+        </p:style>
+      </p:cxnSp>
+      <p:sp>
+        <p:nvSpPr>
+          <p:cNvPr id="47" name="TextBox 46">
+            <a:extLst>
+              <a:ext uri="{FF2B5EF4-FFF2-40B4-BE49-F238E27FC236}">
+                <a16:creationId xmlns:a16="http://schemas.microsoft.com/office/drawing/2014/main" id="{B9B731B2-3EB6-4F0A-A0C4-2EEE32D7AB12}"/>
+              </a:ext>
+            </a:extLst>
+          </p:cNvPr>
+          <p:cNvSpPr txBox="1"/>
+          <p:nvPr/>
+        </p:nvSpPr>
+        <p:spPr>
+          <a:xfrm>
+            <a:off x="1812834" y="3104144"/>
+            <a:ext cx="736099" cy="461665"/>
+          </a:xfrm>
+          <a:prstGeom prst="rect">
+            <a:avLst/>
+          </a:prstGeom>
+          <a:noFill/>
+        </p:spPr>
+        <p:txBody>
+          <a:bodyPr wrap="none" rtlCol="0">
+            <a:spAutoFit/>
+          </a:bodyPr>
+          <a:lstStyle/>
+          <a:p>
+            <a:r>
+              <a:rPr lang="en-US" sz="2400" dirty="0">
+                <a:solidFill>
+                  <a:schemeClr val="tx2"/>
+                </a:solidFill>
+                <a:latin typeface="Yanone Kaffeesatz Regular" panose="02000000000000000000" pitchFamily="2" charset="0"/>
+              </a:rPr>
+              <a:t>Query</a:t>
+            </a:r>
+            <a:endParaRPr lang="de-CH" sz="2400" dirty="0">
+              <a:solidFill>
+                <a:schemeClr val="tx2"/>
+              </a:solidFill>
+              <a:latin typeface="Yanone Kaffeesatz Regular" panose="02000000000000000000" pitchFamily="2" charset="0"/>
+            </a:endParaRPr>
+          </a:p>
+        </p:txBody>
+      </p:sp>
+      <p:cxnSp>
+        <p:nvCxnSpPr>
+          <p:cNvPr id="53" name="Straight Arrow Connector 52">
+            <a:extLst>
+              <a:ext uri="{FF2B5EF4-FFF2-40B4-BE49-F238E27FC236}">
+                <a16:creationId xmlns:a16="http://schemas.microsoft.com/office/drawing/2014/main" id="{1BA8847E-BC1F-4ED9-85C7-B2118B04FAB5}"/>
+              </a:ext>
+            </a:extLst>
+          </p:cNvPr>
+          <p:cNvCxnSpPr>
+            <a:cxnSpLocks/>
+            <a:stCxn id="40" idx="1"/>
+            <a:endCxn id="32" idx="4"/>
+          </p:cNvCxnSpPr>
+          <p:nvPr/>
+        </p:nvCxnSpPr>
+        <p:spPr>
+          <a:xfrm flipH="1">
+            <a:off x="2234451" y="3999472"/>
+            <a:ext cx="319776" cy="3410"/>
+          </a:xfrm>
+          <a:prstGeom prst="straightConnector1">
+            <a:avLst/>
+          </a:prstGeom>
+          <a:ln w="19050">
+            <a:solidFill>
+              <a:schemeClr val="tx2"/>
+            </a:solidFill>
+            <a:tailEnd type="triangle"/>
+          </a:ln>
+        </p:spPr>
+        <p:style>
+          <a:lnRef idx="1">
+            <a:schemeClr val="accent1"/>
+          </a:lnRef>
+          <a:fillRef idx="0">
+            <a:schemeClr val="accent1"/>
+          </a:fillRef>
+          <a:effectRef idx="0">
+            <a:schemeClr val="accent1"/>
+          </a:effectRef>
+          <a:fontRef idx="minor">
+            <a:schemeClr val="tx1"/>
+          </a:fontRef>
+        </p:style>
+      </p:cxnSp>
+      <p:sp>
+        <p:nvSpPr>
+          <p:cNvPr id="2" name="Rectangle 1">
+            <a:extLst>
+              <a:ext uri="{FF2B5EF4-FFF2-40B4-BE49-F238E27FC236}">
+                <a16:creationId xmlns:a16="http://schemas.microsoft.com/office/drawing/2014/main" id="{0FD048BC-A364-4398-A638-911D34575AC9}"/>
+              </a:ext>
+            </a:extLst>
+          </p:cNvPr>
+          <p:cNvSpPr/>
+          <p:nvPr/>
+        </p:nvSpPr>
+        <p:spPr>
+          <a:xfrm>
+            <a:off x="2610928" y="1570894"/>
+            <a:ext cx="1075719" cy="603981"/>
+          </a:xfrm>
+          <a:prstGeom prst="rect">
+            <a:avLst/>
+          </a:prstGeom>
+          <a:solidFill>
+            <a:schemeClr val="accent4"/>
+          </a:solidFill>
+          <a:ln>
+            <a:noFill/>
+          </a:ln>
+        </p:spPr>
+        <p:style>
+          <a:lnRef idx="2">
+            <a:schemeClr val="accent1">
+              <a:shade val="50000"/>
+            </a:schemeClr>
+          </a:lnRef>
+          <a:fillRef idx="1">
+            <a:schemeClr val="accent1"/>
+          </a:fillRef>
+          <a:effectRef idx="0">
+            <a:schemeClr val="accent1"/>
+          </a:effectRef>
+          <a:fontRef idx="minor">
+            <a:schemeClr val="lt1"/>
+          </a:fontRef>
+        </p:style>
+        <p:txBody>
+          <a:bodyPr rtlCol="0" anchor="ctr"/>
+          <a:lstStyle/>
+          <a:p>
+            <a:pPr algn="ctr"/>
+            <a:r>
+              <a:rPr lang="en-US" dirty="0">
+                <a:latin typeface="Yanone Kaffeesatz Light" panose="02000000000000000000" pitchFamily="2" charset="0"/>
+              </a:rPr>
+              <a:t>Sending</a:t>
+            </a:r>
+          </a:p>
+        </p:txBody>
+      </p:sp>
+      <p:sp>
+        <p:nvSpPr>
+          <p:cNvPr id="34" name="Rectangle 33">
+            <a:extLst>
+              <a:ext uri="{FF2B5EF4-FFF2-40B4-BE49-F238E27FC236}">
+                <a16:creationId xmlns:a16="http://schemas.microsoft.com/office/drawing/2014/main" id="{019C332C-7A5F-487C-869E-C12A3020022F}"/>
+              </a:ext>
+            </a:extLst>
+          </p:cNvPr>
+          <p:cNvSpPr/>
+          <p:nvPr/>
+        </p:nvSpPr>
+        <p:spPr>
+          <a:xfrm>
+            <a:off x="6141003" y="3054237"/>
+            <a:ext cx="1075719" cy="603981"/>
+          </a:xfrm>
+          <a:prstGeom prst="rect">
+            <a:avLst/>
+          </a:prstGeom>
+          <a:solidFill>
+            <a:schemeClr val="accent4"/>
+          </a:solidFill>
+          <a:ln>
+            <a:noFill/>
+          </a:ln>
+        </p:spPr>
+        <p:style>
+          <a:lnRef idx="2">
+            <a:schemeClr val="accent1">
+              <a:shade val="50000"/>
+            </a:schemeClr>
+          </a:lnRef>
+          <a:fillRef idx="1">
+            <a:schemeClr val="accent1"/>
+          </a:fillRef>
+          <a:effectRef idx="0">
+            <a:schemeClr val="accent1"/>
+          </a:effectRef>
+          <a:fontRef idx="minor">
+            <a:schemeClr val="lt1"/>
+          </a:fontRef>
+        </p:style>
+        <p:txBody>
+          <a:bodyPr rtlCol="0" anchor="ctr"/>
+          <a:lstStyle/>
+          <a:p>
+            <a:pPr algn="ctr"/>
+            <a:r>
+              <a:rPr lang="en-US" dirty="0">
+                <a:latin typeface="Yanone Kaffeesatz Light" panose="02000000000000000000" pitchFamily="2" charset="0"/>
+              </a:rPr>
+              <a:t>Receiving Publishing</a:t>
+            </a:r>
           </a:p>
         </p:txBody>
       </p:sp>
     </p:spTree>
     <p:extLst>
       <p:ext uri="{BB962C8B-B14F-4D97-AF65-F5344CB8AC3E}">
-        <p14:creationId xmlns:p14="http://schemas.microsoft.com/office/powerpoint/2010/main" val="3875863980"/>
+        <p14:creationId xmlns:p14="http://schemas.microsoft.com/office/powerpoint/2010/main" val="770017579"/>
       </p:ext>
     </p:extLst>
   </p:cSld>
@@ -9302,20 +11115,54 @@
       </p:grpSpPr>
       <p:sp>
         <p:nvSpPr>
-          <p:cNvPr id="2" name="Rectangle 1">
-            <a:extLst>
-              <a:ext uri="{FF2B5EF4-FFF2-40B4-BE49-F238E27FC236}">
-                <a16:creationId xmlns:a16="http://schemas.microsoft.com/office/drawing/2014/main" id="{97DF7351-ACAE-4CE4-896D-15AB831B0D59}"/>
-              </a:ext>
-            </a:extLst>
-          </p:cNvPr>
+          <p:cNvPr id="2" name="TextBox 1"/>
+          <p:cNvSpPr txBox="1"/>
+          <p:nvPr/>
+        </p:nvSpPr>
+        <p:spPr>
+          <a:xfrm>
+            <a:off x="2840942" y="1019261"/>
+            <a:ext cx="6510115" cy="4508927"/>
+          </a:xfrm>
+          <a:prstGeom prst="rect">
+            <a:avLst/>
+          </a:prstGeom>
+          <a:noFill/>
+        </p:spPr>
+        <p:txBody>
+          <a:bodyPr wrap="none" rtlCol="0">
+            <a:spAutoFit/>
+          </a:bodyPr>
+          <a:lstStyle/>
+          <a:p>
+            <a:r>
+              <a:rPr lang="en-US" sz="28700" dirty="0">
+                <a:solidFill>
+                  <a:schemeClr val="accent2"/>
+                </a:solidFill>
+                <a:latin typeface="Yanone Kaffeesatz Regular" panose="02000000000000000000" pitchFamily="2" charset="0"/>
+              </a:rPr>
+              <a:t>pump</a:t>
+            </a:r>
+            <a:endParaRPr lang="de-CH" sz="9600" dirty="0">
+              <a:solidFill>
+                <a:schemeClr val="accent4"/>
+              </a:solidFill>
+              <a:latin typeface="Yanone Kaffeesatz Regular" panose="02000000000000000000" pitchFamily="2" charset="0"/>
+            </a:endParaRPr>
+          </a:p>
+        </p:txBody>
+      </p:sp>
+      <p:sp>
+        <p:nvSpPr>
+          <p:cNvPr id="4" name="Rectangle 3"/>
           <p:cNvSpPr/>
           <p:nvPr/>
         </p:nvSpPr>
         <p:spPr>
           <a:xfrm>
-            <a:off x="4929655" y="3013502"/>
-            <a:ext cx="2332690" cy="830997"/>
+            <a:off x="627997" y="961799"/>
+            <a:ext cx="3267241" cy="1107996"/>
           </a:xfrm>
           <a:prstGeom prst="rect">
             <a:avLst/>
@@ -9328,22 +11175,26 @@
           <a:lstStyle/>
           <a:p>
             <a:r>
-              <a:rPr lang="en-US" sz="4800" dirty="0">
+              <a:rPr lang="en-US" sz="6600" dirty="0">
                 <a:solidFill>
                   <a:schemeClr val="tx2"/>
                 </a:solidFill>
                 <a:latin typeface="Yanone Kaffeesatz Regular" panose="02000000000000000000" pitchFamily="2" charset="0"/>
               </a:rPr>
-              <a:t>Placeholder</a:t>
-            </a:r>
-            <a:endParaRPr lang="en-US" dirty="0"/>
+              <a:t>Building the</a:t>
+            </a:r>
+            <a:endParaRPr lang="de-CH" sz="6600" dirty="0">
+              <a:solidFill>
+                <a:schemeClr val="tx2"/>
+              </a:solidFill>
+            </a:endParaRPr>
           </a:p>
         </p:txBody>
       </p:sp>
     </p:spTree>
     <p:extLst>
       <p:ext uri="{BB962C8B-B14F-4D97-AF65-F5344CB8AC3E}">
-        <p14:creationId xmlns:p14="http://schemas.microsoft.com/office/powerpoint/2010/main" val="3977368709"/>
+        <p14:creationId xmlns:p14="http://schemas.microsoft.com/office/powerpoint/2010/main" val="2522501205"/>
       </p:ext>
     </p:extLst>
   </p:cSld>
@@ -9375,7 +11226,7 @@
           <p:cNvPr id="2" name="Rectangle 1">
             <a:extLst>
               <a:ext uri="{FF2B5EF4-FFF2-40B4-BE49-F238E27FC236}">
-                <a16:creationId xmlns:a16="http://schemas.microsoft.com/office/drawing/2014/main" id="{A806BDD5-DAAF-4F61-BAD4-94A06101EC71}"/>
+                <a16:creationId xmlns:a16="http://schemas.microsoft.com/office/drawing/2014/main" id="{97DF7351-ACAE-4CE4-896D-15AB831B0D59}"/>
               </a:ext>
             </a:extLst>
           </p:cNvPr>
@@ -9413,7 +11264,7 @@
     </p:spTree>
     <p:extLst>
       <p:ext uri="{BB962C8B-B14F-4D97-AF65-F5344CB8AC3E}">
-        <p14:creationId xmlns:p14="http://schemas.microsoft.com/office/powerpoint/2010/main" val="333524413"/>
+        <p14:creationId xmlns:p14="http://schemas.microsoft.com/office/powerpoint/2010/main" val="3977368709"/>
       </p:ext>
     </p:extLst>
   </p:cSld>
